--- a/gimpdata/表情見本.pptx
+++ b/gimpdata/表情見本.pptx
@@ -6,6 +6,8 @@
   </p:sldMasterIdLst>
   <p:sldIdLst>
     <p:sldId id="256" r:id="rId2"/>
+    <p:sldId id="257" r:id="rId3"/>
+    <p:sldId id="258" r:id="rId4"/>
   </p:sldIdLst>
   <p:sldSz cx="10439400" cy="7559675"/>
   <p:notesSz cx="6888163" cy="10020300"/>
@@ -243,7 +245,7 @@
           <a:p>
             <a:fld id="{3B0858AE-7E7B-4A38-949A-C2534A72436B}" type="datetimeFigureOut">
               <a:rPr kumimoji="1" lang="ja-JP" altLang="en-US" smtClean="0"/>
-              <a:t>2021/10/3</a:t>
+              <a:t>2021/10/4</a:t>
             </a:fld>
             <a:endParaRPr kumimoji="1" lang="ja-JP" altLang="en-US"/>
           </a:p>
@@ -445,7 +447,7 @@
           <a:p>
             <a:fld id="{3B0858AE-7E7B-4A38-949A-C2534A72436B}" type="datetimeFigureOut">
               <a:rPr kumimoji="1" lang="ja-JP" altLang="en-US" smtClean="0"/>
-              <a:t>2021/10/3</a:t>
+              <a:t>2021/10/4</a:t>
             </a:fld>
             <a:endParaRPr kumimoji="1" lang="ja-JP" altLang="en-US"/>
           </a:p>
@@ -657,7 +659,7 @@
           <a:p>
             <a:fld id="{3B0858AE-7E7B-4A38-949A-C2534A72436B}" type="datetimeFigureOut">
               <a:rPr kumimoji="1" lang="ja-JP" altLang="en-US" smtClean="0"/>
-              <a:t>2021/10/3</a:t>
+              <a:t>2021/10/4</a:t>
             </a:fld>
             <a:endParaRPr kumimoji="1" lang="ja-JP" altLang="en-US"/>
           </a:p>
@@ -859,7 +861,7 @@
           <a:p>
             <a:fld id="{3B0858AE-7E7B-4A38-949A-C2534A72436B}" type="datetimeFigureOut">
               <a:rPr kumimoji="1" lang="ja-JP" altLang="en-US" smtClean="0"/>
-              <a:t>2021/10/3</a:t>
+              <a:t>2021/10/4</a:t>
             </a:fld>
             <a:endParaRPr kumimoji="1" lang="ja-JP" altLang="en-US"/>
           </a:p>
@@ -1105,7 +1107,7 @@
           <a:p>
             <a:fld id="{3B0858AE-7E7B-4A38-949A-C2534A72436B}" type="datetimeFigureOut">
               <a:rPr kumimoji="1" lang="ja-JP" altLang="en-US" smtClean="0"/>
-              <a:t>2021/10/3</a:t>
+              <a:t>2021/10/4</a:t>
             </a:fld>
             <a:endParaRPr kumimoji="1" lang="ja-JP" altLang="en-US"/>
           </a:p>
@@ -1401,7 +1403,7 @@
           <a:p>
             <a:fld id="{3B0858AE-7E7B-4A38-949A-C2534A72436B}" type="datetimeFigureOut">
               <a:rPr kumimoji="1" lang="ja-JP" altLang="en-US" smtClean="0"/>
-              <a:t>2021/10/3</a:t>
+              <a:t>2021/10/4</a:t>
             </a:fld>
             <a:endParaRPr kumimoji="1" lang="ja-JP" altLang="en-US"/>
           </a:p>
@@ -1832,7 +1834,7 @@
           <a:p>
             <a:fld id="{3B0858AE-7E7B-4A38-949A-C2534A72436B}" type="datetimeFigureOut">
               <a:rPr kumimoji="1" lang="ja-JP" altLang="en-US" smtClean="0"/>
-              <a:t>2021/10/3</a:t>
+              <a:t>2021/10/4</a:t>
             </a:fld>
             <a:endParaRPr kumimoji="1" lang="ja-JP" altLang="en-US"/>
           </a:p>
@@ -1950,7 +1952,7 @@
           <a:p>
             <a:fld id="{3B0858AE-7E7B-4A38-949A-C2534A72436B}" type="datetimeFigureOut">
               <a:rPr kumimoji="1" lang="ja-JP" altLang="en-US" smtClean="0"/>
-              <a:t>2021/10/3</a:t>
+              <a:t>2021/10/4</a:t>
             </a:fld>
             <a:endParaRPr kumimoji="1" lang="ja-JP" altLang="en-US"/>
           </a:p>
@@ -2045,7 +2047,7 @@
           <a:p>
             <a:fld id="{3B0858AE-7E7B-4A38-949A-C2534A72436B}" type="datetimeFigureOut">
               <a:rPr kumimoji="1" lang="ja-JP" altLang="en-US" smtClean="0"/>
-              <a:t>2021/10/3</a:t>
+              <a:t>2021/10/4</a:t>
             </a:fld>
             <a:endParaRPr kumimoji="1" lang="ja-JP" altLang="en-US"/>
           </a:p>
@@ -2354,7 +2356,7 @@
           <a:p>
             <a:fld id="{3B0858AE-7E7B-4A38-949A-C2534A72436B}" type="datetimeFigureOut">
               <a:rPr kumimoji="1" lang="ja-JP" altLang="en-US" smtClean="0"/>
-              <a:t>2021/10/3</a:t>
+              <a:t>2021/10/4</a:t>
             </a:fld>
             <a:endParaRPr kumimoji="1" lang="ja-JP" altLang="en-US"/>
           </a:p>
@@ -2607,7 +2609,7 @@
           <a:p>
             <a:fld id="{3B0858AE-7E7B-4A38-949A-C2534A72436B}" type="datetimeFigureOut">
               <a:rPr kumimoji="1" lang="ja-JP" altLang="en-US" smtClean="0"/>
-              <a:t>2021/10/3</a:t>
+              <a:t>2021/10/4</a:t>
             </a:fld>
             <a:endParaRPr kumimoji="1" lang="ja-JP" altLang="en-US"/>
           </a:p>
@@ -2852,7 +2854,7 @@
           <a:p>
             <a:fld id="{3B0858AE-7E7B-4A38-949A-C2534A72436B}" type="datetimeFigureOut">
               <a:rPr kumimoji="1" lang="ja-JP" altLang="en-US" smtClean="0"/>
-              <a:t>2021/10/3</a:t>
+              <a:t>2021/10/4</a:t>
             </a:fld>
             <a:endParaRPr kumimoji="1" lang="ja-JP" altLang="en-US"/>
           </a:p>
@@ -5608,6 +5610,4781 @@
 </p:sld>
 </file>
 
+<file path=ppt/slides/slide2.xml><?xml version="1.0" encoding="utf-8"?>
+<p:sld xmlns:a="http://schemas.openxmlformats.org/drawingml/2006/main" xmlns:r="http://schemas.openxmlformats.org/officeDocument/2006/relationships" xmlns:p="http://schemas.openxmlformats.org/presentationml/2006/main">
+  <p:cSld>
+    <p:spTree>
+      <p:nvGrpSpPr>
+        <p:cNvPr id="1" name=""/>
+        <p:cNvGrpSpPr/>
+        <p:nvPr/>
+      </p:nvGrpSpPr>
+      <p:grpSpPr>
+        <a:xfrm>
+          <a:off x="0" y="0"/>
+          <a:ext cx="0" cy="0"/>
+          <a:chOff x="0" y="0"/>
+          <a:chExt cx="0" cy="0"/>
+        </a:xfrm>
+      </p:grpSpPr>
+      <p:sp>
+        <p:nvSpPr>
+          <p:cNvPr id="7" name="テキスト ボックス 6"/>
+          <p:cNvSpPr txBox="1"/>
+          <p:nvPr/>
+        </p:nvSpPr>
+        <p:spPr>
+          <a:xfrm>
+            <a:off x="241108" y="190507"/>
+            <a:ext cx="2340166" cy="707886"/>
+          </a:xfrm>
+          <a:prstGeom prst="rect">
+            <a:avLst/>
+          </a:prstGeom>
+          <a:noFill/>
+        </p:spPr>
+        <p:txBody>
+          <a:bodyPr wrap="square" rtlCol="0">
+            <a:spAutoFit/>
+          </a:bodyPr>
+          <a:lstStyle/>
+          <a:p>
+            <a:r>
+              <a:rPr kumimoji="1" lang="en-US" altLang="ja-JP" sz="4000" dirty="0" smtClean="0">
+                <a:solidFill>
+                  <a:schemeClr val="bg1">
+                    <a:lumMod val="75000"/>
+                    <a:alpha val="50000"/>
+                  </a:schemeClr>
+                </a:solidFill>
+                <a:latin typeface="源界明朝" panose="02000900000000000000" pitchFamily="2" charset="-128"/>
+                <a:ea typeface="源界明朝" panose="02000900000000000000" pitchFamily="2" charset="-128"/>
+              </a:rPr>
+              <a:t>#0</a:t>
+            </a:r>
+            <a:r>
+              <a:rPr kumimoji="1" lang="ja-JP" altLang="en-US" sz="4000" dirty="0" smtClean="0">
+                <a:solidFill>
+                  <a:schemeClr val="bg1">
+                    <a:lumMod val="75000"/>
+                    <a:alpha val="50000"/>
+                  </a:schemeClr>
+                </a:solidFill>
+                <a:latin typeface="源界明朝" panose="02000900000000000000" pitchFamily="2" charset="-128"/>
+                <a:ea typeface="源界明朝" panose="02000900000000000000" pitchFamily="2" charset="-128"/>
+              </a:rPr>
+              <a:t>４</a:t>
+            </a:r>
+            <a:endParaRPr kumimoji="1" lang="ja-JP" altLang="en-US" sz="4000" dirty="0">
+              <a:solidFill>
+                <a:schemeClr val="bg1">
+                  <a:lumMod val="75000"/>
+                  <a:alpha val="50000"/>
+                </a:schemeClr>
+              </a:solidFill>
+              <a:latin typeface="源界明朝" panose="02000900000000000000" pitchFamily="2" charset="-128"/>
+              <a:ea typeface="源界明朝" panose="02000900000000000000" pitchFamily="2" charset="-128"/>
+            </a:endParaRPr>
+          </a:p>
+        </p:txBody>
+      </p:sp>
+      <p:sp>
+        <p:nvSpPr>
+          <p:cNvPr id="6" name="テキスト ボックス 5"/>
+          <p:cNvSpPr txBox="1"/>
+          <p:nvPr/>
+        </p:nvSpPr>
+        <p:spPr>
+          <a:xfrm>
+            <a:off x="609600" y="375173"/>
+            <a:ext cx="2752725" cy="523220"/>
+          </a:xfrm>
+          <a:prstGeom prst="rect">
+            <a:avLst/>
+          </a:prstGeom>
+          <a:noFill/>
+        </p:spPr>
+        <p:txBody>
+          <a:bodyPr wrap="square" rtlCol="0">
+            <a:spAutoFit/>
+          </a:bodyPr>
+          <a:lstStyle/>
+          <a:p>
+            <a:r>
+              <a:rPr kumimoji="1" lang="ja-JP" altLang="en-US" sz="2800" dirty="0" smtClean="0">
+                <a:latin typeface="コーポレートやわ明 Medium" panose="02000600000000000000" pitchFamily="2" charset="-128"/>
+                <a:ea typeface="コーポレートやわ明 Medium" panose="02000600000000000000" pitchFamily="2" charset="-128"/>
+              </a:rPr>
+              <a:t>熊綿 雨優</a:t>
+            </a:r>
+            <a:endParaRPr kumimoji="1" lang="ja-JP" altLang="en-US" sz="2800" dirty="0">
+              <a:latin typeface="コーポレートやわ明 Medium" panose="02000600000000000000" pitchFamily="2" charset="-128"/>
+              <a:ea typeface="コーポレートやわ明 Medium" panose="02000600000000000000" pitchFamily="2" charset="-128"/>
+            </a:endParaRPr>
+          </a:p>
+        </p:txBody>
+      </p:sp>
+      <p:grpSp>
+        <p:nvGrpSpPr>
+          <p:cNvPr id="14" name="グループ化 13"/>
+          <p:cNvGrpSpPr/>
+          <p:nvPr/>
+        </p:nvGrpSpPr>
+        <p:grpSpPr>
+          <a:xfrm>
+            <a:off x="282382" y="956059"/>
+            <a:ext cx="1469376" cy="1701795"/>
+            <a:chOff x="578500" y="1083059"/>
+            <a:chExt cx="1469376" cy="1701795"/>
+          </a:xfrm>
+        </p:grpSpPr>
+        <p:pic>
+          <p:nvPicPr>
+            <p:cNvPr id="10" name="図 9"/>
+            <p:cNvPicPr>
+              <a:picLocks noChangeAspect="1"/>
+            </p:cNvPicPr>
+            <p:nvPr/>
+          </p:nvPicPr>
+          <p:blipFill>
+            <a:blip r:embed="rId2" cstate="print">
+              <a:extLst>
+                <a:ext uri="{28A0092B-C50C-407E-A947-70E740481C1C}">
+                  <a14:useLocalDpi xmlns:a14="http://schemas.microsoft.com/office/drawing/2010/main" val="0"/>
+                </a:ext>
+              </a:extLst>
+            </a:blip>
+            <a:stretch>
+              <a:fillRect/>
+            </a:stretch>
+          </p:blipFill>
+          <p:spPr>
+            <a:xfrm>
+              <a:off x="706341" y="1083059"/>
+              <a:ext cx="1265334" cy="1265334"/>
+            </a:xfrm>
+            <a:prstGeom prst="rect">
+              <a:avLst/>
+            </a:prstGeom>
+          </p:spPr>
+        </p:pic>
+        <p:sp>
+          <p:nvSpPr>
+            <p:cNvPr id="11" name="テキスト ボックス 10"/>
+            <p:cNvSpPr txBox="1"/>
+            <p:nvPr/>
+          </p:nvSpPr>
+          <p:spPr>
+            <a:xfrm>
+              <a:off x="578500" y="2533059"/>
+              <a:ext cx="1469376" cy="251795"/>
+            </a:xfrm>
+            <a:prstGeom prst="rect">
+              <a:avLst/>
+            </a:prstGeom>
+            <a:solidFill>
+              <a:schemeClr val="bg1">
+                <a:lumMod val="85000"/>
+              </a:schemeClr>
+            </a:solidFill>
+          </p:spPr>
+          <p:txBody>
+            <a:bodyPr wrap="square" lIns="36000" tIns="18000" rIns="36000" bIns="18000" rtlCol="0">
+              <a:spAutoFit/>
+            </a:bodyPr>
+            <a:lstStyle/>
+            <a:p>
+              <a:pPr algn="ctr"/>
+              <a:r>
+                <a:rPr lang="ja-JP" altLang="en-US" sz="1400" dirty="0" smtClean="0">
+                  <a:solidFill>
+                    <a:schemeClr val="tx1">
+                      <a:lumMod val="85000"/>
+                      <a:lumOff val="15000"/>
+                    </a:schemeClr>
+                  </a:solidFill>
+                  <a:latin typeface="源柔ゴシックX Bold" panose="020B0602020203020207" pitchFamily="50" charset="-128"/>
+                  <a:ea typeface="源柔ゴシックX Bold" panose="020B0602020203020207" pitchFamily="50" charset="-128"/>
+                  <a:cs typeface="源柔ゴシックX Bold" panose="020B0602020203020207" pitchFamily="50" charset="-128"/>
+                </a:rPr>
+                <a:t>01. 通常</a:t>
+              </a:r>
+            </a:p>
+          </p:txBody>
+        </p:sp>
+      </p:grpSp>
+      <p:grpSp>
+        <p:nvGrpSpPr>
+          <p:cNvPr id="15" name="グループ化 14"/>
+          <p:cNvGrpSpPr/>
+          <p:nvPr/>
+        </p:nvGrpSpPr>
+        <p:grpSpPr>
+          <a:xfrm>
+            <a:off x="1953106" y="956059"/>
+            <a:ext cx="1469376" cy="1701795"/>
+            <a:chOff x="2293000" y="1083059"/>
+            <a:chExt cx="1469376" cy="1701795"/>
+          </a:xfrm>
+        </p:grpSpPr>
+        <p:pic>
+          <p:nvPicPr>
+            <p:cNvPr id="12" name="図 11"/>
+            <p:cNvPicPr>
+              <a:picLocks noChangeAspect="1"/>
+            </p:cNvPicPr>
+            <p:nvPr/>
+          </p:nvPicPr>
+          <p:blipFill>
+            <a:blip r:embed="rId3" cstate="print">
+              <a:extLst>
+                <a:ext uri="{28A0092B-C50C-407E-A947-70E740481C1C}">
+                  <a14:useLocalDpi xmlns:a14="http://schemas.microsoft.com/office/drawing/2010/main" val="0"/>
+                </a:ext>
+              </a:extLst>
+            </a:blip>
+            <a:stretch>
+              <a:fillRect/>
+            </a:stretch>
+          </p:blipFill>
+          <p:spPr>
+            <a:xfrm>
+              <a:off x="2420841" y="1083059"/>
+              <a:ext cx="1265334" cy="1265334"/>
+            </a:xfrm>
+            <a:prstGeom prst="rect">
+              <a:avLst/>
+            </a:prstGeom>
+          </p:spPr>
+        </p:pic>
+        <p:sp>
+          <p:nvSpPr>
+            <p:cNvPr id="13" name="テキスト ボックス 12"/>
+            <p:cNvSpPr txBox="1"/>
+            <p:nvPr/>
+          </p:nvSpPr>
+          <p:spPr>
+            <a:xfrm>
+              <a:off x="2293000" y="2533059"/>
+              <a:ext cx="1469376" cy="251795"/>
+            </a:xfrm>
+            <a:prstGeom prst="rect">
+              <a:avLst/>
+            </a:prstGeom>
+            <a:solidFill>
+              <a:schemeClr val="bg1">
+                <a:lumMod val="85000"/>
+              </a:schemeClr>
+            </a:solidFill>
+          </p:spPr>
+          <p:txBody>
+            <a:bodyPr wrap="square" lIns="36000" tIns="18000" rIns="36000" bIns="18000" rtlCol="0">
+              <a:spAutoFit/>
+            </a:bodyPr>
+            <a:lstStyle/>
+            <a:p>
+              <a:pPr algn="ctr"/>
+              <a:r>
+                <a:rPr lang="en-US" altLang="ja-JP" sz="1400" dirty="0" smtClean="0">
+                  <a:solidFill>
+                    <a:schemeClr val="tx1">
+                      <a:lumMod val="85000"/>
+                      <a:lumOff val="15000"/>
+                    </a:schemeClr>
+                  </a:solidFill>
+                  <a:latin typeface="源柔ゴシックX Bold" panose="020B0602020203020207" pitchFamily="50" charset="-128"/>
+                  <a:ea typeface="源柔ゴシックX Bold" panose="020B0602020203020207" pitchFamily="50" charset="-128"/>
+                  <a:cs typeface="源柔ゴシックX Bold" panose="020B0602020203020207" pitchFamily="50" charset="-128"/>
+                </a:rPr>
+                <a:t>02. </a:t>
+              </a:r>
+              <a:r>
+                <a:rPr lang="ja-JP" altLang="en-US" sz="1400" dirty="0" smtClean="0">
+                  <a:solidFill>
+                    <a:schemeClr val="tx1">
+                      <a:lumMod val="85000"/>
+                      <a:lumOff val="15000"/>
+                    </a:schemeClr>
+                  </a:solidFill>
+                  <a:latin typeface="源柔ゴシックX Bold" panose="020B0602020203020207" pitchFamily="50" charset="-128"/>
+                  <a:ea typeface="源柔ゴシックX Bold" panose="020B0602020203020207" pitchFamily="50" charset="-128"/>
+                  <a:cs typeface="源柔ゴシックX Bold" panose="020B0602020203020207" pitchFamily="50" charset="-128"/>
+                </a:rPr>
+                <a:t>聞き顔</a:t>
+              </a:r>
+            </a:p>
+          </p:txBody>
+        </p:sp>
+      </p:grpSp>
+      <p:grpSp>
+        <p:nvGrpSpPr>
+          <p:cNvPr id="16" name="グループ化 15"/>
+          <p:cNvGrpSpPr/>
+          <p:nvPr/>
+        </p:nvGrpSpPr>
+        <p:grpSpPr>
+          <a:xfrm>
+            <a:off x="3623830" y="956059"/>
+            <a:ext cx="1469376" cy="1701795"/>
+            <a:chOff x="2293000" y="1083059"/>
+            <a:chExt cx="1469376" cy="1701795"/>
+          </a:xfrm>
+        </p:grpSpPr>
+        <p:pic>
+          <p:nvPicPr>
+            <p:cNvPr id="17" name="図 16"/>
+            <p:cNvPicPr>
+              <a:picLocks noChangeAspect="1"/>
+            </p:cNvPicPr>
+            <p:nvPr/>
+          </p:nvPicPr>
+          <p:blipFill>
+            <a:blip r:embed="rId4" cstate="print">
+              <a:extLst>
+                <a:ext uri="{28A0092B-C50C-407E-A947-70E740481C1C}">
+                  <a14:useLocalDpi xmlns:a14="http://schemas.microsoft.com/office/drawing/2010/main" val="0"/>
+                </a:ext>
+              </a:extLst>
+            </a:blip>
+            <a:stretch>
+              <a:fillRect/>
+            </a:stretch>
+          </p:blipFill>
+          <p:spPr>
+            <a:xfrm>
+              <a:off x="2420841" y="1083059"/>
+              <a:ext cx="1265334" cy="1265334"/>
+            </a:xfrm>
+            <a:prstGeom prst="rect">
+              <a:avLst/>
+            </a:prstGeom>
+          </p:spPr>
+        </p:pic>
+        <p:sp>
+          <p:nvSpPr>
+            <p:cNvPr id="18" name="テキスト ボックス 17"/>
+            <p:cNvSpPr txBox="1"/>
+            <p:nvPr/>
+          </p:nvSpPr>
+          <p:spPr>
+            <a:xfrm>
+              <a:off x="2293000" y="2533059"/>
+              <a:ext cx="1469376" cy="251795"/>
+            </a:xfrm>
+            <a:prstGeom prst="rect">
+              <a:avLst/>
+            </a:prstGeom>
+            <a:solidFill>
+              <a:schemeClr val="bg1">
+                <a:lumMod val="85000"/>
+              </a:schemeClr>
+            </a:solidFill>
+          </p:spPr>
+          <p:txBody>
+            <a:bodyPr wrap="square" lIns="36000" tIns="18000" rIns="36000" bIns="18000" rtlCol="0">
+              <a:spAutoFit/>
+            </a:bodyPr>
+            <a:lstStyle/>
+            <a:p>
+              <a:pPr algn="ctr"/>
+              <a:r>
+                <a:rPr lang="en-US" altLang="ja-JP" sz="1400" dirty="0" smtClean="0">
+                  <a:solidFill>
+                    <a:schemeClr val="tx1">
+                      <a:lumMod val="85000"/>
+                      <a:lumOff val="15000"/>
+                    </a:schemeClr>
+                  </a:solidFill>
+                  <a:latin typeface="源柔ゴシックX Bold" panose="020B0602020203020207" pitchFamily="50" charset="-128"/>
+                  <a:ea typeface="源柔ゴシックX Bold" panose="020B0602020203020207" pitchFamily="50" charset="-128"/>
+                  <a:cs typeface="源柔ゴシックX Bold" panose="020B0602020203020207" pitchFamily="50" charset="-128"/>
+                </a:rPr>
+                <a:t>03. </a:t>
+              </a:r>
+              <a:r>
+                <a:rPr lang="ja-JP" altLang="en-US" sz="1400" dirty="0" smtClean="0">
+                  <a:solidFill>
+                    <a:schemeClr val="tx1">
+                      <a:lumMod val="85000"/>
+                      <a:lumOff val="15000"/>
+                    </a:schemeClr>
+                  </a:solidFill>
+                  <a:latin typeface="源柔ゴシックX Bold" panose="020B0602020203020207" pitchFamily="50" charset="-128"/>
+                  <a:ea typeface="源柔ゴシックX Bold" panose="020B0602020203020207" pitchFamily="50" charset="-128"/>
+                  <a:cs typeface="源柔ゴシックX Bold" panose="020B0602020203020207" pitchFamily="50" charset="-128"/>
+                </a:rPr>
+                <a:t>笑顔</a:t>
+              </a:r>
+              <a:r>
+                <a:rPr lang="en-US" altLang="ja-JP" sz="1400" dirty="0" smtClean="0">
+                  <a:solidFill>
+                    <a:schemeClr val="tx1">
+                      <a:lumMod val="85000"/>
+                      <a:lumOff val="15000"/>
+                    </a:schemeClr>
+                  </a:solidFill>
+                  <a:latin typeface="源柔ゴシックX Bold" panose="020B0602020203020207" pitchFamily="50" charset="-128"/>
+                  <a:ea typeface="源柔ゴシックX Bold" panose="020B0602020203020207" pitchFamily="50" charset="-128"/>
+                  <a:cs typeface="源柔ゴシックX Bold" panose="020B0602020203020207" pitchFamily="50" charset="-128"/>
+                </a:rPr>
+                <a:t>1</a:t>
+              </a:r>
+              <a:endParaRPr lang="ja-JP" altLang="en-US" sz="1400" dirty="0" smtClean="0">
+                <a:solidFill>
+                  <a:schemeClr val="tx1">
+                    <a:lumMod val="85000"/>
+                    <a:lumOff val="15000"/>
+                  </a:schemeClr>
+                </a:solidFill>
+                <a:latin typeface="源柔ゴシックX Bold" panose="020B0602020203020207" pitchFamily="50" charset="-128"/>
+                <a:ea typeface="源柔ゴシックX Bold" panose="020B0602020203020207" pitchFamily="50" charset="-128"/>
+                <a:cs typeface="源柔ゴシックX Bold" panose="020B0602020203020207" pitchFamily="50" charset="-128"/>
+              </a:endParaRPr>
+            </a:p>
+          </p:txBody>
+        </p:sp>
+      </p:grpSp>
+      <p:grpSp>
+        <p:nvGrpSpPr>
+          <p:cNvPr id="19" name="グループ化 18"/>
+          <p:cNvGrpSpPr/>
+          <p:nvPr/>
+        </p:nvGrpSpPr>
+        <p:grpSpPr>
+          <a:xfrm>
+            <a:off x="5294554" y="956059"/>
+            <a:ext cx="1469376" cy="1701795"/>
+            <a:chOff x="2293000" y="1083059"/>
+            <a:chExt cx="1469376" cy="1701795"/>
+          </a:xfrm>
+        </p:grpSpPr>
+        <p:pic>
+          <p:nvPicPr>
+            <p:cNvPr id="20" name="図 19"/>
+            <p:cNvPicPr>
+              <a:picLocks noChangeAspect="1"/>
+            </p:cNvPicPr>
+            <p:nvPr/>
+          </p:nvPicPr>
+          <p:blipFill>
+            <a:blip r:embed="rId5" cstate="print">
+              <a:extLst>
+                <a:ext uri="{28A0092B-C50C-407E-A947-70E740481C1C}">
+                  <a14:useLocalDpi xmlns:a14="http://schemas.microsoft.com/office/drawing/2010/main" val="0"/>
+                </a:ext>
+              </a:extLst>
+            </a:blip>
+            <a:stretch>
+              <a:fillRect/>
+            </a:stretch>
+          </p:blipFill>
+          <p:spPr>
+            <a:xfrm>
+              <a:off x="2420841" y="1083059"/>
+              <a:ext cx="1265334" cy="1265334"/>
+            </a:xfrm>
+            <a:prstGeom prst="rect">
+              <a:avLst/>
+            </a:prstGeom>
+          </p:spPr>
+        </p:pic>
+        <p:sp>
+          <p:nvSpPr>
+            <p:cNvPr id="21" name="テキスト ボックス 20"/>
+            <p:cNvSpPr txBox="1"/>
+            <p:nvPr/>
+          </p:nvSpPr>
+          <p:spPr>
+            <a:xfrm>
+              <a:off x="2293000" y="2533059"/>
+              <a:ext cx="1469376" cy="251795"/>
+            </a:xfrm>
+            <a:prstGeom prst="rect">
+              <a:avLst/>
+            </a:prstGeom>
+            <a:solidFill>
+              <a:schemeClr val="bg1">
+                <a:lumMod val="85000"/>
+              </a:schemeClr>
+            </a:solidFill>
+          </p:spPr>
+          <p:txBody>
+            <a:bodyPr wrap="square" lIns="36000" tIns="18000" rIns="36000" bIns="18000" rtlCol="0">
+              <a:spAutoFit/>
+            </a:bodyPr>
+            <a:lstStyle/>
+            <a:p>
+              <a:pPr algn="ctr"/>
+              <a:r>
+                <a:rPr lang="en-US" altLang="ja-JP" sz="1400" dirty="0" smtClean="0">
+                  <a:solidFill>
+                    <a:schemeClr val="tx1">
+                      <a:lumMod val="85000"/>
+                      <a:lumOff val="15000"/>
+                    </a:schemeClr>
+                  </a:solidFill>
+                  <a:latin typeface="源柔ゴシックX Bold" panose="020B0602020203020207" pitchFamily="50" charset="-128"/>
+                  <a:ea typeface="源柔ゴシックX Bold" panose="020B0602020203020207" pitchFamily="50" charset="-128"/>
+                  <a:cs typeface="源柔ゴシックX Bold" panose="020B0602020203020207" pitchFamily="50" charset="-128"/>
+                </a:rPr>
+                <a:t>04</a:t>
+              </a:r>
+              <a:r>
+                <a:rPr lang="en-US" altLang="ja-JP" sz="1400" smtClean="0">
+                  <a:solidFill>
+                    <a:schemeClr val="tx1">
+                      <a:lumMod val="85000"/>
+                      <a:lumOff val="15000"/>
+                    </a:schemeClr>
+                  </a:solidFill>
+                  <a:latin typeface="源柔ゴシックX Bold" panose="020B0602020203020207" pitchFamily="50" charset="-128"/>
+                  <a:ea typeface="源柔ゴシックX Bold" panose="020B0602020203020207" pitchFamily="50" charset="-128"/>
+                  <a:cs typeface="源柔ゴシックX Bold" panose="020B0602020203020207" pitchFamily="50" charset="-128"/>
+                </a:rPr>
+                <a:t>. </a:t>
+              </a:r>
+              <a:r>
+                <a:rPr lang="ja-JP" altLang="en-US" sz="1400" dirty="0" smtClean="0">
+                  <a:solidFill>
+                    <a:schemeClr val="tx1">
+                      <a:lumMod val="85000"/>
+                      <a:lumOff val="15000"/>
+                    </a:schemeClr>
+                  </a:solidFill>
+                  <a:latin typeface="源柔ゴシックX Bold" panose="020B0602020203020207" pitchFamily="50" charset="-128"/>
+                  <a:ea typeface="源柔ゴシックX Bold" panose="020B0602020203020207" pitchFamily="50" charset="-128"/>
+                  <a:cs typeface="源柔ゴシックX Bold" panose="020B0602020203020207" pitchFamily="50" charset="-128"/>
+                </a:rPr>
+                <a:t>笑顔</a:t>
+              </a:r>
+              <a:r>
+                <a:rPr lang="en-US" altLang="ja-JP" sz="1400" dirty="0" smtClean="0">
+                  <a:solidFill>
+                    <a:schemeClr val="tx1">
+                      <a:lumMod val="85000"/>
+                      <a:lumOff val="15000"/>
+                    </a:schemeClr>
+                  </a:solidFill>
+                  <a:latin typeface="源柔ゴシックX Bold" panose="020B0602020203020207" pitchFamily="50" charset="-128"/>
+                  <a:ea typeface="源柔ゴシックX Bold" panose="020B0602020203020207" pitchFamily="50" charset="-128"/>
+                  <a:cs typeface="源柔ゴシックX Bold" panose="020B0602020203020207" pitchFamily="50" charset="-128"/>
+                </a:rPr>
+                <a:t>2</a:t>
+              </a:r>
+              <a:endParaRPr lang="ja-JP" altLang="en-US" sz="1400" dirty="0" smtClean="0">
+                <a:solidFill>
+                  <a:schemeClr val="tx1">
+                    <a:lumMod val="85000"/>
+                    <a:lumOff val="15000"/>
+                  </a:schemeClr>
+                </a:solidFill>
+                <a:latin typeface="源柔ゴシックX Bold" panose="020B0602020203020207" pitchFamily="50" charset="-128"/>
+                <a:ea typeface="源柔ゴシックX Bold" panose="020B0602020203020207" pitchFamily="50" charset="-128"/>
+                <a:cs typeface="源柔ゴシックX Bold" panose="020B0602020203020207" pitchFamily="50" charset="-128"/>
+              </a:endParaRPr>
+            </a:p>
+          </p:txBody>
+        </p:sp>
+      </p:grpSp>
+      <p:grpSp>
+        <p:nvGrpSpPr>
+          <p:cNvPr id="22" name="グループ化 21"/>
+          <p:cNvGrpSpPr/>
+          <p:nvPr/>
+        </p:nvGrpSpPr>
+        <p:grpSpPr>
+          <a:xfrm>
+            <a:off x="6965278" y="956059"/>
+            <a:ext cx="1469376" cy="1701795"/>
+            <a:chOff x="2293000" y="1083059"/>
+            <a:chExt cx="1469376" cy="1701795"/>
+          </a:xfrm>
+        </p:grpSpPr>
+        <p:pic>
+          <p:nvPicPr>
+            <p:cNvPr id="23" name="図 22"/>
+            <p:cNvPicPr>
+              <a:picLocks noChangeAspect="1"/>
+            </p:cNvPicPr>
+            <p:nvPr/>
+          </p:nvPicPr>
+          <p:blipFill>
+            <a:blip r:embed="rId6" cstate="print">
+              <a:extLst>
+                <a:ext uri="{28A0092B-C50C-407E-A947-70E740481C1C}">
+                  <a14:useLocalDpi xmlns:a14="http://schemas.microsoft.com/office/drawing/2010/main" val="0"/>
+                </a:ext>
+              </a:extLst>
+            </a:blip>
+            <a:stretch>
+              <a:fillRect/>
+            </a:stretch>
+          </p:blipFill>
+          <p:spPr>
+            <a:xfrm>
+              <a:off x="2420841" y="1083059"/>
+              <a:ext cx="1265334" cy="1265334"/>
+            </a:xfrm>
+            <a:prstGeom prst="rect">
+              <a:avLst/>
+            </a:prstGeom>
+          </p:spPr>
+        </p:pic>
+        <p:sp>
+          <p:nvSpPr>
+            <p:cNvPr id="24" name="テキスト ボックス 23"/>
+            <p:cNvSpPr txBox="1"/>
+            <p:nvPr/>
+          </p:nvSpPr>
+          <p:spPr>
+            <a:xfrm>
+              <a:off x="2293000" y="2533059"/>
+              <a:ext cx="1469376" cy="251795"/>
+            </a:xfrm>
+            <a:prstGeom prst="rect">
+              <a:avLst/>
+            </a:prstGeom>
+            <a:solidFill>
+              <a:schemeClr val="bg1">
+                <a:lumMod val="85000"/>
+              </a:schemeClr>
+            </a:solidFill>
+          </p:spPr>
+          <p:txBody>
+            <a:bodyPr wrap="square" lIns="36000" tIns="18000" rIns="36000" bIns="18000" rtlCol="0">
+              <a:spAutoFit/>
+            </a:bodyPr>
+            <a:lstStyle/>
+            <a:p>
+              <a:pPr algn="ctr"/>
+              <a:r>
+                <a:rPr lang="en-US" altLang="ja-JP" sz="1400" dirty="0" smtClean="0">
+                  <a:solidFill>
+                    <a:schemeClr val="tx1">
+                      <a:lumMod val="85000"/>
+                      <a:lumOff val="15000"/>
+                    </a:schemeClr>
+                  </a:solidFill>
+                  <a:latin typeface="源柔ゴシックX Bold" panose="020B0602020203020207" pitchFamily="50" charset="-128"/>
+                  <a:ea typeface="源柔ゴシックX Bold" panose="020B0602020203020207" pitchFamily="50" charset="-128"/>
+                  <a:cs typeface="源柔ゴシックX Bold" panose="020B0602020203020207" pitchFamily="50" charset="-128"/>
+                </a:rPr>
+                <a:t>05. </a:t>
+              </a:r>
+              <a:r>
+                <a:rPr lang="ja-JP" altLang="en-US" sz="1400" dirty="0" smtClean="0">
+                  <a:solidFill>
+                    <a:schemeClr val="tx1">
+                      <a:lumMod val="85000"/>
+                      <a:lumOff val="15000"/>
+                    </a:schemeClr>
+                  </a:solidFill>
+                  <a:latin typeface="源柔ゴシックX Bold" panose="020B0602020203020207" pitchFamily="50" charset="-128"/>
+                  <a:ea typeface="源柔ゴシックX Bold" panose="020B0602020203020207" pitchFamily="50" charset="-128"/>
+                  <a:cs typeface="源柔ゴシックX Bold" panose="020B0602020203020207" pitchFamily="50" charset="-128"/>
+                </a:rPr>
+                <a:t>笑顔</a:t>
+              </a:r>
+              <a:r>
+                <a:rPr lang="en-US" altLang="ja-JP" sz="1400" dirty="0" smtClean="0">
+                  <a:solidFill>
+                    <a:schemeClr val="tx1">
+                      <a:lumMod val="85000"/>
+                      <a:lumOff val="15000"/>
+                    </a:schemeClr>
+                  </a:solidFill>
+                  <a:latin typeface="源柔ゴシックX Bold" panose="020B0602020203020207" pitchFamily="50" charset="-128"/>
+                  <a:ea typeface="源柔ゴシックX Bold" panose="020B0602020203020207" pitchFamily="50" charset="-128"/>
+                  <a:cs typeface="源柔ゴシックX Bold" panose="020B0602020203020207" pitchFamily="50" charset="-128"/>
+                </a:rPr>
+                <a:t>3</a:t>
+              </a:r>
+              <a:endParaRPr lang="ja-JP" altLang="en-US" sz="1400" dirty="0" smtClean="0">
+                <a:solidFill>
+                  <a:schemeClr val="tx1">
+                    <a:lumMod val="85000"/>
+                    <a:lumOff val="15000"/>
+                  </a:schemeClr>
+                </a:solidFill>
+                <a:latin typeface="源柔ゴシックX Bold" panose="020B0602020203020207" pitchFamily="50" charset="-128"/>
+                <a:ea typeface="源柔ゴシックX Bold" panose="020B0602020203020207" pitchFamily="50" charset="-128"/>
+                <a:cs typeface="源柔ゴシックX Bold" panose="020B0602020203020207" pitchFamily="50" charset="-128"/>
+              </a:endParaRPr>
+            </a:p>
+          </p:txBody>
+        </p:sp>
+      </p:grpSp>
+      <p:grpSp>
+        <p:nvGrpSpPr>
+          <p:cNvPr id="25" name="グループ化 24"/>
+          <p:cNvGrpSpPr/>
+          <p:nvPr/>
+        </p:nvGrpSpPr>
+        <p:grpSpPr>
+          <a:xfrm>
+            <a:off x="8636000" y="956059"/>
+            <a:ext cx="1469376" cy="1701795"/>
+            <a:chOff x="2293000" y="1083059"/>
+            <a:chExt cx="1469376" cy="1701795"/>
+          </a:xfrm>
+        </p:grpSpPr>
+        <p:pic>
+          <p:nvPicPr>
+            <p:cNvPr id="26" name="図 25"/>
+            <p:cNvPicPr>
+              <a:picLocks noChangeAspect="1"/>
+            </p:cNvPicPr>
+            <p:nvPr/>
+          </p:nvPicPr>
+          <p:blipFill>
+            <a:blip r:embed="rId7" cstate="print">
+              <a:extLst>
+                <a:ext uri="{28A0092B-C50C-407E-A947-70E740481C1C}">
+                  <a14:useLocalDpi xmlns:a14="http://schemas.microsoft.com/office/drawing/2010/main" val="0"/>
+                </a:ext>
+              </a:extLst>
+            </a:blip>
+            <a:stretch>
+              <a:fillRect/>
+            </a:stretch>
+          </p:blipFill>
+          <p:spPr>
+            <a:xfrm>
+              <a:off x="2420841" y="1083059"/>
+              <a:ext cx="1265334" cy="1265334"/>
+            </a:xfrm>
+            <a:prstGeom prst="rect">
+              <a:avLst/>
+            </a:prstGeom>
+          </p:spPr>
+        </p:pic>
+        <p:sp>
+          <p:nvSpPr>
+            <p:cNvPr id="27" name="テキスト ボックス 26"/>
+            <p:cNvSpPr txBox="1"/>
+            <p:nvPr/>
+          </p:nvSpPr>
+          <p:spPr>
+            <a:xfrm>
+              <a:off x="2293000" y="2533059"/>
+              <a:ext cx="1469376" cy="251795"/>
+            </a:xfrm>
+            <a:prstGeom prst="rect">
+              <a:avLst/>
+            </a:prstGeom>
+            <a:solidFill>
+              <a:schemeClr val="bg1">
+                <a:lumMod val="85000"/>
+              </a:schemeClr>
+            </a:solidFill>
+          </p:spPr>
+          <p:txBody>
+            <a:bodyPr wrap="square" lIns="36000" tIns="18000" rIns="36000" bIns="18000" rtlCol="0">
+              <a:spAutoFit/>
+            </a:bodyPr>
+            <a:lstStyle/>
+            <a:p>
+              <a:pPr algn="ctr"/>
+              <a:r>
+                <a:rPr lang="en-US" altLang="ja-JP" sz="1400" dirty="0" smtClean="0">
+                  <a:solidFill>
+                    <a:schemeClr val="tx1">
+                      <a:lumMod val="85000"/>
+                      <a:lumOff val="15000"/>
+                    </a:schemeClr>
+                  </a:solidFill>
+                  <a:latin typeface="源柔ゴシックX Bold" panose="020B0602020203020207" pitchFamily="50" charset="-128"/>
+                  <a:ea typeface="源柔ゴシックX Bold" panose="020B0602020203020207" pitchFamily="50" charset="-128"/>
+                  <a:cs typeface="源柔ゴシックX Bold" panose="020B0602020203020207" pitchFamily="50" charset="-128"/>
+                </a:rPr>
+                <a:t>06. </a:t>
+              </a:r>
+              <a:r>
+                <a:rPr lang="ja-JP" altLang="en-US" sz="1400" dirty="0" smtClean="0">
+                  <a:solidFill>
+                    <a:schemeClr val="tx1">
+                      <a:lumMod val="85000"/>
+                      <a:lumOff val="15000"/>
+                    </a:schemeClr>
+                  </a:solidFill>
+                  <a:latin typeface="源柔ゴシックX Bold" panose="020B0602020203020207" pitchFamily="50" charset="-128"/>
+                  <a:ea typeface="源柔ゴシックX Bold" panose="020B0602020203020207" pitchFamily="50" charset="-128"/>
+                  <a:cs typeface="源柔ゴシックX Bold" panose="020B0602020203020207" pitchFamily="50" charset="-128"/>
+                </a:rPr>
+                <a:t>笑顔</a:t>
+              </a:r>
+              <a:r>
+                <a:rPr lang="en-US" altLang="ja-JP" sz="1400" dirty="0" smtClean="0">
+                  <a:solidFill>
+                    <a:schemeClr val="tx1">
+                      <a:lumMod val="85000"/>
+                      <a:lumOff val="15000"/>
+                    </a:schemeClr>
+                  </a:solidFill>
+                  <a:latin typeface="源柔ゴシックX Bold" panose="020B0602020203020207" pitchFamily="50" charset="-128"/>
+                  <a:ea typeface="源柔ゴシックX Bold" panose="020B0602020203020207" pitchFamily="50" charset="-128"/>
+                  <a:cs typeface="源柔ゴシックX Bold" panose="020B0602020203020207" pitchFamily="50" charset="-128"/>
+                </a:rPr>
+                <a:t>(</a:t>
+              </a:r>
+              <a:r>
+                <a:rPr lang="ja-JP" altLang="en-US" sz="1400" dirty="0" smtClean="0">
+                  <a:solidFill>
+                    <a:schemeClr val="tx1">
+                      <a:lumMod val="85000"/>
+                      <a:lumOff val="15000"/>
+                    </a:schemeClr>
+                  </a:solidFill>
+                  <a:latin typeface="源柔ゴシックX Bold" panose="020B0602020203020207" pitchFamily="50" charset="-128"/>
+                  <a:ea typeface="源柔ゴシックX Bold" panose="020B0602020203020207" pitchFamily="50" charset="-128"/>
+                  <a:cs typeface="源柔ゴシックX Bold" panose="020B0602020203020207" pitchFamily="50" charset="-128"/>
+                </a:rPr>
+                <a:t>大</a:t>
+              </a:r>
+              <a:r>
+                <a:rPr lang="en-US" altLang="ja-JP" sz="1400" dirty="0" smtClean="0">
+                  <a:solidFill>
+                    <a:schemeClr val="tx1">
+                      <a:lumMod val="85000"/>
+                      <a:lumOff val="15000"/>
+                    </a:schemeClr>
+                  </a:solidFill>
+                  <a:latin typeface="源柔ゴシックX Bold" panose="020B0602020203020207" pitchFamily="50" charset="-128"/>
+                  <a:ea typeface="源柔ゴシックX Bold" panose="020B0602020203020207" pitchFamily="50" charset="-128"/>
+                  <a:cs typeface="源柔ゴシックX Bold" panose="020B0602020203020207" pitchFamily="50" charset="-128"/>
+                </a:rPr>
+                <a:t>)</a:t>
+              </a:r>
+              <a:endParaRPr lang="ja-JP" altLang="en-US" sz="1400" dirty="0" smtClean="0">
+                <a:solidFill>
+                  <a:schemeClr val="tx1">
+                    <a:lumMod val="85000"/>
+                    <a:lumOff val="15000"/>
+                  </a:schemeClr>
+                </a:solidFill>
+                <a:latin typeface="源柔ゴシックX Bold" panose="020B0602020203020207" pitchFamily="50" charset="-128"/>
+                <a:ea typeface="源柔ゴシックX Bold" panose="020B0602020203020207" pitchFamily="50" charset="-128"/>
+                <a:cs typeface="源柔ゴシックX Bold" panose="020B0602020203020207" pitchFamily="50" charset="-128"/>
+              </a:endParaRPr>
+            </a:p>
+          </p:txBody>
+        </p:sp>
+      </p:grpSp>
+      <p:grpSp>
+        <p:nvGrpSpPr>
+          <p:cNvPr id="28" name="グループ化 27"/>
+          <p:cNvGrpSpPr/>
+          <p:nvPr/>
+        </p:nvGrpSpPr>
+        <p:grpSpPr>
+          <a:xfrm>
+            <a:off x="282382" y="2899159"/>
+            <a:ext cx="1469376" cy="1701795"/>
+            <a:chOff x="578500" y="1083059"/>
+            <a:chExt cx="1469376" cy="1701795"/>
+          </a:xfrm>
+        </p:grpSpPr>
+        <p:pic>
+          <p:nvPicPr>
+            <p:cNvPr id="29" name="図 28"/>
+            <p:cNvPicPr>
+              <a:picLocks noChangeAspect="1"/>
+            </p:cNvPicPr>
+            <p:nvPr/>
+          </p:nvPicPr>
+          <p:blipFill>
+            <a:blip r:embed="rId8" cstate="print">
+              <a:extLst>
+                <a:ext uri="{28A0092B-C50C-407E-A947-70E740481C1C}">
+                  <a14:useLocalDpi xmlns:a14="http://schemas.microsoft.com/office/drawing/2010/main" val="0"/>
+                </a:ext>
+              </a:extLst>
+            </a:blip>
+            <a:stretch>
+              <a:fillRect/>
+            </a:stretch>
+          </p:blipFill>
+          <p:spPr>
+            <a:xfrm>
+              <a:off x="706341" y="1083059"/>
+              <a:ext cx="1265334" cy="1265334"/>
+            </a:xfrm>
+            <a:prstGeom prst="rect">
+              <a:avLst/>
+            </a:prstGeom>
+          </p:spPr>
+        </p:pic>
+        <p:sp>
+          <p:nvSpPr>
+            <p:cNvPr id="30" name="テキスト ボックス 29"/>
+            <p:cNvSpPr txBox="1"/>
+            <p:nvPr/>
+          </p:nvSpPr>
+          <p:spPr>
+            <a:xfrm>
+              <a:off x="578500" y="2533059"/>
+              <a:ext cx="1469376" cy="251795"/>
+            </a:xfrm>
+            <a:prstGeom prst="rect">
+              <a:avLst/>
+            </a:prstGeom>
+            <a:solidFill>
+              <a:schemeClr val="bg1">
+                <a:lumMod val="85000"/>
+              </a:schemeClr>
+            </a:solidFill>
+          </p:spPr>
+          <p:txBody>
+            <a:bodyPr wrap="square" lIns="36000" tIns="18000" rIns="36000" bIns="18000" rtlCol="0">
+              <a:spAutoFit/>
+            </a:bodyPr>
+            <a:lstStyle/>
+            <a:p>
+              <a:pPr algn="ctr"/>
+              <a:r>
+                <a:rPr lang="en-US" altLang="ja-JP" sz="1400" dirty="0" smtClean="0">
+                  <a:solidFill>
+                    <a:schemeClr val="tx1">
+                      <a:lumMod val="85000"/>
+                      <a:lumOff val="15000"/>
+                    </a:schemeClr>
+                  </a:solidFill>
+                  <a:latin typeface="源柔ゴシックX Bold" panose="020B0602020203020207" pitchFamily="50" charset="-128"/>
+                  <a:ea typeface="源柔ゴシックX Bold" panose="020B0602020203020207" pitchFamily="50" charset="-128"/>
+                  <a:cs typeface="源柔ゴシックX Bold" panose="020B0602020203020207" pitchFamily="50" charset="-128"/>
+                </a:rPr>
+                <a:t>07. </a:t>
+              </a:r>
+              <a:r>
+                <a:rPr lang="ja-JP" altLang="en-US" sz="1400" dirty="0" smtClean="0">
+                  <a:solidFill>
+                    <a:schemeClr val="tx1">
+                      <a:lumMod val="85000"/>
+                      <a:lumOff val="15000"/>
+                    </a:schemeClr>
+                  </a:solidFill>
+                  <a:latin typeface="源柔ゴシックX Bold" panose="020B0602020203020207" pitchFamily="50" charset="-128"/>
+                  <a:ea typeface="源柔ゴシックX Bold" panose="020B0602020203020207" pitchFamily="50" charset="-128"/>
+                  <a:cs typeface="源柔ゴシックX Bold" panose="020B0602020203020207" pitchFamily="50" charset="-128"/>
+                </a:rPr>
+                <a:t>不安</a:t>
+              </a:r>
+              <a:r>
+                <a:rPr lang="en-US" altLang="ja-JP" sz="1400" dirty="0" smtClean="0">
+                  <a:solidFill>
+                    <a:schemeClr val="tx1">
+                      <a:lumMod val="85000"/>
+                      <a:lumOff val="15000"/>
+                    </a:schemeClr>
+                  </a:solidFill>
+                  <a:latin typeface="源柔ゴシックX Bold" panose="020B0602020203020207" pitchFamily="50" charset="-128"/>
+                  <a:ea typeface="源柔ゴシックX Bold" panose="020B0602020203020207" pitchFamily="50" charset="-128"/>
+                  <a:cs typeface="源柔ゴシックX Bold" panose="020B0602020203020207" pitchFamily="50" charset="-128"/>
+                </a:rPr>
+                <a:t>1</a:t>
+              </a:r>
+              <a:endParaRPr lang="ja-JP" altLang="en-US" sz="1400" dirty="0" smtClean="0">
+                <a:solidFill>
+                  <a:schemeClr val="tx1">
+                    <a:lumMod val="85000"/>
+                    <a:lumOff val="15000"/>
+                  </a:schemeClr>
+                </a:solidFill>
+                <a:latin typeface="源柔ゴシックX Bold" panose="020B0602020203020207" pitchFamily="50" charset="-128"/>
+                <a:ea typeface="源柔ゴシックX Bold" panose="020B0602020203020207" pitchFamily="50" charset="-128"/>
+                <a:cs typeface="源柔ゴシックX Bold" panose="020B0602020203020207" pitchFamily="50" charset="-128"/>
+              </a:endParaRPr>
+            </a:p>
+          </p:txBody>
+        </p:sp>
+      </p:grpSp>
+      <p:grpSp>
+        <p:nvGrpSpPr>
+          <p:cNvPr id="31" name="グループ化 30"/>
+          <p:cNvGrpSpPr/>
+          <p:nvPr/>
+        </p:nvGrpSpPr>
+        <p:grpSpPr>
+          <a:xfrm>
+            <a:off x="1953106" y="2899159"/>
+            <a:ext cx="1469376" cy="1701795"/>
+            <a:chOff x="2293000" y="1083059"/>
+            <a:chExt cx="1469376" cy="1701795"/>
+          </a:xfrm>
+        </p:grpSpPr>
+        <p:pic>
+          <p:nvPicPr>
+            <p:cNvPr id="32" name="図 31"/>
+            <p:cNvPicPr>
+              <a:picLocks noChangeAspect="1"/>
+            </p:cNvPicPr>
+            <p:nvPr/>
+          </p:nvPicPr>
+          <p:blipFill>
+            <a:blip r:embed="rId9" cstate="print">
+              <a:extLst>
+                <a:ext uri="{28A0092B-C50C-407E-A947-70E740481C1C}">
+                  <a14:useLocalDpi xmlns:a14="http://schemas.microsoft.com/office/drawing/2010/main" val="0"/>
+                </a:ext>
+              </a:extLst>
+            </a:blip>
+            <a:stretch>
+              <a:fillRect/>
+            </a:stretch>
+          </p:blipFill>
+          <p:spPr>
+            <a:xfrm>
+              <a:off x="2420841" y="1083059"/>
+              <a:ext cx="1265334" cy="1265334"/>
+            </a:xfrm>
+            <a:prstGeom prst="rect">
+              <a:avLst/>
+            </a:prstGeom>
+          </p:spPr>
+        </p:pic>
+        <p:sp>
+          <p:nvSpPr>
+            <p:cNvPr id="33" name="テキスト ボックス 32"/>
+            <p:cNvSpPr txBox="1"/>
+            <p:nvPr/>
+          </p:nvSpPr>
+          <p:spPr>
+            <a:xfrm>
+              <a:off x="2293000" y="2533059"/>
+              <a:ext cx="1469376" cy="251795"/>
+            </a:xfrm>
+            <a:prstGeom prst="rect">
+              <a:avLst/>
+            </a:prstGeom>
+            <a:solidFill>
+              <a:schemeClr val="bg1">
+                <a:lumMod val="85000"/>
+              </a:schemeClr>
+            </a:solidFill>
+          </p:spPr>
+          <p:txBody>
+            <a:bodyPr wrap="square" lIns="36000" tIns="18000" rIns="36000" bIns="18000" rtlCol="0">
+              <a:spAutoFit/>
+            </a:bodyPr>
+            <a:lstStyle/>
+            <a:p>
+              <a:pPr algn="ctr"/>
+              <a:r>
+                <a:rPr lang="en-US" altLang="ja-JP" sz="1400" dirty="0" smtClean="0">
+                  <a:solidFill>
+                    <a:schemeClr val="tx1">
+                      <a:lumMod val="85000"/>
+                      <a:lumOff val="15000"/>
+                    </a:schemeClr>
+                  </a:solidFill>
+                  <a:latin typeface="源柔ゴシックX Bold" panose="020B0602020203020207" pitchFamily="50" charset="-128"/>
+                  <a:ea typeface="源柔ゴシックX Bold" panose="020B0602020203020207" pitchFamily="50" charset="-128"/>
+                  <a:cs typeface="源柔ゴシックX Bold" panose="020B0602020203020207" pitchFamily="50" charset="-128"/>
+                </a:rPr>
+                <a:t>08. </a:t>
+              </a:r>
+              <a:r>
+                <a:rPr lang="ja-JP" altLang="en-US" sz="1400" dirty="0" smtClean="0">
+                  <a:solidFill>
+                    <a:schemeClr val="tx1">
+                      <a:lumMod val="85000"/>
+                      <a:lumOff val="15000"/>
+                    </a:schemeClr>
+                  </a:solidFill>
+                  <a:latin typeface="源柔ゴシックX Bold" panose="020B0602020203020207" pitchFamily="50" charset="-128"/>
+                  <a:ea typeface="源柔ゴシックX Bold" panose="020B0602020203020207" pitchFamily="50" charset="-128"/>
+                  <a:cs typeface="源柔ゴシックX Bold" panose="020B0602020203020207" pitchFamily="50" charset="-128"/>
+                </a:rPr>
+                <a:t>不安</a:t>
+              </a:r>
+              <a:r>
+                <a:rPr lang="en-US" altLang="ja-JP" sz="1400" dirty="0">
+                  <a:solidFill>
+                    <a:schemeClr val="tx1">
+                      <a:lumMod val="85000"/>
+                      <a:lumOff val="15000"/>
+                    </a:schemeClr>
+                  </a:solidFill>
+                  <a:latin typeface="源柔ゴシックX Bold" panose="020B0602020203020207" pitchFamily="50" charset="-128"/>
+                  <a:ea typeface="源柔ゴシックX Bold" panose="020B0602020203020207" pitchFamily="50" charset="-128"/>
+                  <a:cs typeface="源柔ゴシックX Bold" panose="020B0602020203020207" pitchFamily="50" charset="-128"/>
+                </a:rPr>
+                <a:t>2</a:t>
+              </a:r>
+              <a:endParaRPr lang="ja-JP" altLang="en-US" sz="1400" dirty="0" smtClean="0">
+                <a:solidFill>
+                  <a:schemeClr val="tx1">
+                    <a:lumMod val="85000"/>
+                    <a:lumOff val="15000"/>
+                  </a:schemeClr>
+                </a:solidFill>
+                <a:latin typeface="源柔ゴシックX Bold" panose="020B0602020203020207" pitchFamily="50" charset="-128"/>
+                <a:ea typeface="源柔ゴシックX Bold" panose="020B0602020203020207" pitchFamily="50" charset="-128"/>
+                <a:cs typeface="源柔ゴシックX Bold" panose="020B0602020203020207" pitchFamily="50" charset="-128"/>
+              </a:endParaRPr>
+            </a:p>
+          </p:txBody>
+        </p:sp>
+      </p:grpSp>
+      <p:grpSp>
+        <p:nvGrpSpPr>
+          <p:cNvPr id="34" name="グループ化 33"/>
+          <p:cNvGrpSpPr/>
+          <p:nvPr/>
+        </p:nvGrpSpPr>
+        <p:grpSpPr>
+          <a:xfrm>
+            <a:off x="3623830" y="2899159"/>
+            <a:ext cx="1469376" cy="1701795"/>
+            <a:chOff x="2293000" y="1083059"/>
+            <a:chExt cx="1469376" cy="1701795"/>
+          </a:xfrm>
+        </p:grpSpPr>
+        <p:pic>
+          <p:nvPicPr>
+            <p:cNvPr id="35" name="図 34"/>
+            <p:cNvPicPr>
+              <a:picLocks noChangeAspect="1"/>
+            </p:cNvPicPr>
+            <p:nvPr/>
+          </p:nvPicPr>
+          <p:blipFill>
+            <a:blip r:embed="rId10" cstate="print">
+              <a:extLst>
+                <a:ext uri="{28A0092B-C50C-407E-A947-70E740481C1C}">
+                  <a14:useLocalDpi xmlns:a14="http://schemas.microsoft.com/office/drawing/2010/main" val="0"/>
+                </a:ext>
+              </a:extLst>
+            </a:blip>
+            <a:stretch>
+              <a:fillRect/>
+            </a:stretch>
+          </p:blipFill>
+          <p:spPr>
+            <a:xfrm>
+              <a:off x="2420841" y="1083059"/>
+              <a:ext cx="1265334" cy="1265334"/>
+            </a:xfrm>
+            <a:prstGeom prst="rect">
+              <a:avLst/>
+            </a:prstGeom>
+          </p:spPr>
+        </p:pic>
+        <p:sp>
+          <p:nvSpPr>
+            <p:cNvPr id="36" name="テキスト ボックス 35"/>
+            <p:cNvSpPr txBox="1"/>
+            <p:nvPr/>
+          </p:nvSpPr>
+          <p:spPr>
+            <a:xfrm>
+              <a:off x="2293000" y="2533059"/>
+              <a:ext cx="1469376" cy="251795"/>
+            </a:xfrm>
+            <a:prstGeom prst="rect">
+              <a:avLst/>
+            </a:prstGeom>
+            <a:solidFill>
+              <a:schemeClr val="bg1">
+                <a:lumMod val="85000"/>
+              </a:schemeClr>
+            </a:solidFill>
+          </p:spPr>
+          <p:txBody>
+            <a:bodyPr wrap="square" lIns="36000" tIns="18000" rIns="36000" bIns="18000" rtlCol="0">
+              <a:spAutoFit/>
+            </a:bodyPr>
+            <a:lstStyle/>
+            <a:p>
+              <a:pPr algn="ctr"/>
+              <a:r>
+                <a:rPr lang="en-US" altLang="ja-JP" sz="1400" dirty="0" smtClean="0">
+                  <a:solidFill>
+                    <a:schemeClr val="tx1">
+                      <a:lumMod val="85000"/>
+                      <a:lumOff val="15000"/>
+                    </a:schemeClr>
+                  </a:solidFill>
+                  <a:latin typeface="源柔ゴシックX Bold" panose="020B0602020203020207" pitchFamily="50" charset="-128"/>
+                  <a:ea typeface="源柔ゴシックX Bold" panose="020B0602020203020207" pitchFamily="50" charset="-128"/>
+                  <a:cs typeface="源柔ゴシックX Bold" panose="020B0602020203020207" pitchFamily="50" charset="-128"/>
+                </a:rPr>
+                <a:t>09. </a:t>
+              </a:r>
+              <a:r>
+                <a:rPr lang="ja-JP" altLang="en-US" sz="1400" dirty="0" smtClean="0">
+                  <a:solidFill>
+                    <a:schemeClr val="tx1">
+                      <a:lumMod val="85000"/>
+                      <a:lumOff val="15000"/>
+                    </a:schemeClr>
+                  </a:solidFill>
+                  <a:latin typeface="源柔ゴシックX Bold" panose="020B0602020203020207" pitchFamily="50" charset="-128"/>
+                  <a:ea typeface="源柔ゴシックX Bold" panose="020B0602020203020207" pitchFamily="50" charset="-128"/>
+                  <a:cs typeface="源柔ゴシックX Bold" panose="020B0602020203020207" pitchFamily="50" charset="-128"/>
+                </a:rPr>
+                <a:t>不安</a:t>
+              </a:r>
+              <a:r>
+                <a:rPr lang="en-US" altLang="ja-JP" sz="1400" dirty="0" smtClean="0">
+                  <a:solidFill>
+                    <a:schemeClr val="tx1">
+                      <a:lumMod val="85000"/>
+                      <a:lumOff val="15000"/>
+                    </a:schemeClr>
+                  </a:solidFill>
+                  <a:latin typeface="源柔ゴシックX Bold" panose="020B0602020203020207" pitchFamily="50" charset="-128"/>
+                  <a:ea typeface="源柔ゴシックX Bold" panose="020B0602020203020207" pitchFamily="50" charset="-128"/>
+                  <a:cs typeface="源柔ゴシックX Bold" panose="020B0602020203020207" pitchFamily="50" charset="-128"/>
+                </a:rPr>
+                <a:t>3</a:t>
+              </a:r>
+              <a:endParaRPr lang="ja-JP" altLang="en-US" sz="1400" dirty="0" smtClean="0">
+                <a:solidFill>
+                  <a:schemeClr val="tx1">
+                    <a:lumMod val="85000"/>
+                    <a:lumOff val="15000"/>
+                  </a:schemeClr>
+                </a:solidFill>
+                <a:latin typeface="源柔ゴシックX Bold" panose="020B0602020203020207" pitchFamily="50" charset="-128"/>
+                <a:ea typeface="源柔ゴシックX Bold" panose="020B0602020203020207" pitchFamily="50" charset="-128"/>
+                <a:cs typeface="源柔ゴシックX Bold" panose="020B0602020203020207" pitchFamily="50" charset="-128"/>
+              </a:endParaRPr>
+            </a:p>
+          </p:txBody>
+        </p:sp>
+      </p:grpSp>
+      <p:grpSp>
+        <p:nvGrpSpPr>
+          <p:cNvPr id="37" name="グループ化 36"/>
+          <p:cNvGrpSpPr/>
+          <p:nvPr/>
+        </p:nvGrpSpPr>
+        <p:grpSpPr>
+          <a:xfrm>
+            <a:off x="5294554" y="2899159"/>
+            <a:ext cx="1469376" cy="1701795"/>
+            <a:chOff x="2293000" y="1083059"/>
+            <a:chExt cx="1469376" cy="1701795"/>
+          </a:xfrm>
+        </p:grpSpPr>
+        <p:pic>
+          <p:nvPicPr>
+            <p:cNvPr id="38" name="図 37"/>
+            <p:cNvPicPr>
+              <a:picLocks noChangeAspect="1"/>
+            </p:cNvPicPr>
+            <p:nvPr/>
+          </p:nvPicPr>
+          <p:blipFill>
+            <a:blip r:embed="rId11" cstate="print">
+              <a:extLst>
+                <a:ext uri="{28A0092B-C50C-407E-A947-70E740481C1C}">
+                  <a14:useLocalDpi xmlns:a14="http://schemas.microsoft.com/office/drawing/2010/main" val="0"/>
+                </a:ext>
+              </a:extLst>
+            </a:blip>
+            <a:stretch>
+              <a:fillRect/>
+            </a:stretch>
+          </p:blipFill>
+          <p:spPr>
+            <a:xfrm>
+              <a:off x="2420841" y="1083059"/>
+              <a:ext cx="1265334" cy="1265334"/>
+            </a:xfrm>
+            <a:prstGeom prst="rect">
+              <a:avLst/>
+            </a:prstGeom>
+          </p:spPr>
+        </p:pic>
+        <p:sp>
+          <p:nvSpPr>
+            <p:cNvPr id="39" name="テキスト ボックス 38"/>
+            <p:cNvSpPr txBox="1"/>
+            <p:nvPr/>
+          </p:nvSpPr>
+          <p:spPr>
+            <a:xfrm>
+              <a:off x="2293000" y="2533059"/>
+              <a:ext cx="1469376" cy="251795"/>
+            </a:xfrm>
+            <a:prstGeom prst="rect">
+              <a:avLst/>
+            </a:prstGeom>
+            <a:solidFill>
+              <a:schemeClr val="bg1">
+                <a:lumMod val="85000"/>
+              </a:schemeClr>
+            </a:solidFill>
+          </p:spPr>
+          <p:txBody>
+            <a:bodyPr wrap="square" lIns="36000" tIns="18000" rIns="36000" bIns="18000" rtlCol="0">
+              <a:spAutoFit/>
+            </a:bodyPr>
+            <a:lstStyle/>
+            <a:p>
+              <a:pPr algn="ctr"/>
+              <a:r>
+                <a:rPr lang="en-US" altLang="ja-JP" sz="1400" dirty="0" smtClean="0">
+                  <a:solidFill>
+                    <a:schemeClr val="tx1">
+                      <a:lumMod val="85000"/>
+                      <a:lumOff val="15000"/>
+                    </a:schemeClr>
+                  </a:solidFill>
+                  <a:latin typeface="源柔ゴシックX Bold" panose="020B0602020203020207" pitchFamily="50" charset="-128"/>
+                  <a:ea typeface="源柔ゴシックX Bold" panose="020B0602020203020207" pitchFamily="50" charset="-128"/>
+                  <a:cs typeface="源柔ゴシックX Bold" panose="020B0602020203020207" pitchFamily="50" charset="-128"/>
+                </a:rPr>
+                <a:t>10. </a:t>
+              </a:r>
+              <a:r>
+                <a:rPr lang="ja-JP" altLang="en-US" sz="1400" dirty="0" smtClean="0">
+                  <a:solidFill>
+                    <a:schemeClr val="tx1">
+                      <a:lumMod val="85000"/>
+                      <a:lumOff val="15000"/>
+                    </a:schemeClr>
+                  </a:solidFill>
+                  <a:latin typeface="源柔ゴシックX Bold" panose="020B0602020203020207" pitchFamily="50" charset="-128"/>
+                  <a:ea typeface="源柔ゴシックX Bold" panose="020B0602020203020207" pitchFamily="50" charset="-128"/>
+                  <a:cs typeface="源柔ゴシックX Bold" panose="020B0602020203020207" pitchFamily="50" charset="-128"/>
+                </a:rPr>
+                <a:t>不安</a:t>
+              </a:r>
+              <a:r>
+                <a:rPr lang="en-US" altLang="ja-JP" sz="1400" dirty="0" smtClean="0">
+                  <a:solidFill>
+                    <a:schemeClr val="tx1">
+                      <a:lumMod val="85000"/>
+                      <a:lumOff val="15000"/>
+                    </a:schemeClr>
+                  </a:solidFill>
+                  <a:latin typeface="源柔ゴシックX Bold" panose="020B0602020203020207" pitchFamily="50" charset="-128"/>
+                  <a:ea typeface="源柔ゴシックX Bold" panose="020B0602020203020207" pitchFamily="50" charset="-128"/>
+                  <a:cs typeface="源柔ゴシックX Bold" panose="020B0602020203020207" pitchFamily="50" charset="-128"/>
+                </a:rPr>
+                <a:t>(</a:t>
+              </a:r>
+              <a:r>
+                <a:rPr lang="ja-JP" altLang="en-US" sz="1400" dirty="0" smtClean="0">
+                  <a:solidFill>
+                    <a:schemeClr val="tx1">
+                      <a:lumMod val="85000"/>
+                      <a:lumOff val="15000"/>
+                    </a:schemeClr>
+                  </a:solidFill>
+                  <a:latin typeface="源柔ゴシックX Bold" panose="020B0602020203020207" pitchFamily="50" charset="-128"/>
+                  <a:ea typeface="源柔ゴシックX Bold" panose="020B0602020203020207" pitchFamily="50" charset="-128"/>
+                  <a:cs typeface="源柔ゴシックX Bold" panose="020B0602020203020207" pitchFamily="50" charset="-128"/>
+                </a:rPr>
+                <a:t>大</a:t>
+              </a:r>
+              <a:r>
+                <a:rPr lang="en-US" altLang="ja-JP" sz="1400" dirty="0" smtClean="0">
+                  <a:solidFill>
+                    <a:schemeClr val="tx1">
+                      <a:lumMod val="85000"/>
+                      <a:lumOff val="15000"/>
+                    </a:schemeClr>
+                  </a:solidFill>
+                  <a:latin typeface="源柔ゴシックX Bold" panose="020B0602020203020207" pitchFamily="50" charset="-128"/>
+                  <a:ea typeface="源柔ゴシックX Bold" panose="020B0602020203020207" pitchFamily="50" charset="-128"/>
+                  <a:cs typeface="源柔ゴシックX Bold" panose="020B0602020203020207" pitchFamily="50" charset="-128"/>
+                </a:rPr>
+                <a:t>)</a:t>
+              </a:r>
+              <a:endParaRPr lang="ja-JP" altLang="en-US" sz="1400" dirty="0" smtClean="0">
+                <a:solidFill>
+                  <a:schemeClr val="tx1">
+                    <a:lumMod val="85000"/>
+                    <a:lumOff val="15000"/>
+                  </a:schemeClr>
+                </a:solidFill>
+                <a:latin typeface="源柔ゴシックX Bold" panose="020B0602020203020207" pitchFamily="50" charset="-128"/>
+                <a:ea typeface="源柔ゴシックX Bold" panose="020B0602020203020207" pitchFamily="50" charset="-128"/>
+                <a:cs typeface="源柔ゴシックX Bold" panose="020B0602020203020207" pitchFamily="50" charset="-128"/>
+              </a:endParaRPr>
+            </a:p>
+          </p:txBody>
+        </p:sp>
+      </p:grpSp>
+      <p:grpSp>
+        <p:nvGrpSpPr>
+          <p:cNvPr id="40" name="グループ化 39"/>
+          <p:cNvGrpSpPr/>
+          <p:nvPr/>
+        </p:nvGrpSpPr>
+        <p:grpSpPr>
+          <a:xfrm>
+            <a:off x="6965278" y="2899159"/>
+            <a:ext cx="1469376" cy="1701795"/>
+            <a:chOff x="2293000" y="1083059"/>
+            <a:chExt cx="1469376" cy="1701795"/>
+          </a:xfrm>
+        </p:grpSpPr>
+        <p:pic>
+          <p:nvPicPr>
+            <p:cNvPr id="41" name="図 40"/>
+            <p:cNvPicPr>
+              <a:picLocks noChangeAspect="1"/>
+            </p:cNvPicPr>
+            <p:nvPr/>
+          </p:nvPicPr>
+          <p:blipFill>
+            <a:blip r:embed="rId12" cstate="print">
+              <a:extLst>
+                <a:ext uri="{28A0092B-C50C-407E-A947-70E740481C1C}">
+                  <a14:useLocalDpi xmlns:a14="http://schemas.microsoft.com/office/drawing/2010/main" val="0"/>
+                </a:ext>
+              </a:extLst>
+            </a:blip>
+            <a:stretch>
+              <a:fillRect/>
+            </a:stretch>
+          </p:blipFill>
+          <p:spPr>
+            <a:xfrm>
+              <a:off x="2420841" y="1083059"/>
+              <a:ext cx="1265334" cy="1265334"/>
+            </a:xfrm>
+            <a:prstGeom prst="rect">
+              <a:avLst/>
+            </a:prstGeom>
+          </p:spPr>
+        </p:pic>
+        <p:sp>
+          <p:nvSpPr>
+            <p:cNvPr id="42" name="テキスト ボックス 41"/>
+            <p:cNvSpPr txBox="1"/>
+            <p:nvPr/>
+          </p:nvSpPr>
+          <p:spPr>
+            <a:xfrm>
+              <a:off x="2293000" y="2533059"/>
+              <a:ext cx="1469376" cy="251795"/>
+            </a:xfrm>
+            <a:prstGeom prst="rect">
+              <a:avLst/>
+            </a:prstGeom>
+            <a:solidFill>
+              <a:schemeClr val="bg1">
+                <a:lumMod val="85000"/>
+              </a:schemeClr>
+            </a:solidFill>
+          </p:spPr>
+          <p:txBody>
+            <a:bodyPr wrap="square" lIns="36000" tIns="18000" rIns="36000" bIns="18000" rtlCol="0">
+              <a:spAutoFit/>
+            </a:bodyPr>
+            <a:lstStyle/>
+            <a:p>
+              <a:pPr algn="ctr"/>
+              <a:r>
+                <a:rPr lang="en-US" altLang="ja-JP" sz="1400" dirty="0" smtClean="0">
+                  <a:solidFill>
+                    <a:schemeClr val="tx1">
+                      <a:lumMod val="85000"/>
+                      <a:lumOff val="15000"/>
+                    </a:schemeClr>
+                  </a:solidFill>
+                  <a:latin typeface="源柔ゴシックX Bold" panose="020B0602020203020207" pitchFamily="50" charset="-128"/>
+                  <a:ea typeface="源柔ゴシックX Bold" panose="020B0602020203020207" pitchFamily="50" charset="-128"/>
+                  <a:cs typeface="源柔ゴシックX Bold" panose="020B0602020203020207" pitchFamily="50" charset="-128"/>
+                </a:rPr>
+                <a:t>11. </a:t>
+              </a:r>
+              <a:r>
+                <a:rPr lang="ja-JP" altLang="en-US" sz="1400" dirty="0" smtClean="0">
+                  <a:solidFill>
+                    <a:schemeClr val="tx1">
+                      <a:lumMod val="85000"/>
+                      <a:lumOff val="15000"/>
+                    </a:schemeClr>
+                  </a:solidFill>
+                  <a:latin typeface="源柔ゴシックX Bold" panose="020B0602020203020207" pitchFamily="50" charset="-128"/>
+                  <a:ea typeface="源柔ゴシックX Bold" panose="020B0602020203020207" pitchFamily="50" charset="-128"/>
+                  <a:cs typeface="源柔ゴシックX Bold" panose="020B0602020203020207" pitchFamily="50" charset="-128"/>
+                </a:rPr>
+                <a:t>怒り</a:t>
+              </a:r>
+              <a:r>
+                <a:rPr lang="en-US" altLang="ja-JP" sz="1400" dirty="0" smtClean="0">
+                  <a:solidFill>
+                    <a:schemeClr val="tx1">
+                      <a:lumMod val="85000"/>
+                      <a:lumOff val="15000"/>
+                    </a:schemeClr>
+                  </a:solidFill>
+                  <a:latin typeface="源柔ゴシックX Bold" panose="020B0602020203020207" pitchFamily="50" charset="-128"/>
+                  <a:ea typeface="源柔ゴシックX Bold" panose="020B0602020203020207" pitchFamily="50" charset="-128"/>
+                  <a:cs typeface="源柔ゴシックX Bold" panose="020B0602020203020207" pitchFamily="50" charset="-128"/>
+                </a:rPr>
+                <a:t>1</a:t>
+              </a:r>
+              <a:endParaRPr lang="ja-JP" altLang="en-US" sz="1400" dirty="0" smtClean="0">
+                <a:solidFill>
+                  <a:schemeClr val="tx1">
+                    <a:lumMod val="85000"/>
+                    <a:lumOff val="15000"/>
+                  </a:schemeClr>
+                </a:solidFill>
+                <a:latin typeface="源柔ゴシックX Bold" panose="020B0602020203020207" pitchFamily="50" charset="-128"/>
+                <a:ea typeface="源柔ゴシックX Bold" panose="020B0602020203020207" pitchFamily="50" charset="-128"/>
+                <a:cs typeface="源柔ゴシックX Bold" panose="020B0602020203020207" pitchFamily="50" charset="-128"/>
+              </a:endParaRPr>
+            </a:p>
+          </p:txBody>
+        </p:sp>
+      </p:grpSp>
+      <p:grpSp>
+        <p:nvGrpSpPr>
+          <p:cNvPr id="43" name="グループ化 42"/>
+          <p:cNvGrpSpPr/>
+          <p:nvPr/>
+        </p:nvGrpSpPr>
+        <p:grpSpPr>
+          <a:xfrm>
+            <a:off x="8636000" y="2899159"/>
+            <a:ext cx="1469376" cy="1701795"/>
+            <a:chOff x="2293000" y="1083059"/>
+            <a:chExt cx="1469376" cy="1701795"/>
+          </a:xfrm>
+        </p:grpSpPr>
+        <p:pic>
+          <p:nvPicPr>
+            <p:cNvPr id="44" name="図 43"/>
+            <p:cNvPicPr>
+              <a:picLocks noChangeAspect="1"/>
+            </p:cNvPicPr>
+            <p:nvPr/>
+          </p:nvPicPr>
+          <p:blipFill>
+            <a:blip r:embed="rId13" cstate="print">
+              <a:extLst>
+                <a:ext uri="{28A0092B-C50C-407E-A947-70E740481C1C}">
+                  <a14:useLocalDpi xmlns:a14="http://schemas.microsoft.com/office/drawing/2010/main" val="0"/>
+                </a:ext>
+              </a:extLst>
+            </a:blip>
+            <a:stretch>
+              <a:fillRect/>
+            </a:stretch>
+          </p:blipFill>
+          <p:spPr>
+            <a:xfrm>
+              <a:off x="2420841" y="1083059"/>
+              <a:ext cx="1265334" cy="1265334"/>
+            </a:xfrm>
+            <a:prstGeom prst="rect">
+              <a:avLst/>
+            </a:prstGeom>
+          </p:spPr>
+        </p:pic>
+        <p:sp>
+          <p:nvSpPr>
+            <p:cNvPr id="45" name="テキスト ボックス 44"/>
+            <p:cNvSpPr txBox="1"/>
+            <p:nvPr/>
+          </p:nvSpPr>
+          <p:spPr>
+            <a:xfrm>
+              <a:off x="2293000" y="2533059"/>
+              <a:ext cx="1469376" cy="251795"/>
+            </a:xfrm>
+            <a:prstGeom prst="rect">
+              <a:avLst/>
+            </a:prstGeom>
+            <a:solidFill>
+              <a:schemeClr val="bg1">
+                <a:lumMod val="85000"/>
+              </a:schemeClr>
+            </a:solidFill>
+          </p:spPr>
+          <p:txBody>
+            <a:bodyPr wrap="square" lIns="36000" tIns="18000" rIns="36000" bIns="18000" rtlCol="0">
+              <a:spAutoFit/>
+            </a:bodyPr>
+            <a:lstStyle/>
+            <a:p>
+              <a:pPr algn="ctr"/>
+              <a:r>
+                <a:rPr lang="en-US" altLang="ja-JP" sz="1400" dirty="0" smtClean="0">
+                  <a:solidFill>
+                    <a:schemeClr val="tx1">
+                      <a:lumMod val="85000"/>
+                      <a:lumOff val="15000"/>
+                    </a:schemeClr>
+                  </a:solidFill>
+                  <a:latin typeface="源柔ゴシックX Bold" panose="020B0602020203020207" pitchFamily="50" charset="-128"/>
+                  <a:ea typeface="源柔ゴシックX Bold" panose="020B0602020203020207" pitchFamily="50" charset="-128"/>
+                  <a:cs typeface="源柔ゴシックX Bold" panose="020B0602020203020207" pitchFamily="50" charset="-128"/>
+                </a:rPr>
+                <a:t>12. </a:t>
+              </a:r>
+              <a:r>
+                <a:rPr lang="ja-JP" altLang="en-US" sz="1400" dirty="0" smtClean="0">
+                  <a:solidFill>
+                    <a:schemeClr val="tx1">
+                      <a:lumMod val="85000"/>
+                      <a:lumOff val="15000"/>
+                    </a:schemeClr>
+                  </a:solidFill>
+                  <a:latin typeface="源柔ゴシックX Bold" panose="020B0602020203020207" pitchFamily="50" charset="-128"/>
+                  <a:ea typeface="源柔ゴシックX Bold" panose="020B0602020203020207" pitchFamily="50" charset="-128"/>
+                  <a:cs typeface="源柔ゴシックX Bold" panose="020B0602020203020207" pitchFamily="50" charset="-128"/>
+                </a:rPr>
+                <a:t>怒り</a:t>
+              </a:r>
+              <a:r>
+                <a:rPr lang="en-US" altLang="ja-JP" sz="1400" dirty="0" smtClean="0">
+                  <a:solidFill>
+                    <a:schemeClr val="tx1">
+                      <a:lumMod val="85000"/>
+                      <a:lumOff val="15000"/>
+                    </a:schemeClr>
+                  </a:solidFill>
+                  <a:latin typeface="源柔ゴシックX Bold" panose="020B0602020203020207" pitchFamily="50" charset="-128"/>
+                  <a:ea typeface="源柔ゴシックX Bold" panose="020B0602020203020207" pitchFamily="50" charset="-128"/>
+                  <a:cs typeface="源柔ゴシックX Bold" panose="020B0602020203020207" pitchFamily="50" charset="-128"/>
+                </a:rPr>
+                <a:t>2</a:t>
+              </a:r>
+              <a:endParaRPr lang="ja-JP" altLang="en-US" sz="1400" dirty="0" smtClean="0">
+                <a:solidFill>
+                  <a:schemeClr val="tx1">
+                    <a:lumMod val="85000"/>
+                    <a:lumOff val="15000"/>
+                  </a:schemeClr>
+                </a:solidFill>
+                <a:latin typeface="源柔ゴシックX Bold" panose="020B0602020203020207" pitchFamily="50" charset="-128"/>
+                <a:ea typeface="源柔ゴシックX Bold" panose="020B0602020203020207" pitchFamily="50" charset="-128"/>
+                <a:cs typeface="源柔ゴシックX Bold" panose="020B0602020203020207" pitchFamily="50" charset="-128"/>
+              </a:endParaRPr>
+            </a:p>
+          </p:txBody>
+        </p:sp>
+      </p:grpSp>
+      <p:grpSp>
+        <p:nvGrpSpPr>
+          <p:cNvPr id="64" name="グループ化 63"/>
+          <p:cNvGrpSpPr/>
+          <p:nvPr/>
+        </p:nvGrpSpPr>
+        <p:grpSpPr>
+          <a:xfrm>
+            <a:off x="282382" y="4891622"/>
+            <a:ext cx="1469376" cy="1701795"/>
+            <a:chOff x="578500" y="1083059"/>
+            <a:chExt cx="1469376" cy="1701795"/>
+          </a:xfrm>
+        </p:grpSpPr>
+        <p:pic>
+          <p:nvPicPr>
+            <p:cNvPr id="65" name="図 64"/>
+            <p:cNvPicPr>
+              <a:picLocks noChangeAspect="1"/>
+            </p:cNvPicPr>
+            <p:nvPr/>
+          </p:nvPicPr>
+          <p:blipFill>
+            <a:blip r:embed="rId14" cstate="print">
+              <a:extLst>
+                <a:ext uri="{28A0092B-C50C-407E-A947-70E740481C1C}">
+                  <a14:useLocalDpi xmlns:a14="http://schemas.microsoft.com/office/drawing/2010/main" val="0"/>
+                </a:ext>
+              </a:extLst>
+            </a:blip>
+            <a:stretch>
+              <a:fillRect/>
+            </a:stretch>
+          </p:blipFill>
+          <p:spPr>
+            <a:xfrm>
+              <a:off x="706341" y="1083059"/>
+              <a:ext cx="1265334" cy="1265334"/>
+            </a:xfrm>
+            <a:prstGeom prst="rect">
+              <a:avLst/>
+            </a:prstGeom>
+          </p:spPr>
+        </p:pic>
+        <p:sp>
+          <p:nvSpPr>
+            <p:cNvPr id="66" name="テキスト ボックス 65"/>
+            <p:cNvSpPr txBox="1"/>
+            <p:nvPr/>
+          </p:nvSpPr>
+          <p:spPr>
+            <a:xfrm>
+              <a:off x="578500" y="2533059"/>
+              <a:ext cx="1469376" cy="251795"/>
+            </a:xfrm>
+            <a:prstGeom prst="rect">
+              <a:avLst/>
+            </a:prstGeom>
+            <a:solidFill>
+              <a:schemeClr val="bg1">
+                <a:lumMod val="85000"/>
+              </a:schemeClr>
+            </a:solidFill>
+          </p:spPr>
+          <p:txBody>
+            <a:bodyPr wrap="square" lIns="36000" tIns="18000" rIns="36000" bIns="18000" rtlCol="0">
+              <a:spAutoFit/>
+            </a:bodyPr>
+            <a:lstStyle/>
+            <a:p>
+              <a:pPr algn="ctr"/>
+              <a:r>
+                <a:rPr lang="en-US" altLang="ja-JP" sz="1400" dirty="0" smtClean="0">
+                  <a:solidFill>
+                    <a:schemeClr val="tx1">
+                      <a:lumMod val="85000"/>
+                      <a:lumOff val="15000"/>
+                    </a:schemeClr>
+                  </a:solidFill>
+                  <a:latin typeface="源柔ゴシックX Bold" panose="020B0602020203020207" pitchFamily="50" charset="-128"/>
+                  <a:ea typeface="源柔ゴシックX Bold" panose="020B0602020203020207" pitchFamily="50" charset="-128"/>
+                  <a:cs typeface="源柔ゴシックX Bold" panose="020B0602020203020207" pitchFamily="50" charset="-128"/>
+                </a:rPr>
+                <a:t>13. </a:t>
+              </a:r>
+              <a:r>
+                <a:rPr lang="ja-JP" altLang="en-US" sz="1400" dirty="0" smtClean="0">
+                  <a:solidFill>
+                    <a:schemeClr val="tx1">
+                      <a:lumMod val="85000"/>
+                      <a:lumOff val="15000"/>
+                    </a:schemeClr>
+                  </a:solidFill>
+                  <a:latin typeface="源柔ゴシックX Bold" panose="020B0602020203020207" pitchFamily="50" charset="-128"/>
+                  <a:ea typeface="源柔ゴシックX Bold" panose="020B0602020203020207" pitchFamily="50" charset="-128"/>
+                  <a:cs typeface="源柔ゴシックX Bold" panose="020B0602020203020207" pitchFamily="50" charset="-128"/>
+                </a:rPr>
+                <a:t>怒り</a:t>
+              </a:r>
+              <a:r>
+                <a:rPr lang="en-US" altLang="ja-JP" sz="1400" dirty="0" smtClean="0">
+                  <a:solidFill>
+                    <a:schemeClr val="tx1">
+                      <a:lumMod val="85000"/>
+                      <a:lumOff val="15000"/>
+                    </a:schemeClr>
+                  </a:solidFill>
+                  <a:latin typeface="源柔ゴシックX Bold" panose="020B0602020203020207" pitchFamily="50" charset="-128"/>
+                  <a:ea typeface="源柔ゴシックX Bold" panose="020B0602020203020207" pitchFamily="50" charset="-128"/>
+                  <a:cs typeface="源柔ゴシックX Bold" panose="020B0602020203020207" pitchFamily="50" charset="-128"/>
+                </a:rPr>
+                <a:t>(</a:t>
+              </a:r>
+              <a:r>
+                <a:rPr lang="ja-JP" altLang="en-US" sz="1400" dirty="0" smtClean="0">
+                  <a:solidFill>
+                    <a:schemeClr val="tx1">
+                      <a:lumMod val="85000"/>
+                      <a:lumOff val="15000"/>
+                    </a:schemeClr>
+                  </a:solidFill>
+                  <a:latin typeface="源柔ゴシックX Bold" panose="020B0602020203020207" pitchFamily="50" charset="-128"/>
+                  <a:ea typeface="源柔ゴシックX Bold" panose="020B0602020203020207" pitchFamily="50" charset="-128"/>
+                  <a:cs typeface="源柔ゴシックX Bold" panose="020B0602020203020207" pitchFamily="50" charset="-128"/>
+                </a:rPr>
+                <a:t>大</a:t>
+              </a:r>
+              <a:r>
+                <a:rPr lang="en-US" altLang="ja-JP" sz="1400" dirty="0" smtClean="0">
+                  <a:solidFill>
+                    <a:schemeClr val="tx1">
+                      <a:lumMod val="85000"/>
+                      <a:lumOff val="15000"/>
+                    </a:schemeClr>
+                  </a:solidFill>
+                  <a:latin typeface="源柔ゴシックX Bold" panose="020B0602020203020207" pitchFamily="50" charset="-128"/>
+                  <a:ea typeface="源柔ゴシックX Bold" panose="020B0602020203020207" pitchFamily="50" charset="-128"/>
+                  <a:cs typeface="源柔ゴシックX Bold" panose="020B0602020203020207" pitchFamily="50" charset="-128"/>
+                </a:rPr>
+                <a:t>)</a:t>
+              </a:r>
+              <a:endParaRPr lang="ja-JP" altLang="en-US" sz="1400" dirty="0" smtClean="0">
+                <a:solidFill>
+                  <a:schemeClr val="tx1">
+                    <a:lumMod val="85000"/>
+                    <a:lumOff val="15000"/>
+                  </a:schemeClr>
+                </a:solidFill>
+                <a:latin typeface="源柔ゴシックX Bold" panose="020B0602020203020207" pitchFamily="50" charset="-128"/>
+                <a:ea typeface="源柔ゴシックX Bold" panose="020B0602020203020207" pitchFamily="50" charset="-128"/>
+                <a:cs typeface="源柔ゴシックX Bold" panose="020B0602020203020207" pitchFamily="50" charset="-128"/>
+              </a:endParaRPr>
+            </a:p>
+          </p:txBody>
+        </p:sp>
+      </p:grpSp>
+      <p:grpSp>
+        <p:nvGrpSpPr>
+          <p:cNvPr id="67" name="グループ化 66"/>
+          <p:cNvGrpSpPr/>
+          <p:nvPr/>
+        </p:nvGrpSpPr>
+        <p:grpSpPr>
+          <a:xfrm>
+            <a:off x="1953106" y="4891622"/>
+            <a:ext cx="1469376" cy="1701795"/>
+            <a:chOff x="2293000" y="1083059"/>
+            <a:chExt cx="1469376" cy="1701795"/>
+          </a:xfrm>
+        </p:grpSpPr>
+        <p:pic>
+          <p:nvPicPr>
+            <p:cNvPr id="68" name="図 67"/>
+            <p:cNvPicPr>
+              <a:picLocks noChangeAspect="1"/>
+            </p:cNvPicPr>
+            <p:nvPr/>
+          </p:nvPicPr>
+          <p:blipFill>
+            <a:blip r:embed="rId15" cstate="print">
+              <a:extLst>
+                <a:ext uri="{28A0092B-C50C-407E-A947-70E740481C1C}">
+                  <a14:useLocalDpi xmlns:a14="http://schemas.microsoft.com/office/drawing/2010/main" val="0"/>
+                </a:ext>
+              </a:extLst>
+            </a:blip>
+            <a:stretch>
+              <a:fillRect/>
+            </a:stretch>
+          </p:blipFill>
+          <p:spPr>
+            <a:xfrm>
+              <a:off x="2420841" y="1083059"/>
+              <a:ext cx="1265334" cy="1265334"/>
+            </a:xfrm>
+            <a:prstGeom prst="rect">
+              <a:avLst/>
+            </a:prstGeom>
+          </p:spPr>
+        </p:pic>
+        <p:sp>
+          <p:nvSpPr>
+            <p:cNvPr id="69" name="テキスト ボックス 68"/>
+            <p:cNvSpPr txBox="1"/>
+            <p:nvPr/>
+          </p:nvSpPr>
+          <p:spPr>
+            <a:xfrm>
+              <a:off x="2293000" y="2533059"/>
+              <a:ext cx="1469376" cy="251795"/>
+            </a:xfrm>
+            <a:prstGeom prst="rect">
+              <a:avLst/>
+            </a:prstGeom>
+            <a:solidFill>
+              <a:schemeClr val="bg1">
+                <a:lumMod val="85000"/>
+              </a:schemeClr>
+            </a:solidFill>
+          </p:spPr>
+          <p:txBody>
+            <a:bodyPr wrap="square" lIns="36000" tIns="18000" rIns="36000" bIns="18000" rtlCol="0">
+              <a:spAutoFit/>
+            </a:bodyPr>
+            <a:lstStyle/>
+            <a:p>
+              <a:pPr algn="ctr"/>
+              <a:r>
+                <a:rPr lang="en-US" altLang="ja-JP" sz="1400" dirty="0" smtClean="0">
+                  <a:solidFill>
+                    <a:schemeClr val="tx1">
+                      <a:lumMod val="85000"/>
+                      <a:lumOff val="15000"/>
+                    </a:schemeClr>
+                  </a:solidFill>
+                  <a:latin typeface="源柔ゴシックX Bold" panose="020B0602020203020207" pitchFamily="50" charset="-128"/>
+                  <a:ea typeface="源柔ゴシックX Bold" panose="020B0602020203020207" pitchFamily="50" charset="-128"/>
+                  <a:cs typeface="源柔ゴシックX Bold" panose="020B0602020203020207" pitchFamily="50" charset="-128"/>
+                </a:rPr>
+                <a:t>14. </a:t>
+              </a:r>
+              <a:r>
+                <a:rPr lang="ja-JP" altLang="en-US" sz="1400" dirty="0">
+                  <a:solidFill>
+                    <a:schemeClr val="tx1">
+                      <a:lumMod val="85000"/>
+                      <a:lumOff val="15000"/>
+                    </a:schemeClr>
+                  </a:solidFill>
+                  <a:latin typeface="源柔ゴシックX Bold" panose="020B0602020203020207" pitchFamily="50" charset="-128"/>
+                  <a:ea typeface="源柔ゴシックX Bold" panose="020B0602020203020207" pitchFamily="50" charset="-128"/>
+                  <a:cs typeface="源柔ゴシックX Bold" panose="020B0602020203020207" pitchFamily="50" charset="-128"/>
+                </a:rPr>
+                <a:t>衝撃</a:t>
+              </a:r>
+              <a:endParaRPr lang="ja-JP" altLang="en-US" sz="1400" dirty="0" smtClean="0">
+                <a:solidFill>
+                  <a:schemeClr val="tx1">
+                    <a:lumMod val="85000"/>
+                    <a:lumOff val="15000"/>
+                  </a:schemeClr>
+                </a:solidFill>
+                <a:latin typeface="源柔ゴシックX Bold" panose="020B0602020203020207" pitchFamily="50" charset="-128"/>
+                <a:ea typeface="源柔ゴシックX Bold" panose="020B0602020203020207" pitchFamily="50" charset="-128"/>
+                <a:cs typeface="源柔ゴシックX Bold" panose="020B0602020203020207" pitchFamily="50" charset="-128"/>
+              </a:endParaRPr>
+            </a:p>
+          </p:txBody>
+        </p:sp>
+      </p:grpSp>
+      <p:grpSp>
+        <p:nvGrpSpPr>
+          <p:cNvPr id="70" name="グループ化 69"/>
+          <p:cNvGrpSpPr/>
+          <p:nvPr/>
+        </p:nvGrpSpPr>
+        <p:grpSpPr>
+          <a:xfrm>
+            <a:off x="3623830" y="4891622"/>
+            <a:ext cx="1469376" cy="1701795"/>
+            <a:chOff x="2293000" y="1083059"/>
+            <a:chExt cx="1469376" cy="1701795"/>
+          </a:xfrm>
+        </p:grpSpPr>
+        <p:pic>
+          <p:nvPicPr>
+            <p:cNvPr id="71" name="図 70"/>
+            <p:cNvPicPr>
+              <a:picLocks noChangeAspect="1"/>
+            </p:cNvPicPr>
+            <p:nvPr/>
+          </p:nvPicPr>
+          <p:blipFill>
+            <a:blip r:embed="rId16" cstate="print">
+              <a:extLst>
+                <a:ext uri="{28A0092B-C50C-407E-A947-70E740481C1C}">
+                  <a14:useLocalDpi xmlns:a14="http://schemas.microsoft.com/office/drawing/2010/main" val="0"/>
+                </a:ext>
+              </a:extLst>
+            </a:blip>
+            <a:stretch>
+              <a:fillRect/>
+            </a:stretch>
+          </p:blipFill>
+          <p:spPr>
+            <a:xfrm>
+              <a:off x="2420841" y="1083059"/>
+              <a:ext cx="1265334" cy="1265334"/>
+            </a:xfrm>
+            <a:prstGeom prst="rect">
+              <a:avLst/>
+            </a:prstGeom>
+          </p:spPr>
+        </p:pic>
+        <p:sp>
+          <p:nvSpPr>
+            <p:cNvPr id="72" name="テキスト ボックス 71"/>
+            <p:cNvSpPr txBox="1"/>
+            <p:nvPr/>
+          </p:nvSpPr>
+          <p:spPr>
+            <a:xfrm>
+              <a:off x="2293000" y="2533059"/>
+              <a:ext cx="1469376" cy="251795"/>
+            </a:xfrm>
+            <a:prstGeom prst="rect">
+              <a:avLst/>
+            </a:prstGeom>
+            <a:solidFill>
+              <a:schemeClr val="bg1">
+                <a:lumMod val="85000"/>
+              </a:schemeClr>
+            </a:solidFill>
+          </p:spPr>
+          <p:txBody>
+            <a:bodyPr wrap="square" lIns="36000" tIns="18000" rIns="36000" bIns="18000" rtlCol="0">
+              <a:spAutoFit/>
+            </a:bodyPr>
+            <a:lstStyle/>
+            <a:p>
+              <a:pPr algn="ctr"/>
+              <a:r>
+                <a:rPr lang="en-US" altLang="ja-JP" sz="1400" dirty="0" smtClean="0">
+                  <a:solidFill>
+                    <a:schemeClr val="tx1">
+                      <a:lumMod val="85000"/>
+                      <a:lumOff val="15000"/>
+                    </a:schemeClr>
+                  </a:solidFill>
+                  <a:latin typeface="源柔ゴシックX Bold" panose="020B0602020203020207" pitchFamily="50" charset="-128"/>
+                  <a:ea typeface="源柔ゴシックX Bold" panose="020B0602020203020207" pitchFamily="50" charset="-128"/>
+                  <a:cs typeface="源柔ゴシックX Bold" panose="020B0602020203020207" pitchFamily="50" charset="-128"/>
+                </a:rPr>
+                <a:t>15. </a:t>
+              </a:r>
+              <a:r>
+                <a:rPr lang="ja-JP" altLang="en-US" sz="1400" dirty="0" smtClean="0">
+                  <a:solidFill>
+                    <a:schemeClr val="tx1">
+                      <a:lumMod val="85000"/>
+                      <a:lumOff val="15000"/>
+                    </a:schemeClr>
+                  </a:solidFill>
+                  <a:latin typeface="源柔ゴシックX Bold" panose="020B0602020203020207" pitchFamily="50" charset="-128"/>
+                  <a:ea typeface="源柔ゴシックX Bold" panose="020B0602020203020207" pitchFamily="50" charset="-128"/>
+                  <a:cs typeface="源柔ゴシックX Bold" panose="020B0602020203020207" pitchFamily="50" charset="-128"/>
+                </a:rPr>
+                <a:t>鬱</a:t>
+              </a:r>
+            </a:p>
+          </p:txBody>
+        </p:sp>
+      </p:grpSp>
+      <p:grpSp>
+        <p:nvGrpSpPr>
+          <p:cNvPr id="73" name="グループ化 72"/>
+          <p:cNvGrpSpPr/>
+          <p:nvPr/>
+        </p:nvGrpSpPr>
+        <p:grpSpPr>
+          <a:xfrm>
+            <a:off x="5294554" y="4891622"/>
+            <a:ext cx="1469376" cy="1701795"/>
+            <a:chOff x="2293000" y="1083059"/>
+            <a:chExt cx="1469376" cy="1701795"/>
+          </a:xfrm>
+        </p:grpSpPr>
+        <p:pic>
+          <p:nvPicPr>
+            <p:cNvPr id="74" name="図 73"/>
+            <p:cNvPicPr>
+              <a:picLocks noChangeAspect="1"/>
+            </p:cNvPicPr>
+            <p:nvPr/>
+          </p:nvPicPr>
+          <p:blipFill>
+            <a:blip r:embed="rId17" cstate="print">
+              <a:extLst>
+                <a:ext uri="{28A0092B-C50C-407E-A947-70E740481C1C}">
+                  <a14:useLocalDpi xmlns:a14="http://schemas.microsoft.com/office/drawing/2010/main" val="0"/>
+                </a:ext>
+              </a:extLst>
+            </a:blip>
+            <a:stretch>
+              <a:fillRect/>
+            </a:stretch>
+          </p:blipFill>
+          <p:spPr>
+            <a:xfrm>
+              <a:off x="2420841" y="1083059"/>
+              <a:ext cx="1265334" cy="1265334"/>
+            </a:xfrm>
+            <a:prstGeom prst="rect">
+              <a:avLst/>
+            </a:prstGeom>
+          </p:spPr>
+        </p:pic>
+        <p:sp>
+          <p:nvSpPr>
+            <p:cNvPr id="75" name="テキスト ボックス 74"/>
+            <p:cNvSpPr txBox="1"/>
+            <p:nvPr/>
+          </p:nvSpPr>
+          <p:spPr>
+            <a:xfrm>
+              <a:off x="2293000" y="2533059"/>
+              <a:ext cx="1469376" cy="251795"/>
+            </a:xfrm>
+            <a:prstGeom prst="rect">
+              <a:avLst/>
+            </a:prstGeom>
+            <a:solidFill>
+              <a:schemeClr val="bg1">
+                <a:lumMod val="85000"/>
+              </a:schemeClr>
+            </a:solidFill>
+          </p:spPr>
+          <p:txBody>
+            <a:bodyPr wrap="square" lIns="36000" tIns="18000" rIns="36000" bIns="18000" rtlCol="0">
+              <a:spAutoFit/>
+            </a:bodyPr>
+            <a:lstStyle/>
+            <a:p>
+              <a:pPr algn="ctr"/>
+              <a:r>
+                <a:rPr lang="en-US" altLang="ja-JP" sz="1400" dirty="0" smtClean="0">
+                  <a:solidFill>
+                    <a:schemeClr val="tx1">
+                      <a:lumMod val="85000"/>
+                      <a:lumOff val="15000"/>
+                    </a:schemeClr>
+                  </a:solidFill>
+                  <a:latin typeface="源柔ゴシックX Bold" panose="020B0602020203020207" pitchFamily="50" charset="-128"/>
+                  <a:ea typeface="源柔ゴシックX Bold" panose="020B0602020203020207" pitchFamily="50" charset="-128"/>
+                  <a:cs typeface="源柔ゴシックX Bold" panose="020B0602020203020207" pitchFamily="50" charset="-128"/>
+                </a:rPr>
+                <a:t>16. </a:t>
+              </a:r>
+              <a:r>
+                <a:rPr lang="ja-JP" altLang="en-US" sz="1400" dirty="0" smtClean="0">
+                  <a:solidFill>
+                    <a:schemeClr val="tx1">
+                      <a:lumMod val="85000"/>
+                      <a:lumOff val="15000"/>
+                    </a:schemeClr>
+                  </a:solidFill>
+                  <a:latin typeface="源柔ゴシックX Bold" panose="020B0602020203020207" pitchFamily="50" charset="-128"/>
+                  <a:ea typeface="源柔ゴシックX Bold" panose="020B0602020203020207" pitchFamily="50" charset="-128"/>
+                  <a:cs typeface="源柔ゴシックX Bold" panose="020B0602020203020207" pitchFamily="50" charset="-128"/>
+                </a:rPr>
+                <a:t>固有</a:t>
+              </a:r>
+            </a:p>
+          </p:txBody>
+        </p:sp>
+      </p:grpSp>
+      <p:grpSp>
+        <p:nvGrpSpPr>
+          <p:cNvPr id="76" name="グループ化 75"/>
+          <p:cNvGrpSpPr/>
+          <p:nvPr/>
+        </p:nvGrpSpPr>
+        <p:grpSpPr>
+          <a:xfrm>
+            <a:off x="6965278" y="4891622"/>
+            <a:ext cx="1469376" cy="1701795"/>
+            <a:chOff x="2293000" y="1083059"/>
+            <a:chExt cx="1469376" cy="1701795"/>
+          </a:xfrm>
+        </p:grpSpPr>
+        <p:pic>
+          <p:nvPicPr>
+            <p:cNvPr id="77" name="図 76"/>
+            <p:cNvPicPr>
+              <a:picLocks noChangeAspect="1"/>
+            </p:cNvPicPr>
+            <p:nvPr/>
+          </p:nvPicPr>
+          <p:blipFill>
+            <a:blip r:embed="rId18" cstate="print">
+              <a:extLst>
+                <a:ext uri="{28A0092B-C50C-407E-A947-70E740481C1C}">
+                  <a14:useLocalDpi xmlns:a14="http://schemas.microsoft.com/office/drawing/2010/main" val="0"/>
+                </a:ext>
+              </a:extLst>
+            </a:blip>
+            <a:stretch>
+              <a:fillRect/>
+            </a:stretch>
+          </p:blipFill>
+          <p:spPr>
+            <a:xfrm>
+              <a:off x="2420841" y="1083059"/>
+              <a:ext cx="1265334" cy="1265334"/>
+            </a:xfrm>
+            <a:prstGeom prst="rect">
+              <a:avLst/>
+            </a:prstGeom>
+          </p:spPr>
+        </p:pic>
+        <p:sp>
+          <p:nvSpPr>
+            <p:cNvPr id="78" name="テキスト ボックス 77"/>
+            <p:cNvSpPr txBox="1"/>
+            <p:nvPr/>
+          </p:nvSpPr>
+          <p:spPr>
+            <a:xfrm>
+              <a:off x="2293000" y="2533059"/>
+              <a:ext cx="1469376" cy="251795"/>
+            </a:xfrm>
+            <a:prstGeom prst="rect">
+              <a:avLst/>
+            </a:prstGeom>
+            <a:solidFill>
+              <a:schemeClr val="bg1">
+                <a:lumMod val="85000"/>
+              </a:schemeClr>
+            </a:solidFill>
+          </p:spPr>
+          <p:txBody>
+            <a:bodyPr wrap="square" lIns="36000" tIns="18000" rIns="36000" bIns="18000" rtlCol="0">
+              <a:spAutoFit/>
+            </a:bodyPr>
+            <a:lstStyle/>
+            <a:p>
+              <a:pPr algn="ctr"/>
+              <a:r>
+                <a:rPr lang="en-US" altLang="ja-JP" sz="1400" dirty="0" smtClean="0">
+                  <a:solidFill>
+                    <a:schemeClr val="tx1">
+                      <a:lumMod val="85000"/>
+                      <a:lumOff val="15000"/>
+                    </a:schemeClr>
+                  </a:solidFill>
+                  <a:latin typeface="源柔ゴシックX Bold" panose="020B0602020203020207" pitchFamily="50" charset="-128"/>
+                  <a:ea typeface="源柔ゴシックX Bold" panose="020B0602020203020207" pitchFamily="50" charset="-128"/>
+                  <a:cs typeface="源柔ゴシックX Bold" panose="020B0602020203020207" pitchFamily="50" charset="-128"/>
+                </a:rPr>
+                <a:t>17. </a:t>
+              </a:r>
+              <a:r>
+                <a:rPr lang="ja-JP" altLang="en-US" sz="1400" dirty="0" smtClean="0">
+                  <a:solidFill>
+                    <a:schemeClr val="tx1">
+                      <a:lumMod val="85000"/>
+                      <a:lumOff val="15000"/>
+                    </a:schemeClr>
+                  </a:solidFill>
+                  <a:latin typeface="源柔ゴシックX Bold" panose="020B0602020203020207" pitchFamily="50" charset="-128"/>
+                  <a:ea typeface="源柔ゴシックX Bold" panose="020B0602020203020207" pitchFamily="50" charset="-128"/>
+                  <a:cs typeface="源柔ゴシックX Bold" panose="020B0602020203020207" pitchFamily="50" charset="-128"/>
+                </a:rPr>
+                <a:t>固有</a:t>
+              </a:r>
+            </a:p>
+          </p:txBody>
+        </p:sp>
+      </p:grpSp>
+      <p:grpSp>
+        <p:nvGrpSpPr>
+          <p:cNvPr id="79" name="グループ化 78"/>
+          <p:cNvGrpSpPr/>
+          <p:nvPr/>
+        </p:nvGrpSpPr>
+        <p:grpSpPr>
+          <a:xfrm>
+            <a:off x="8636000" y="4891622"/>
+            <a:ext cx="1469376" cy="1701795"/>
+            <a:chOff x="2293000" y="1083059"/>
+            <a:chExt cx="1469376" cy="1701795"/>
+          </a:xfrm>
+        </p:grpSpPr>
+        <p:pic>
+          <p:nvPicPr>
+            <p:cNvPr id="80" name="図 79"/>
+            <p:cNvPicPr>
+              <a:picLocks noChangeAspect="1"/>
+            </p:cNvPicPr>
+            <p:nvPr/>
+          </p:nvPicPr>
+          <p:blipFill>
+            <a:blip r:embed="rId19" cstate="print">
+              <a:extLst>
+                <a:ext uri="{28A0092B-C50C-407E-A947-70E740481C1C}">
+                  <a14:useLocalDpi xmlns:a14="http://schemas.microsoft.com/office/drawing/2010/main" val="0"/>
+                </a:ext>
+              </a:extLst>
+            </a:blip>
+            <a:stretch>
+              <a:fillRect/>
+            </a:stretch>
+          </p:blipFill>
+          <p:spPr>
+            <a:xfrm>
+              <a:off x="2420841" y="1083059"/>
+              <a:ext cx="1265334" cy="1265334"/>
+            </a:xfrm>
+            <a:prstGeom prst="rect">
+              <a:avLst/>
+            </a:prstGeom>
+          </p:spPr>
+        </p:pic>
+        <p:sp>
+          <p:nvSpPr>
+            <p:cNvPr id="81" name="テキスト ボックス 80"/>
+            <p:cNvSpPr txBox="1"/>
+            <p:nvPr/>
+          </p:nvSpPr>
+          <p:spPr>
+            <a:xfrm>
+              <a:off x="2293000" y="2533059"/>
+              <a:ext cx="1469376" cy="251795"/>
+            </a:xfrm>
+            <a:prstGeom prst="rect">
+              <a:avLst/>
+            </a:prstGeom>
+            <a:solidFill>
+              <a:schemeClr val="bg1">
+                <a:lumMod val="85000"/>
+              </a:schemeClr>
+            </a:solidFill>
+          </p:spPr>
+          <p:txBody>
+            <a:bodyPr wrap="square" lIns="36000" tIns="18000" rIns="36000" bIns="18000" rtlCol="0">
+              <a:spAutoFit/>
+            </a:bodyPr>
+            <a:lstStyle/>
+            <a:p>
+              <a:pPr algn="ctr"/>
+              <a:r>
+                <a:rPr lang="en-US" altLang="ja-JP" sz="1400" dirty="0" smtClean="0">
+                  <a:solidFill>
+                    <a:schemeClr val="tx1">
+                      <a:lumMod val="85000"/>
+                      <a:lumOff val="15000"/>
+                    </a:schemeClr>
+                  </a:solidFill>
+                  <a:latin typeface="源柔ゴシックX Bold" panose="020B0602020203020207" pitchFamily="50" charset="-128"/>
+                  <a:ea typeface="源柔ゴシックX Bold" panose="020B0602020203020207" pitchFamily="50" charset="-128"/>
+                  <a:cs typeface="源柔ゴシックX Bold" panose="020B0602020203020207" pitchFamily="50" charset="-128"/>
+                </a:rPr>
+                <a:t>18. </a:t>
+              </a:r>
+              <a:r>
+                <a:rPr lang="ja-JP" altLang="en-US" sz="1400" dirty="0" smtClean="0">
+                  <a:solidFill>
+                    <a:schemeClr val="tx1">
+                      <a:lumMod val="85000"/>
+                      <a:lumOff val="15000"/>
+                    </a:schemeClr>
+                  </a:solidFill>
+                  <a:latin typeface="源柔ゴシックX Bold" panose="020B0602020203020207" pitchFamily="50" charset="-128"/>
+                  <a:ea typeface="源柔ゴシックX Bold" panose="020B0602020203020207" pitchFamily="50" charset="-128"/>
+                  <a:cs typeface="源柔ゴシックX Bold" panose="020B0602020203020207" pitchFamily="50" charset="-128"/>
+                </a:rPr>
+                <a:t>固有</a:t>
+              </a:r>
+            </a:p>
+          </p:txBody>
+        </p:sp>
+      </p:grpSp>
+      <p:pic>
+        <p:nvPicPr>
+          <p:cNvPr id="2" name="図 1"/>
+          <p:cNvPicPr>
+            <a:picLocks noChangeAspect="1"/>
+          </p:cNvPicPr>
+          <p:nvPr/>
+        </p:nvPicPr>
+        <p:blipFill>
+          <a:blip r:embed="rId20" cstate="print">
+            <a:extLst>
+              <a:ext uri="{28A0092B-C50C-407E-A947-70E740481C1C}">
+                <a14:useLocalDpi xmlns:a14="http://schemas.microsoft.com/office/drawing/2010/main" val="0"/>
+              </a:ext>
+            </a:extLst>
+          </a:blip>
+          <a:stretch>
+            <a:fillRect/>
+          </a:stretch>
+        </p:blipFill>
+        <p:spPr>
+          <a:xfrm>
+            <a:off x="8044256" y="6866983"/>
+            <a:ext cx="2207819" cy="506338"/>
+          </a:xfrm>
+          <a:prstGeom prst="rect">
+            <a:avLst/>
+          </a:prstGeom>
+        </p:spPr>
+      </p:pic>
+    </p:spTree>
+    <p:extLst>
+      <p:ext uri="{BB962C8B-B14F-4D97-AF65-F5344CB8AC3E}">
+        <p14:creationId xmlns:p14="http://schemas.microsoft.com/office/powerpoint/2010/main" val="3404639185"/>
+      </p:ext>
+    </p:extLst>
+  </p:cSld>
+  <p:clrMapOvr>
+    <a:masterClrMapping/>
+  </p:clrMapOvr>
+</p:sld>
+</file>
+
+<file path=ppt/slides/slide3.xml><?xml version="1.0" encoding="utf-8"?>
+<p:sld xmlns:a="http://schemas.openxmlformats.org/drawingml/2006/main" xmlns:r="http://schemas.openxmlformats.org/officeDocument/2006/relationships" xmlns:p="http://schemas.openxmlformats.org/presentationml/2006/main">
+  <p:cSld>
+    <p:spTree>
+      <p:nvGrpSpPr>
+        <p:cNvPr id="1" name=""/>
+        <p:cNvGrpSpPr/>
+        <p:nvPr/>
+      </p:nvGrpSpPr>
+      <p:grpSpPr>
+        <a:xfrm>
+          <a:off x="0" y="0"/>
+          <a:ext cx="0" cy="0"/>
+          <a:chOff x="0" y="0"/>
+          <a:chExt cx="0" cy="0"/>
+        </a:xfrm>
+      </p:grpSpPr>
+      <p:sp>
+        <p:nvSpPr>
+          <p:cNvPr id="7" name="テキスト ボックス 6"/>
+          <p:cNvSpPr txBox="1"/>
+          <p:nvPr/>
+        </p:nvSpPr>
+        <p:spPr>
+          <a:xfrm>
+            <a:off x="241108" y="190507"/>
+            <a:ext cx="2340166" cy="707886"/>
+          </a:xfrm>
+          <a:prstGeom prst="rect">
+            <a:avLst/>
+          </a:prstGeom>
+          <a:noFill/>
+        </p:spPr>
+        <p:txBody>
+          <a:bodyPr wrap="square" rtlCol="0">
+            <a:spAutoFit/>
+          </a:bodyPr>
+          <a:lstStyle/>
+          <a:p>
+            <a:r>
+              <a:rPr kumimoji="1" lang="en-US" altLang="ja-JP" sz="4000" dirty="0" smtClean="0">
+                <a:solidFill>
+                  <a:schemeClr val="bg1">
+                    <a:lumMod val="75000"/>
+                    <a:alpha val="50000"/>
+                  </a:schemeClr>
+                </a:solidFill>
+                <a:latin typeface="源界明朝" panose="02000900000000000000" pitchFamily="2" charset="-128"/>
+                <a:ea typeface="源界明朝" panose="02000900000000000000" pitchFamily="2" charset="-128"/>
+              </a:rPr>
+              <a:t>#</a:t>
+            </a:r>
+            <a:r>
+              <a:rPr kumimoji="1" lang="en-US" altLang="ja-JP" sz="4000" dirty="0" smtClean="0">
+                <a:solidFill>
+                  <a:schemeClr val="bg1">
+                    <a:lumMod val="75000"/>
+                    <a:alpha val="50000"/>
+                  </a:schemeClr>
+                </a:solidFill>
+                <a:latin typeface="源界明朝" panose="02000900000000000000" pitchFamily="2" charset="-128"/>
+                <a:ea typeface="源界明朝" panose="02000900000000000000" pitchFamily="2" charset="-128"/>
+              </a:rPr>
+              <a:t>0</a:t>
+            </a:r>
+            <a:r>
+              <a:rPr lang="en-US" altLang="ja-JP" sz="4000" dirty="0">
+                <a:solidFill>
+                  <a:schemeClr val="bg1">
+                    <a:lumMod val="75000"/>
+                    <a:alpha val="50000"/>
+                  </a:schemeClr>
+                </a:solidFill>
+                <a:latin typeface="源界明朝" panose="02000900000000000000" pitchFamily="2" charset="-128"/>
+                <a:ea typeface="源界明朝" panose="02000900000000000000" pitchFamily="2" charset="-128"/>
+              </a:rPr>
+              <a:t>5</a:t>
+            </a:r>
+            <a:endParaRPr kumimoji="1" lang="ja-JP" altLang="en-US" sz="4000" dirty="0">
+              <a:solidFill>
+                <a:schemeClr val="bg1">
+                  <a:lumMod val="75000"/>
+                  <a:alpha val="50000"/>
+                </a:schemeClr>
+              </a:solidFill>
+              <a:latin typeface="源界明朝" panose="02000900000000000000" pitchFamily="2" charset="-128"/>
+              <a:ea typeface="源界明朝" panose="02000900000000000000" pitchFamily="2" charset="-128"/>
+            </a:endParaRPr>
+          </a:p>
+        </p:txBody>
+      </p:sp>
+      <p:sp>
+        <p:nvSpPr>
+          <p:cNvPr id="6" name="テキスト ボックス 5"/>
+          <p:cNvSpPr txBox="1"/>
+          <p:nvPr/>
+        </p:nvSpPr>
+        <p:spPr>
+          <a:xfrm>
+            <a:off x="609600" y="375173"/>
+            <a:ext cx="2752725" cy="523220"/>
+          </a:xfrm>
+          <a:prstGeom prst="rect">
+            <a:avLst/>
+          </a:prstGeom>
+          <a:noFill/>
+        </p:spPr>
+        <p:txBody>
+          <a:bodyPr wrap="square" rtlCol="0">
+            <a:spAutoFit/>
+          </a:bodyPr>
+          <a:lstStyle/>
+          <a:p>
+            <a:r>
+              <a:rPr kumimoji="1" lang="ja-JP" altLang="en-US" sz="2800" dirty="0" smtClean="0">
+                <a:latin typeface="コーポレートやわ明 Medium" panose="02000600000000000000" pitchFamily="2" charset="-128"/>
+                <a:ea typeface="コーポレートやわ明 Medium" panose="02000600000000000000" pitchFamily="2" charset="-128"/>
+              </a:rPr>
+              <a:t>花蜂 蜜黄</a:t>
+            </a:r>
+            <a:endParaRPr kumimoji="1" lang="ja-JP" altLang="en-US" sz="2800" dirty="0">
+              <a:latin typeface="コーポレートやわ明 Medium" panose="02000600000000000000" pitchFamily="2" charset="-128"/>
+              <a:ea typeface="コーポレートやわ明 Medium" panose="02000600000000000000" pitchFamily="2" charset="-128"/>
+            </a:endParaRPr>
+          </a:p>
+        </p:txBody>
+      </p:sp>
+      <p:grpSp>
+        <p:nvGrpSpPr>
+          <p:cNvPr id="14" name="グループ化 13"/>
+          <p:cNvGrpSpPr/>
+          <p:nvPr/>
+        </p:nvGrpSpPr>
+        <p:grpSpPr>
+          <a:xfrm>
+            <a:off x="282382" y="956059"/>
+            <a:ext cx="1469376" cy="1701795"/>
+            <a:chOff x="578500" y="1083059"/>
+            <a:chExt cx="1469376" cy="1701795"/>
+          </a:xfrm>
+        </p:grpSpPr>
+        <p:pic>
+          <p:nvPicPr>
+            <p:cNvPr id="10" name="図 9"/>
+            <p:cNvPicPr>
+              <a:picLocks noChangeAspect="1"/>
+            </p:cNvPicPr>
+            <p:nvPr/>
+          </p:nvPicPr>
+          <p:blipFill>
+            <a:blip r:embed="rId2" cstate="print">
+              <a:extLst>
+                <a:ext uri="{28A0092B-C50C-407E-A947-70E740481C1C}">
+                  <a14:useLocalDpi xmlns:a14="http://schemas.microsoft.com/office/drawing/2010/main" val="0"/>
+                </a:ext>
+              </a:extLst>
+            </a:blip>
+            <a:stretch>
+              <a:fillRect/>
+            </a:stretch>
+          </p:blipFill>
+          <p:spPr>
+            <a:xfrm>
+              <a:off x="706341" y="1083059"/>
+              <a:ext cx="1265334" cy="1265334"/>
+            </a:xfrm>
+            <a:prstGeom prst="rect">
+              <a:avLst/>
+            </a:prstGeom>
+          </p:spPr>
+        </p:pic>
+        <p:sp>
+          <p:nvSpPr>
+            <p:cNvPr id="11" name="テキスト ボックス 10"/>
+            <p:cNvSpPr txBox="1"/>
+            <p:nvPr/>
+          </p:nvSpPr>
+          <p:spPr>
+            <a:xfrm>
+              <a:off x="578500" y="2533059"/>
+              <a:ext cx="1469376" cy="251795"/>
+            </a:xfrm>
+            <a:prstGeom prst="rect">
+              <a:avLst/>
+            </a:prstGeom>
+            <a:solidFill>
+              <a:schemeClr val="bg1">
+                <a:lumMod val="85000"/>
+              </a:schemeClr>
+            </a:solidFill>
+          </p:spPr>
+          <p:txBody>
+            <a:bodyPr wrap="square" lIns="36000" tIns="18000" rIns="36000" bIns="18000" rtlCol="0">
+              <a:spAutoFit/>
+            </a:bodyPr>
+            <a:lstStyle/>
+            <a:p>
+              <a:pPr algn="ctr"/>
+              <a:r>
+                <a:rPr lang="ja-JP" altLang="en-US" sz="1400" dirty="0" smtClean="0">
+                  <a:solidFill>
+                    <a:schemeClr val="tx1">
+                      <a:lumMod val="85000"/>
+                      <a:lumOff val="15000"/>
+                    </a:schemeClr>
+                  </a:solidFill>
+                  <a:latin typeface="源柔ゴシックX Bold" panose="020B0602020203020207" pitchFamily="50" charset="-128"/>
+                  <a:ea typeface="源柔ゴシックX Bold" panose="020B0602020203020207" pitchFamily="50" charset="-128"/>
+                  <a:cs typeface="源柔ゴシックX Bold" panose="020B0602020203020207" pitchFamily="50" charset="-128"/>
+                </a:rPr>
+                <a:t>01. 通常</a:t>
+              </a:r>
+            </a:p>
+          </p:txBody>
+        </p:sp>
+      </p:grpSp>
+      <p:grpSp>
+        <p:nvGrpSpPr>
+          <p:cNvPr id="15" name="グループ化 14"/>
+          <p:cNvGrpSpPr/>
+          <p:nvPr/>
+        </p:nvGrpSpPr>
+        <p:grpSpPr>
+          <a:xfrm>
+            <a:off x="1953106" y="956059"/>
+            <a:ext cx="1469376" cy="1701795"/>
+            <a:chOff x="2293000" y="1083059"/>
+            <a:chExt cx="1469376" cy="1701795"/>
+          </a:xfrm>
+        </p:grpSpPr>
+        <p:pic>
+          <p:nvPicPr>
+            <p:cNvPr id="12" name="図 11"/>
+            <p:cNvPicPr>
+              <a:picLocks noChangeAspect="1"/>
+            </p:cNvPicPr>
+            <p:nvPr/>
+          </p:nvPicPr>
+          <p:blipFill>
+            <a:blip r:embed="rId3" cstate="print">
+              <a:extLst>
+                <a:ext uri="{28A0092B-C50C-407E-A947-70E740481C1C}">
+                  <a14:useLocalDpi xmlns:a14="http://schemas.microsoft.com/office/drawing/2010/main" val="0"/>
+                </a:ext>
+              </a:extLst>
+            </a:blip>
+            <a:stretch>
+              <a:fillRect/>
+            </a:stretch>
+          </p:blipFill>
+          <p:spPr>
+            <a:xfrm>
+              <a:off x="2420841" y="1083059"/>
+              <a:ext cx="1265334" cy="1265334"/>
+            </a:xfrm>
+            <a:prstGeom prst="rect">
+              <a:avLst/>
+            </a:prstGeom>
+          </p:spPr>
+        </p:pic>
+        <p:sp>
+          <p:nvSpPr>
+            <p:cNvPr id="13" name="テキスト ボックス 12"/>
+            <p:cNvSpPr txBox="1"/>
+            <p:nvPr/>
+          </p:nvSpPr>
+          <p:spPr>
+            <a:xfrm>
+              <a:off x="2293000" y="2533059"/>
+              <a:ext cx="1469376" cy="251795"/>
+            </a:xfrm>
+            <a:prstGeom prst="rect">
+              <a:avLst/>
+            </a:prstGeom>
+            <a:solidFill>
+              <a:schemeClr val="bg1">
+                <a:lumMod val="85000"/>
+              </a:schemeClr>
+            </a:solidFill>
+          </p:spPr>
+          <p:txBody>
+            <a:bodyPr wrap="square" lIns="36000" tIns="18000" rIns="36000" bIns="18000" rtlCol="0">
+              <a:spAutoFit/>
+            </a:bodyPr>
+            <a:lstStyle/>
+            <a:p>
+              <a:pPr algn="ctr"/>
+              <a:r>
+                <a:rPr lang="en-US" altLang="ja-JP" sz="1400" dirty="0" smtClean="0">
+                  <a:solidFill>
+                    <a:schemeClr val="tx1">
+                      <a:lumMod val="85000"/>
+                      <a:lumOff val="15000"/>
+                    </a:schemeClr>
+                  </a:solidFill>
+                  <a:latin typeface="源柔ゴシックX Bold" panose="020B0602020203020207" pitchFamily="50" charset="-128"/>
+                  <a:ea typeface="源柔ゴシックX Bold" panose="020B0602020203020207" pitchFamily="50" charset="-128"/>
+                  <a:cs typeface="源柔ゴシックX Bold" panose="020B0602020203020207" pitchFamily="50" charset="-128"/>
+                </a:rPr>
+                <a:t>02. </a:t>
+              </a:r>
+              <a:r>
+                <a:rPr lang="ja-JP" altLang="en-US" sz="1400" dirty="0" smtClean="0">
+                  <a:solidFill>
+                    <a:schemeClr val="tx1">
+                      <a:lumMod val="85000"/>
+                      <a:lumOff val="15000"/>
+                    </a:schemeClr>
+                  </a:solidFill>
+                  <a:latin typeface="源柔ゴシックX Bold" panose="020B0602020203020207" pitchFamily="50" charset="-128"/>
+                  <a:ea typeface="源柔ゴシックX Bold" panose="020B0602020203020207" pitchFamily="50" charset="-128"/>
+                  <a:cs typeface="源柔ゴシックX Bold" panose="020B0602020203020207" pitchFamily="50" charset="-128"/>
+                </a:rPr>
+                <a:t>聞き顔</a:t>
+              </a:r>
+            </a:p>
+          </p:txBody>
+        </p:sp>
+      </p:grpSp>
+      <p:grpSp>
+        <p:nvGrpSpPr>
+          <p:cNvPr id="16" name="グループ化 15"/>
+          <p:cNvGrpSpPr/>
+          <p:nvPr/>
+        </p:nvGrpSpPr>
+        <p:grpSpPr>
+          <a:xfrm>
+            <a:off x="3623830" y="956059"/>
+            <a:ext cx="1469376" cy="1701795"/>
+            <a:chOff x="2293000" y="1083059"/>
+            <a:chExt cx="1469376" cy="1701795"/>
+          </a:xfrm>
+        </p:grpSpPr>
+        <p:pic>
+          <p:nvPicPr>
+            <p:cNvPr id="17" name="図 16"/>
+            <p:cNvPicPr>
+              <a:picLocks noChangeAspect="1"/>
+            </p:cNvPicPr>
+            <p:nvPr/>
+          </p:nvPicPr>
+          <p:blipFill>
+            <a:blip r:embed="rId4" cstate="print">
+              <a:extLst>
+                <a:ext uri="{28A0092B-C50C-407E-A947-70E740481C1C}">
+                  <a14:useLocalDpi xmlns:a14="http://schemas.microsoft.com/office/drawing/2010/main" val="0"/>
+                </a:ext>
+              </a:extLst>
+            </a:blip>
+            <a:stretch>
+              <a:fillRect/>
+            </a:stretch>
+          </p:blipFill>
+          <p:spPr>
+            <a:xfrm>
+              <a:off x="2420841" y="1083059"/>
+              <a:ext cx="1265334" cy="1265334"/>
+            </a:xfrm>
+            <a:prstGeom prst="rect">
+              <a:avLst/>
+            </a:prstGeom>
+          </p:spPr>
+        </p:pic>
+        <p:sp>
+          <p:nvSpPr>
+            <p:cNvPr id="18" name="テキスト ボックス 17"/>
+            <p:cNvSpPr txBox="1"/>
+            <p:nvPr/>
+          </p:nvSpPr>
+          <p:spPr>
+            <a:xfrm>
+              <a:off x="2293000" y="2533059"/>
+              <a:ext cx="1469376" cy="251795"/>
+            </a:xfrm>
+            <a:prstGeom prst="rect">
+              <a:avLst/>
+            </a:prstGeom>
+            <a:solidFill>
+              <a:schemeClr val="bg1">
+                <a:lumMod val="85000"/>
+              </a:schemeClr>
+            </a:solidFill>
+          </p:spPr>
+          <p:txBody>
+            <a:bodyPr wrap="square" lIns="36000" tIns="18000" rIns="36000" bIns="18000" rtlCol="0">
+              <a:spAutoFit/>
+            </a:bodyPr>
+            <a:lstStyle/>
+            <a:p>
+              <a:pPr algn="ctr"/>
+              <a:r>
+                <a:rPr lang="en-US" altLang="ja-JP" sz="1400" dirty="0" smtClean="0">
+                  <a:solidFill>
+                    <a:schemeClr val="tx1">
+                      <a:lumMod val="85000"/>
+                      <a:lumOff val="15000"/>
+                    </a:schemeClr>
+                  </a:solidFill>
+                  <a:latin typeface="源柔ゴシックX Bold" panose="020B0602020203020207" pitchFamily="50" charset="-128"/>
+                  <a:ea typeface="源柔ゴシックX Bold" panose="020B0602020203020207" pitchFamily="50" charset="-128"/>
+                  <a:cs typeface="源柔ゴシックX Bold" panose="020B0602020203020207" pitchFamily="50" charset="-128"/>
+                </a:rPr>
+                <a:t>03. </a:t>
+              </a:r>
+              <a:r>
+                <a:rPr lang="ja-JP" altLang="en-US" sz="1400" dirty="0" smtClean="0">
+                  <a:solidFill>
+                    <a:schemeClr val="tx1">
+                      <a:lumMod val="85000"/>
+                      <a:lumOff val="15000"/>
+                    </a:schemeClr>
+                  </a:solidFill>
+                  <a:latin typeface="源柔ゴシックX Bold" panose="020B0602020203020207" pitchFamily="50" charset="-128"/>
+                  <a:ea typeface="源柔ゴシックX Bold" panose="020B0602020203020207" pitchFamily="50" charset="-128"/>
+                  <a:cs typeface="源柔ゴシックX Bold" panose="020B0602020203020207" pitchFamily="50" charset="-128"/>
+                </a:rPr>
+                <a:t>笑顔</a:t>
+              </a:r>
+              <a:r>
+                <a:rPr lang="en-US" altLang="ja-JP" sz="1400" dirty="0" smtClean="0">
+                  <a:solidFill>
+                    <a:schemeClr val="tx1">
+                      <a:lumMod val="85000"/>
+                      <a:lumOff val="15000"/>
+                    </a:schemeClr>
+                  </a:solidFill>
+                  <a:latin typeface="源柔ゴシックX Bold" panose="020B0602020203020207" pitchFamily="50" charset="-128"/>
+                  <a:ea typeface="源柔ゴシックX Bold" panose="020B0602020203020207" pitchFamily="50" charset="-128"/>
+                  <a:cs typeface="源柔ゴシックX Bold" panose="020B0602020203020207" pitchFamily="50" charset="-128"/>
+                </a:rPr>
+                <a:t>1</a:t>
+              </a:r>
+              <a:endParaRPr lang="ja-JP" altLang="en-US" sz="1400" dirty="0" smtClean="0">
+                <a:solidFill>
+                  <a:schemeClr val="tx1">
+                    <a:lumMod val="85000"/>
+                    <a:lumOff val="15000"/>
+                  </a:schemeClr>
+                </a:solidFill>
+                <a:latin typeface="源柔ゴシックX Bold" panose="020B0602020203020207" pitchFamily="50" charset="-128"/>
+                <a:ea typeface="源柔ゴシックX Bold" panose="020B0602020203020207" pitchFamily="50" charset="-128"/>
+                <a:cs typeface="源柔ゴシックX Bold" panose="020B0602020203020207" pitchFamily="50" charset="-128"/>
+              </a:endParaRPr>
+            </a:p>
+          </p:txBody>
+        </p:sp>
+      </p:grpSp>
+      <p:grpSp>
+        <p:nvGrpSpPr>
+          <p:cNvPr id="19" name="グループ化 18"/>
+          <p:cNvGrpSpPr/>
+          <p:nvPr/>
+        </p:nvGrpSpPr>
+        <p:grpSpPr>
+          <a:xfrm>
+            <a:off x="5294554" y="956059"/>
+            <a:ext cx="1469376" cy="1701795"/>
+            <a:chOff x="2293000" y="1083059"/>
+            <a:chExt cx="1469376" cy="1701795"/>
+          </a:xfrm>
+        </p:grpSpPr>
+        <p:pic>
+          <p:nvPicPr>
+            <p:cNvPr id="20" name="図 19"/>
+            <p:cNvPicPr>
+              <a:picLocks noChangeAspect="1"/>
+            </p:cNvPicPr>
+            <p:nvPr/>
+          </p:nvPicPr>
+          <p:blipFill>
+            <a:blip r:embed="rId5" cstate="print">
+              <a:extLst>
+                <a:ext uri="{28A0092B-C50C-407E-A947-70E740481C1C}">
+                  <a14:useLocalDpi xmlns:a14="http://schemas.microsoft.com/office/drawing/2010/main" val="0"/>
+                </a:ext>
+              </a:extLst>
+            </a:blip>
+            <a:stretch>
+              <a:fillRect/>
+            </a:stretch>
+          </p:blipFill>
+          <p:spPr>
+            <a:xfrm>
+              <a:off x="2420841" y="1083059"/>
+              <a:ext cx="1265334" cy="1265334"/>
+            </a:xfrm>
+            <a:prstGeom prst="rect">
+              <a:avLst/>
+            </a:prstGeom>
+          </p:spPr>
+        </p:pic>
+        <p:sp>
+          <p:nvSpPr>
+            <p:cNvPr id="21" name="テキスト ボックス 20"/>
+            <p:cNvSpPr txBox="1"/>
+            <p:nvPr/>
+          </p:nvSpPr>
+          <p:spPr>
+            <a:xfrm>
+              <a:off x="2293000" y="2533059"/>
+              <a:ext cx="1469376" cy="251795"/>
+            </a:xfrm>
+            <a:prstGeom prst="rect">
+              <a:avLst/>
+            </a:prstGeom>
+            <a:solidFill>
+              <a:schemeClr val="bg1">
+                <a:lumMod val="85000"/>
+              </a:schemeClr>
+            </a:solidFill>
+          </p:spPr>
+          <p:txBody>
+            <a:bodyPr wrap="square" lIns="36000" tIns="18000" rIns="36000" bIns="18000" rtlCol="0">
+              <a:spAutoFit/>
+            </a:bodyPr>
+            <a:lstStyle/>
+            <a:p>
+              <a:pPr algn="ctr"/>
+              <a:r>
+                <a:rPr lang="en-US" altLang="ja-JP" sz="1400" dirty="0" smtClean="0">
+                  <a:solidFill>
+                    <a:schemeClr val="tx1">
+                      <a:lumMod val="85000"/>
+                      <a:lumOff val="15000"/>
+                    </a:schemeClr>
+                  </a:solidFill>
+                  <a:latin typeface="源柔ゴシックX Bold" panose="020B0602020203020207" pitchFamily="50" charset="-128"/>
+                  <a:ea typeface="源柔ゴシックX Bold" panose="020B0602020203020207" pitchFamily="50" charset="-128"/>
+                  <a:cs typeface="源柔ゴシックX Bold" panose="020B0602020203020207" pitchFamily="50" charset="-128"/>
+                </a:rPr>
+                <a:t>04</a:t>
+              </a:r>
+              <a:r>
+                <a:rPr lang="en-US" altLang="ja-JP" sz="1400" smtClean="0">
+                  <a:solidFill>
+                    <a:schemeClr val="tx1">
+                      <a:lumMod val="85000"/>
+                      <a:lumOff val="15000"/>
+                    </a:schemeClr>
+                  </a:solidFill>
+                  <a:latin typeface="源柔ゴシックX Bold" panose="020B0602020203020207" pitchFamily="50" charset="-128"/>
+                  <a:ea typeface="源柔ゴシックX Bold" panose="020B0602020203020207" pitchFamily="50" charset="-128"/>
+                  <a:cs typeface="源柔ゴシックX Bold" panose="020B0602020203020207" pitchFamily="50" charset="-128"/>
+                </a:rPr>
+                <a:t>. </a:t>
+              </a:r>
+              <a:r>
+                <a:rPr lang="ja-JP" altLang="en-US" sz="1400" dirty="0" smtClean="0">
+                  <a:solidFill>
+                    <a:schemeClr val="tx1">
+                      <a:lumMod val="85000"/>
+                      <a:lumOff val="15000"/>
+                    </a:schemeClr>
+                  </a:solidFill>
+                  <a:latin typeface="源柔ゴシックX Bold" panose="020B0602020203020207" pitchFamily="50" charset="-128"/>
+                  <a:ea typeface="源柔ゴシックX Bold" panose="020B0602020203020207" pitchFamily="50" charset="-128"/>
+                  <a:cs typeface="源柔ゴシックX Bold" panose="020B0602020203020207" pitchFamily="50" charset="-128"/>
+                </a:rPr>
+                <a:t>笑顔</a:t>
+              </a:r>
+              <a:r>
+                <a:rPr lang="en-US" altLang="ja-JP" sz="1400" dirty="0" smtClean="0">
+                  <a:solidFill>
+                    <a:schemeClr val="tx1">
+                      <a:lumMod val="85000"/>
+                      <a:lumOff val="15000"/>
+                    </a:schemeClr>
+                  </a:solidFill>
+                  <a:latin typeface="源柔ゴシックX Bold" panose="020B0602020203020207" pitchFamily="50" charset="-128"/>
+                  <a:ea typeface="源柔ゴシックX Bold" panose="020B0602020203020207" pitchFamily="50" charset="-128"/>
+                  <a:cs typeface="源柔ゴシックX Bold" panose="020B0602020203020207" pitchFamily="50" charset="-128"/>
+                </a:rPr>
+                <a:t>2</a:t>
+              </a:r>
+              <a:endParaRPr lang="ja-JP" altLang="en-US" sz="1400" dirty="0" smtClean="0">
+                <a:solidFill>
+                  <a:schemeClr val="tx1">
+                    <a:lumMod val="85000"/>
+                    <a:lumOff val="15000"/>
+                  </a:schemeClr>
+                </a:solidFill>
+                <a:latin typeface="源柔ゴシックX Bold" panose="020B0602020203020207" pitchFamily="50" charset="-128"/>
+                <a:ea typeface="源柔ゴシックX Bold" panose="020B0602020203020207" pitchFamily="50" charset="-128"/>
+                <a:cs typeface="源柔ゴシックX Bold" panose="020B0602020203020207" pitchFamily="50" charset="-128"/>
+              </a:endParaRPr>
+            </a:p>
+          </p:txBody>
+        </p:sp>
+      </p:grpSp>
+      <p:grpSp>
+        <p:nvGrpSpPr>
+          <p:cNvPr id="22" name="グループ化 21"/>
+          <p:cNvGrpSpPr/>
+          <p:nvPr/>
+        </p:nvGrpSpPr>
+        <p:grpSpPr>
+          <a:xfrm>
+            <a:off x="6965278" y="956059"/>
+            <a:ext cx="1469376" cy="1701795"/>
+            <a:chOff x="2293000" y="1083059"/>
+            <a:chExt cx="1469376" cy="1701795"/>
+          </a:xfrm>
+        </p:grpSpPr>
+        <p:pic>
+          <p:nvPicPr>
+            <p:cNvPr id="23" name="図 22"/>
+            <p:cNvPicPr>
+              <a:picLocks noChangeAspect="1"/>
+            </p:cNvPicPr>
+            <p:nvPr/>
+          </p:nvPicPr>
+          <p:blipFill>
+            <a:blip r:embed="rId6" cstate="print">
+              <a:extLst>
+                <a:ext uri="{28A0092B-C50C-407E-A947-70E740481C1C}">
+                  <a14:useLocalDpi xmlns:a14="http://schemas.microsoft.com/office/drawing/2010/main" val="0"/>
+                </a:ext>
+              </a:extLst>
+            </a:blip>
+            <a:stretch>
+              <a:fillRect/>
+            </a:stretch>
+          </p:blipFill>
+          <p:spPr>
+            <a:xfrm>
+              <a:off x="2420841" y="1083059"/>
+              <a:ext cx="1265334" cy="1265334"/>
+            </a:xfrm>
+            <a:prstGeom prst="rect">
+              <a:avLst/>
+            </a:prstGeom>
+          </p:spPr>
+        </p:pic>
+        <p:sp>
+          <p:nvSpPr>
+            <p:cNvPr id="24" name="テキスト ボックス 23"/>
+            <p:cNvSpPr txBox="1"/>
+            <p:nvPr/>
+          </p:nvSpPr>
+          <p:spPr>
+            <a:xfrm>
+              <a:off x="2293000" y="2533059"/>
+              <a:ext cx="1469376" cy="251795"/>
+            </a:xfrm>
+            <a:prstGeom prst="rect">
+              <a:avLst/>
+            </a:prstGeom>
+            <a:solidFill>
+              <a:schemeClr val="bg1">
+                <a:lumMod val="85000"/>
+              </a:schemeClr>
+            </a:solidFill>
+          </p:spPr>
+          <p:txBody>
+            <a:bodyPr wrap="square" lIns="36000" tIns="18000" rIns="36000" bIns="18000" rtlCol="0">
+              <a:spAutoFit/>
+            </a:bodyPr>
+            <a:lstStyle/>
+            <a:p>
+              <a:pPr algn="ctr"/>
+              <a:r>
+                <a:rPr lang="en-US" altLang="ja-JP" sz="1400" dirty="0" smtClean="0">
+                  <a:solidFill>
+                    <a:schemeClr val="tx1">
+                      <a:lumMod val="85000"/>
+                      <a:lumOff val="15000"/>
+                    </a:schemeClr>
+                  </a:solidFill>
+                  <a:latin typeface="源柔ゴシックX Bold" panose="020B0602020203020207" pitchFamily="50" charset="-128"/>
+                  <a:ea typeface="源柔ゴシックX Bold" panose="020B0602020203020207" pitchFamily="50" charset="-128"/>
+                  <a:cs typeface="源柔ゴシックX Bold" panose="020B0602020203020207" pitchFamily="50" charset="-128"/>
+                </a:rPr>
+                <a:t>05. </a:t>
+              </a:r>
+              <a:r>
+                <a:rPr lang="ja-JP" altLang="en-US" sz="1400" dirty="0" smtClean="0">
+                  <a:solidFill>
+                    <a:schemeClr val="tx1">
+                      <a:lumMod val="85000"/>
+                      <a:lumOff val="15000"/>
+                    </a:schemeClr>
+                  </a:solidFill>
+                  <a:latin typeface="源柔ゴシックX Bold" panose="020B0602020203020207" pitchFamily="50" charset="-128"/>
+                  <a:ea typeface="源柔ゴシックX Bold" panose="020B0602020203020207" pitchFamily="50" charset="-128"/>
+                  <a:cs typeface="源柔ゴシックX Bold" panose="020B0602020203020207" pitchFamily="50" charset="-128"/>
+                </a:rPr>
+                <a:t>笑顔</a:t>
+              </a:r>
+              <a:r>
+                <a:rPr lang="en-US" altLang="ja-JP" sz="1400" dirty="0" smtClean="0">
+                  <a:solidFill>
+                    <a:schemeClr val="tx1">
+                      <a:lumMod val="85000"/>
+                      <a:lumOff val="15000"/>
+                    </a:schemeClr>
+                  </a:solidFill>
+                  <a:latin typeface="源柔ゴシックX Bold" panose="020B0602020203020207" pitchFamily="50" charset="-128"/>
+                  <a:ea typeface="源柔ゴシックX Bold" panose="020B0602020203020207" pitchFamily="50" charset="-128"/>
+                  <a:cs typeface="源柔ゴシックX Bold" panose="020B0602020203020207" pitchFamily="50" charset="-128"/>
+                </a:rPr>
+                <a:t>3</a:t>
+              </a:r>
+              <a:endParaRPr lang="ja-JP" altLang="en-US" sz="1400" dirty="0" smtClean="0">
+                <a:solidFill>
+                  <a:schemeClr val="tx1">
+                    <a:lumMod val="85000"/>
+                    <a:lumOff val="15000"/>
+                  </a:schemeClr>
+                </a:solidFill>
+                <a:latin typeface="源柔ゴシックX Bold" panose="020B0602020203020207" pitchFamily="50" charset="-128"/>
+                <a:ea typeface="源柔ゴシックX Bold" panose="020B0602020203020207" pitchFamily="50" charset="-128"/>
+                <a:cs typeface="源柔ゴシックX Bold" panose="020B0602020203020207" pitchFamily="50" charset="-128"/>
+              </a:endParaRPr>
+            </a:p>
+          </p:txBody>
+        </p:sp>
+      </p:grpSp>
+      <p:grpSp>
+        <p:nvGrpSpPr>
+          <p:cNvPr id="25" name="グループ化 24"/>
+          <p:cNvGrpSpPr/>
+          <p:nvPr/>
+        </p:nvGrpSpPr>
+        <p:grpSpPr>
+          <a:xfrm>
+            <a:off x="8636000" y="956059"/>
+            <a:ext cx="1469376" cy="1701795"/>
+            <a:chOff x="2293000" y="1083059"/>
+            <a:chExt cx="1469376" cy="1701795"/>
+          </a:xfrm>
+        </p:grpSpPr>
+        <p:pic>
+          <p:nvPicPr>
+            <p:cNvPr id="26" name="図 25"/>
+            <p:cNvPicPr>
+              <a:picLocks noChangeAspect="1"/>
+            </p:cNvPicPr>
+            <p:nvPr/>
+          </p:nvPicPr>
+          <p:blipFill>
+            <a:blip r:embed="rId7" cstate="print">
+              <a:extLst>
+                <a:ext uri="{28A0092B-C50C-407E-A947-70E740481C1C}">
+                  <a14:useLocalDpi xmlns:a14="http://schemas.microsoft.com/office/drawing/2010/main" val="0"/>
+                </a:ext>
+              </a:extLst>
+            </a:blip>
+            <a:stretch>
+              <a:fillRect/>
+            </a:stretch>
+          </p:blipFill>
+          <p:spPr>
+            <a:xfrm>
+              <a:off x="2420841" y="1083059"/>
+              <a:ext cx="1265334" cy="1265334"/>
+            </a:xfrm>
+            <a:prstGeom prst="rect">
+              <a:avLst/>
+            </a:prstGeom>
+          </p:spPr>
+        </p:pic>
+        <p:sp>
+          <p:nvSpPr>
+            <p:cNvPr id="27" name="テキスト ボックス 26"/>
+            <p:cNvSpPr txBox="1"/>
+            <p:nvPr/>
+          </p:nvSpPr>
+          <p:spPr>
+            <a:xfrm>
+              <a:off x="2293000" y="2533059"/>
+              <a:ext cx="1469376" cy="251795"/>
+            </a:xfrm>
+            <a:prstGeom prst="rect">
+              <a:avLst/>
+            </a:prstGeom>
+            <a:solidFill>
+              <a:schemeClr val="bg1">
+                <a:lumMod val="85000"/>
+              </a:schemeClr>
+            </a:solidFill>
+          </p:spPr>
+          <p:txBody>
+            <a:bodyPr wrap="square" lIns="36000" tIns="18000" rIns="36000" bIns="18000" rtlCol="0">
+              <a:spAutoFit/>
+            </a:bodyPr>
+            <a:lstStyle/>
+            <a:p>
+              <a:pPr algn="ctr"/>
+              <a:r>
+                <a:rPr lang="en-US" altLang="ja-JP" sz="1400" dirty="0" smtClean="0">
+                  <a:solidFill>
+                    <a:schemeClr val="tx1">
+                      <a:lumMod val="85000"/>
+                      <a:lumOff val="15000"/>
+                    </a:schemeClr>
+                  </a:solidFill>
+                  <a:latin typeface="源柔ゴシックX Bold" panose="020B0602020203020207" pitchFamily="50" charset="-128"/>
+                  <a:ea typeface="源柔ゴシックX Bold" panose="020B0602020203020207" pitchFamily="50" charset="-128"/>
+                  <a:cs typeface="源柔ゴシックX Bold" panose="020B0602020203020207" pitchFamily="50" charset="-128"/>
+                </a:rPr>
+                <a:t>06. </a:t>
+              </a:r>
+              <a:r>
+                <a:rPr lang="ja-JP" altLang="en-US" sz="1400" dirty="0" smtClean="0">
+                  <a:solidFill>
+                    <a:schemeClr val="tx1">
+                      <a:lumMod val="85000"/>
+                      <a:lumOff val="15000"/>
+                    </a:schemeClr>
+                  </a:solidFill>
+                  <a:latin typeface="源柔ゴシックX Bold" panose="020B0602020203020207" pitchFamily="50" charset="-128"/>
+                  <a:ea typeface="源柔ゴシックX Bold" panose="020B0602020203020207" pitchFamily="50" charset="-128"/>
+                  <a:cs typeface="源柔ゴシックX Bold" panose="020B0602020203020207" pitchFamily="50" charset="-128"/>
+                </a:rPr>
+                <a:t>笑顔</a:t>
+              </a:r>
+              <a:r>
+                <a:rPr lang="en-US" altLang="ja-JP" sz="1400" dirty="0" smtClean="0">
+                  <a:solidFill>
+                    <a:schemeClr val="tx1">
+                      <a:lumMod val="85000"/>
+                      <a:lumOff val="15000"/>
+                    </a:schemeClr>
+                  </a:solidFill>
+                  <a:latin typeface="源柔ゴシックX Bold" panose="020B0602020203020207" pitchFamily="50" charset="-128"/>
+                  <a:ea typeface="源柔ゴシックX Bold" panose="020B0602020203020207" pitchFamily="50" charset="-128"/>
+                  <a:cs typeface="源柔ゴシックX Bold" panose="020B0602020203020207" pitchFamily="50" charset="-128"/>
+                </a:rPr>
+                <a:t>(</a:t>
+              </a:r>
+              <a:r>
+                <a:rPr lang="ja-JP" altLang="en-US" sz="1400" dirty="0" smtClean="0">
+                  <a:solidFill>
+                    <a:schemeClr val="tx1">
+                      <a:lumMod val="85000"/>
+                      <a:lumOff val="15000"/>
+                    </a:schemeClr>
+                  </a:solidFill>
+                  <a:latin typeface="源柔ゴシックX Bold" panose="020B0602020203020207" pitchFamily="50" charset="-128"/>
+                  <a:ea typeface="源柔ゴシックX Bold" panose="020B0602020203020207" pitchFamily="50" charset="-128"/>
+                  <a:cs typeface="源柔ゴシックX Bold" panose="020B0602020203020207" pitchFamily="50" charset="-128"/>
+                </a:rPr>
+                <a:t>大</a:t>
+              </a:r>
+              <a:r>
+                <a:rPr lang="en-US" altLang="ja-JP" sz="1400" dirty="0" smtClean="0">
+                  <a:solidFill>
+                    <a:schemeClr val="tx1">
+                      <a:lumMod val="85000"/>
+                      <a:lumOff val="15000"/>
+                    </a:schemeClr>
+                  </a:solidFill>
+                  <a:latin typeface="源柔ゴシックX Bold" panose="020B0602020203020207" pitchFamily="50" charset="-128"/>
+                  <a:ea typeface="源柔ゴシックX Bold" panose="020B0602020203020207" pitchFamily="50" charset="-128"/>
+                  <a:cs typeface="源柔ゴシックX Bold" panose="020B0602020203020207" pitchFamily="50" charset="-128"/>
+                </a:rPr>
+                <a:t>)</a:t>
+              </a:r>
+              <a:endParaRPr lang="ja-JP" altLang="en-US" sz="1400" dirty="0" smtClean="0">
+                <a:solidFill>
+                  <a:schemeClr val="tx1">
+                    <a:lumMod val="85000"/>
+                    <a:lumOff val="15000"/>
+                  </a:schemeClr>
+                </a:solidFill>
+                <a:latin typeface="源柔ゴシックX Bold" panose="020B0602020203020207" pitchFamily="50" charset="-128"/>
+                <a:ea typeface="源柔ゴシックX Bold" panose="020B0602020203020207" pitchFamily="50" charset="-128"/>
+                <a:cs typeface="源柔ゴシックX Bold" panose="020B0602020203020207" pitchFamily="50" charset="-128"/>
+              </a:endParaRPr>
+            </a:p>
+          </p:txBody>
+        </p:sp>
+      </p:grpSp>
+      <p:grpSp>
+        <p:nvGrpSpPr>
+          <p:cNvPr id="28" name="グループ化 27"/>
+          <p:cNvGrpSpPr/>
+          <p:nvPr/>
+        </p:nvGrpSpPr>
+        <p:grpSpPr>
+          <a:xfrm>
+            <a:off x="282382" y="2899159"/>
+            <a:ext cx="1469376" cy="1701795"/>
+            <a:chOff x="578500" y="1083059"/>
+            <a:chExt cx="1469376" cy="1701795"/>
+          </a:xfrm>
+        </p:grpSpPr>
+        <p:pic>
+          <p:nvPicPr>
+            <p:cNvPr id="29" name="図 28"/>
+            <p:cNvPicPr>
+              <a:picLocks noChangeAspect="1"/>
+            </p:cNvPicPr>
+            <p:nvPr/>
+          </p:nvPicPr>
+          <p:blipFill>
+            <a:blip r:embed="rId8" cstate="print">
+              <a:extLst>
+                <a:ext uri="{28A0092B-C50C-407E-A947-70E740481C1C}">
+                  <a14:useLocalDpi xmlns:a14="http://schemas.microsoft.com/office/drawing/2010/main" val="0"/>
+                </a:ext>
+              </a:extLst>
+            </a:blip>
+            <a:stretch>
+              <a:fillRect/>
+            </a:stretch>
+          </p:blipFill>
+          <p:spPr>
+            <a:xfrm>
+              <a:off x="706341" y="1083059"/>
+              <a:ext cx="1265334" cy="1265334"/>
+            </a:xfrm>
+            <a:prstGeom prst="rect">
+              <a:avLst/>
+            </a:prstGeom>
+          </p:spPr>
+        </p:pic>
+        <p:sp>
+          <p:nvSpPr>
+            <p:cNvPr id="30" name="テキスト ボックス 29"/>
+            <p:cNvSpPr txBox="1"/>
+            <p:nvPr/>
+          </p:nvSpPr>
+          <p:spPr>
+            <a:xfrm>
+              <a:off x="578500" y="2533059"/>
+              <a:ext cx="1469376" cy="251795"/>
+            </a:xfrm>
+            <a:prstGeom prst="rect">
+              <a:avLst/>
+            </a:prstGeom>
+            <a:solidFill>
+              <a:schemeClr val="bg1">
+                <a:lumMod val="85000"/>
+              </a:schemeClr>
+            </a:solidFill>
+          </p:spPr>
+          <p:txBody>
+            <a:bodyPr wrap="square" lIns="36000" tIns="18000" rIns="36000" bIns="18000" rtlCol="0">
+              <a:spAutoFit/>
+            </a:bodyPr>
+            <a:lstStyle/>
+            <a:p>
+              <a:pPr algn="ctr"/>
+              <a:r>
+                <a:rPr lang="en-US" altLang="ja-JP" sz="1400" dirty="0" smtClean="0">
+                  <a:solidFill>
+                    <a:schemeClr val="tx1">
+                      <a:lumMod val="85000"/>
+                      <a:lumOff val="15000"/>
+                    </a:schemeClr>
+                  </a:solidFill>
+                  <a:latin typeface="源柔ゴシックX Bold" panose="020B0602020203020207" pitchFamily="50" charset="-128"/>
+                  <a:ea typeface="源柔ゴシックX Bold" panose="020B0602020203020207" pitchFamily="50" charset="-128"/>
+                  <a:cs typeface="源柔ゴシックX Bold" panose="020B0602020203020207" pitchFamily="50" charset="-128"/>
+                </a:rPr>
+                <a:t>07. </a:t>
+              </a:r>
+              <a:r>
+                <a:rPr lang="ja-JP" altLang="en-US" sz="1400" dirty="0" smtClean="0">
+                  <a:solidFill>
+                    <a:schemeClr val="tx1">
+                      <a:lumMod val="85000"/>
+                      <a:lumOff val="15000"/>
+                    </a:schemeClr>
+                  </a:solidFill>
+                  <a:latin typeface="源柔ゴシックX Bold" panose="020B0602020203020207" pitchFamily="50" charset="-128"/>
+                  <a:ea typeface="源柔ゴシックX Bold" panose="020B0602020203020207" pitchFamily="50" charset="-128"/>
+                  <a:cs typeface="源柔ゴシックX Bold" panose="020B0602020203020207" pitchFamily="50" charset="-128"/>
+                </a:rPr>
+                <a:t>不安</a:t>
+              </a:r>
+              <a:r>
+                <a:rPr lang="en-US" altLang="ja-JP" sz="1400" dirty="0" smtClean="0">
+                  <a:solidFill>
+                    <a:schemeClr val="tx1">
+                      <a:lumMod val="85000"/>
+                      <a:lumOff val="15000"/>
+                    </a:schemeClr>
+                  </a:solidFill>
+                  <a:latin typeface="源柔ゴシックX Bold" panose="020B0602020203020207" pitchFamily="50" charset="-128"/>
+                  <a:ea typeface="源柔ゴシックX Bold" panose="020B0602020203020207" pitchFamily="50" charset="-128"/>
+                  <a:cs typeface="源柔ゴシックX Bold" panose="020B0602020203020207" pitchFamily="50" charset="-128"/>
+                </a:rPr>
+                <a:t>1</a:t>
+              </a:r>
+              <a:endParaRPr lang="ja-JP" altLang="en-US" sz="1400" dirty="0" smtClean="0">
+                <a:solidFill>
+                  <a:schemeClr val="tx1">
+                    <a:lumMod val="85000"/>
+                    <a:lumOff val="15000"/>
+                  </a:schemeClr>
+                </a:solidFill>
+                <a:latin typeface="源柔ゴシックX Bold" panose="020B0602020203020207" pitchFamily="50" charset="-128"/>
+                <a:ea typeface="源柔ゴシックX Bold" panose="020B0602020203020207" pitchFamily="50" charset="-128"/>
+                <a:cs typeface="源柔ゴシックX Bold" panose="020B0602020203020207" pitchFamily="50" charset="-128"/>
+              </a:endParaRPr>
+            </a:p>
+          </p:txBody>
+        </p:sp>
+      </p:grpSp>
+      <p:grpSp>
+        <p:nvGrpSpPr>
+          <p:cNvPr id="31" name="グループ化 30"/>
+          <p:cNvGrpSpPr/>
+          <p:nvPr/>
+        </p:nvGrpSpPr>
+        <p:grpSpPr>
+          <a:xfrm>
+            <a:off x="1953106" y="2899159"/>
+            <a:ext cx="1469376" cy="1701795"/>
+            <a:chOff x="2293000" y="1083059"/>
+            <a:chExt cx="1469376" cy="1701795"/>
+          </a:xfrm>
+        </p:grpSpPr>
+        <p:pic>
+          <p:nvPicPr>
+            <p:cNvPr id="32" name="図 31"/>
+            <p:cNvPicPr>
+              <a:picLocks noChangeAspect="1"/>
+            </p:cNvPicPr>
+            <p:nvPr/>
+          </p:nvPicPr>
+          <p:blipFill>
+            <a:blip r:embed="rId9" cstate="print">
+              <a:extLst>
+                <a:ext uri="{28A0092B-C50C-407E-A947-70E740481C1C}">
+                  <a14:useLocalDpi xmlns:a14="http://schemas.microsoft.com/office/drawing/2010/main" val="0"/>
+                </a:ext>
+              </a:extLst>
+            </a:blip>
+            <a:stretch>
+              <a:fillRect/>
+            </a:stretch>
+          </p:blipFill>
+          <p:spPr>
+            <a:xfrm>
+              <a:off x="2420841" y="1083059"/>
+              <a:ext cx="1265334" cy="1265334"/>
+            </a:xfrm>
+            <a:prstGeom prst="rect">
+              <a:avLst/>
+            </a:prstGeom>
+          </p:spPr>
+        </p:pic>
+        <p:sp>
+          <p:nvSpPr>
+            <p:cNvPr id="33" name="テキスト ボックス 32"/>
+            <p:cNvSpPr txBox="1"/>
+            <p:nvPr/>
+          </p:nvSpPr>
+          <p:spPr>
+            <a:xfrm>
+              <a:off x="2293000" y="2533059"/>
+              <a:ext cx="1469376" cy="251795"/>
+            </a:xfrm>
+            <a:prstGeom prst="rect">
+              <a:avLst/>
+            </a:prstGeom>
+            <a:solidFill>
+              <a:schemeClr val="bg1">
+                <a:lumMod val="85000"/>
+              </a:schemeClr>
+            </a:solidFill>
+          </p:spPr>
+          <p:txBody>
+            <a:bodyPr wrap="square" lIns="36000" tIns="18000" rIns="36000" bIns="18000" rtlCol="0">
+              <a:spAutoFit/>
+            </a:bodyPr>
+            <a:lstStyle/>
+            <a:p>
+              <a:pPr algn="ctr"/>
+              <a:r>
+                <a:rPr lang="en-US" altLang="ja-JP" sz="1400" dirty="0" smtClean="0">
+                  <a:solidFill>
+                    <a:schemeClr val="tx1">
+                      <a:lumMod val="85000"/>
+                      <a:lumOff val="15000"/>
+                    </a:schemeClr>
+                  </a:solidFill>
+                  <a:latin typeface="源柔ゴシックX Bold" panose="020B0602020203020207" pitchFamily="50" charset="-128"/>
+                  <a:ea typeface="源柔ゴシックX Bold" panose="020B0602020203020207" pitchFamily="50" charset="-128"/>
+                  <a:cs typeface="源柔ゴシックX Bold" panose="020B0602020203020207" pitchFamily="50" charset="-128"/>
+                </a:rPr>
+                <a:t>08. </a:t>
+              </a:r>
+              <a:r>
+                <a:rPr lang="ja-JP" altLang="en-US" sz="1400" dirty="0" smtClean="0">
+                  <a:solidFill>
+                    <a:schemeClr val="tx1">
+                      <a:lumMod val="85000"/>
+                      <a:lumOff val="15000"/>
+                    </a:schemeClr>
+                  </a:solidFill>
+                  <a:latin typeface="源柔ゴシックX Bold" panose="020B0602020203020207" pitchFamily="50" charset="-128"/>
+                  <a:ea typeface="源柔ゴシックX Bold" panose="020B0602020203020207" pitchFamily="50" charset="-128"/>
+                  <a:cs typeface="源柔ゴシックX Bold" panose="020B0602020203020207" pitchFamily="50" charset="-128"/>
+                </a:rPr>
+                <a:t>不安</a:t>
+              </a:r>
+              <a:r>
+                <a:rPr lang="en-US" altLang="ja-JP" sz="1400" dirty="0">
+                  <a:solidFill>
+                    <a:schemeClr val="tx1">
+                      <a:lumMod val="85000"/>
+                      <a:lumOff val="15000"/>
+                    </a:schemeClr>
+                  </a:solidFill>
+                  <a:latin typeface="源柔ゴシックX Bold" panose="020B0602020203020207" pitchFamily="50" charset="-128"/>
+                  <a:ea typeface="源柔ゴシックX Bold" panose="020B0602020203020207" pitchFamily="50" charset="-128"/>
+                  <a:cs typeface="源柔ゴシックX Bold" panose="020B0602020203020207" pitchFamily="50" charset="-128"/>
+                </a:rPr>
+                <a:t>2</a:t>
+              </a:r>
+              <a:endParaRPr lang="ja-JP" altLang="en-US" sz="1400" dirty="0" smtClean="0">
+                <a:solidFill>
+                  <a:schemeClr val="tx1">
+                    <a:lumMod val="85000"/>
+                    <a:lumOff val="15000"/>
+                  </a:schemeClr>
+                </a:solidFill>
+                <a:latin typeface="源柔ゴシックX Bold" panose="020B0602020203020207" pitchFamily="50" charset="-128"/>
+                <a:ea typeface="源柔ゴシックX Bold" panose="020B0602020203020207" pitchFamily="50" charset="-128"/>
+                <a:cs typeface="源柔ゴシックX Bold" panose="020B0602020203020207" pitchFamily="50" charset="-128"/>
+              </a:endParaRPr>
+            </a:p>
+          </p:txBody>
+        </p:sp>
+      </p:grpSp>
+      <p:grpSp>
+        <p:nvGrpSpPr>
+          <p:cNvPr id="34" name="グループ化 33"/>
+          <p:cNvGrpSpPr/>
+          <p:nvPr/>
+        </p:nvGrpSpPr>
+        <p:grpSpPr>
+          <a:xfrm>
+            <a:off x="3623830" y="2899159"/>
+            <a:ext cx="1469376" cy="1701795"/>
+            <a:chOff x="2293000" y="1083059"/>
+            <a:chExt cx="1469376" cy="1701795"/>
+          </a:xfrm>
+        </p:grpSpPr>
+        <p:pic>
+          <p:nvPicPr>
+            <p:cNvPr id="35" name="図 34"/>
+            <p:cNvPicPr>
+              <a:picLocks noChangeAspect="1"/>
+            </p:cNvPicPr>
+            <p:nvPr/>
+          </p:nvPicPr>
+          <p:blipFill>
+            <a:blip r:embed="rId10" cstate="print">
+              <a:extLst>
+                <a:ext uri="{28A0092B-C50C-407E-A947-70E740481C1C}">
+                  <a14:useLocalDpi xmlns:a14="http://schemas.microsoft.com/office/drawing/2010/main" val="0"/>
+                </a:ext>
+              </a:extLst>
+            </a:blip>
+            <a:stretch>
+              <a:fillRect/>
+            </a:stretch>
+          </p:blipFill>
+          <p:spPr>
+            <a:xfrm>
+              <a:off x="2420841" y="1083059"/>
+              <a:ext cx="1265334" cy="1265334"/>
+            </a:xfrm>
+            <a:prstGeom prst="rect">
+              <a:avLst/>
+            </a:prstGeom>
+          </p:spPr>
+        </p:pic>
+        <p:sp>
+          <p:nvSpPr>
+            <p:cNvPr id="36" name="テキスト ボックス 35"/>
+            <p:cNvSpPr txBox="1"/>
+            <p:nvPr/>
+          </p:nvSpPr>
+          <p:spPr>
+            <a:xfrm>
+              <a:off x="2293000" y="2533059"/>
+              <a:ext cx="1469376" cy="251795"/>
+            </a:xfrm>
+            <a:prstGeom prst="rect">
+              <a:avLst/>
+            </a:prstGeom>
+            <a:solidFill>
+              <a:schemeClr val="bg1">
+                <a:lumMod val="85000"/>
+              </a:schemeClr>
+            </a:solidFill>
+          </p:spPr>
+          <p:txBody>
+            <a:bodyPr wrap="square" lIns="36000" tIns="18000" rIns="36000" bIns="18000" rtlCol="0">
+              <a:spAutoFit/>
+            </a:bodyPr>
+            <a:lstStyle/>
+            <a:p>
+              <a:pPr algn="ctr"/>
+              <a:r>
+                <a:rPr lang="en-US" altLang="ja-JP" sz="1400" dirty="0" smtClean="0">
+                  <a:solidFill>
+                    <a:schemeClr val="tx1">
+                      <a:lumMod val="85000"/>
+                      <a:lumOff val="15000"/>
+                    </a:schemeClr>
+                  </a:solidFill>
+                  <a:latin typeface="源柔ゴシックX Bold" panose="020B0602020203020207" pitchFamily="50" charset="-128"/>
+                  <a:ea typeface="源柔ゴシックX Bold" panose="020B0602020203020207" pitchFamily="50" charset="-128"/>
+                  <a:cs typeface="源柔ゴシックX Bold" panose="020B0602020203020207" pitchFamily="50" charset="-128"/>
+                </a:rPr>
+                <a:t>09. </a:t>
+              </a:r>
+              <a:r>
+                <a:rPr lang="ja-JP" altLang="en-US" sz="1400" dirty="0" smtClean="0">
+                  <a:solidFill>
+                    <a:schemeClr val="tx1">
+                      <a:lumMod val="85000"/>
+                      <a:lumOff val="15000"/>
+                    </a:schemeClr>
+                  </a:solidFill>
+                  <a:latin typeface="源柔ゴシックX Bold" panose="020B0602020203020207" pitchFamily="50" charset="-128"/>
+                  <a:ea typeface="源柔ゴシックX Bold" panose="020B0602020203020207" pitchFamily="50" charset="-128"/>
+                  <a:cs typeface="源柔ゴシックX Bold" panose="020B0602020203020207" pitchFamily="50" charset="-128"/>
+                </a:rPr>
+                <a:t>不安</a:t>
+              </a:r>
+              <a:r>
+                <a:rPr lang="en-US" altLang="ja-JP" sz="1400" dirty="0" smtClean="0">
+                  <a:solidFill>
+                    <a:schemeClr val="tx1">
+                      <a:lumMod val="85000"/>
+                      <a:lumOff val="15000"/>
+                    </a:schemeClr>
+                  </a:solidFill>
+                  <a:latin typeface="源柔ゴシックX Bold" panose="020B0602020203020207" pitchFamily="50" charset="-128"/>
+                  <a:ea typeface="源柔ゴシックX Bold" panose="020B0602020203020207" pitchFamily="50" charset="-128"/>
+                  <a:cs typeface="源柔ゴシックX Bold" panose="020B0602020203020207" pitchFamily="50" charset="-128"/>
+                </a:rPr>
+                <a:t>3</a:t>
+              </a:r>
+              <a:endParaRPr lang="ja-JP" altLang="en-US" sz="1400" dirty="0" smtClean="0">
+                <a:solidFill>
+                  <a:schemeClr val="tx1">
+                    <a:lumMod val="85000"/>
+                    <a:lumOff val="15000"/>
+                  </a:schemeClr>
+                </a:solidFill>
+                <a:latin typeface="源柔ゴシックX Bold" panose="020B0602020203020207" pitchFamily="50" charset="-128"/>
+                <a:ea typeface="源柔ゴシックX Bold" panose="020B0602020203020207" pitchFamily="50" charset="-128"/>
+                <a:cs typeface="源柔ゴシックX Bold" panose="020B0602020203020207" pitchFamily="50" charset="-128"/>
+              </a:endParaRPr>
+            </a:p>
+          </p:txBody>
+        </p:sp>
+      </p:grpSp>
+      <p:grpSp>
+        <p:nvGrpSpPr>
+          <p:cNvPr id="37" name="グループ化 36"/>
+          <p:cNvGrpSpPr/>
+          <p:nvPr/>
+        </p:nvGrpSpPr>
+        <p:grpSpPr>
+          <a:xfrm>
+            <a:off x="5294554" y="2899159"/>
+            <a:ext cx="1469376" cy="1701795"/>
+            <a:chOff x="2293000" y="1083059"/>
+            <a:chExt cx="1469376" cy="1701795"/>
+          </a:xfrm>
+        </p:grpSpPr>
+        <p:pic>
+          <p:nvPicPr>
+            <p:cNvPr id="38" name="図 37"/>
+            <p:cNvPicPr>
+              <a:picLocks noChangeAspect="1"/>
+            </p:cNvPicPr>
+            <p:nvPr/>
+          </p:nvPicPr>
+          <p:blipFill>
+            <a:blip r:embed="rId11" cstate="print">
+              <a:extLst>
+                <a:ext uri="{28A0092B-C50C-407E-A947-70E740481C1C}">
+                  <a14:useLocalDpi xmlns:a14="http://schemas.microsoft.com/office/drawing/2010/main" val="0"/>
+                </a:ext>
+              </a:extLst>
+            </a:blip>
+            <a:stretch>
+              <a:fillRect/>
+            </a:stretch>
+          </p:blipFill>
+          <p:spPr>
+            <a:xfrm>
+              <a:off x="2420841" y="1083059"/>
+              <a:ext cx="1265334" cy="1265334"/>
+            </a:xfrm>
+            <a:prstGeom prst="rect">
+              <a:avLst/>
+            </a:prstGeom>
+          </p:spPr>
+        </p:pic>
+        <p:sp>
+          <p:nvSpPr>
+            <p:cNvPr id="39" name="テキスト ボックス 38"/>
+            <p:cNvSpPr txBox="1"/>
+            <p:nvPr/>
+          </p:nvSpPr>
+          <p:spPr>
+            <a:xfrm>
+              <a:off x="2293000" y="2533059"/>
+              <a:ext cx="1469376" cy="251795"/>
+            </a:xfrm>
+            <a:prstGeom prst="rect">
+              <a:avLst/>
+            </a:prstGeom>
+            <a:solidFill>
+              <a:schemeClr val="bg1">
+                <a:lumMod val="85000"/>
+              </a:schemeClr>
+            </a:solidFill>
+          </p:spPr>
+          <p:txBody>
+            <a:bodyPr wrap="square" lIns="36000" tIns="18000" rIns="36000" bIns="18000" rtlCol="0">
+              <a:spAutoFit/>
+            </a:bodyPr>
+            <a:lstStyle/>
+            <a:p>
+              <a:pPr algn="ctr"/>
+              <a:r>
+                <a:rPr lang="en-US" altLang="ja-JP" sz="1400" dirty="0" smtClean="0">
+                  <a:solidFill>
+                    <a:schemeClr val="tx1">
+                      <a:lumMod val="85000"/>
+                      <a:lumOff val="15000"/>
+                    </a:schemeClr>
+                  </a:solidFill>
+                  <a:latin typeface="源柔ゴシックX Bold" panose="020B0602020203020207" pitchFamily="50" charset="-128"/>
+                  <a:ea typeface="源柔ゴシックX Bold" panose="020B0602020203020207" pitchFamily="50" charset="-128"/>
+                  <a:cs typeface="源柔ゴシックX Bold" panose="020B0602020203020207" pitchFamily="50" charset="-128"/>
+                </a:rPr>
+                <a:t>10. </a:t>
+              </a:r>
+              <a:r>
+                <a:rPr lang="ja-JP" altLang="en-US" sz="1400" dirty="0" smtClean="0">
+                  <a:solidFill>
+                    <a:schemeClr val="tx1">
+                      <a:lumMod val="85000"/>
+                      <a:lumOff val="15000"/>
+                    </a:schemeClr>
+                  </a:solidFill>
+                  <a:latin typeface="源柔ゴシックX Bold" panose="020B0602020203020207" pitchFamily="50" charset="-128"/>
+                  <a:ea typeface="源柔ゴシックX Bold" panose="020B0602020203020207" pitchFamily="50" charset="-128"/>
+                  <a:cs typeface="源柔ゴシックX Bold" panose="020B0602020203020207" pitchFamily="50" charset="-128"/>
+                </a:rPr>
+                <a:t>不安</a:t>
+              </a:r>
+              <a:r>
+                <a:rPr lang="en-US" altLang="ja-JP" sz="1400" dirty="0" smtClean="0">
+                  <a:solidFill>
+                    <a:schemeClr val="tx1">
+                      <a:lumMod val="85000"/>
+                      <a:lumOff val="15000"/>
+                    </a:schemeClr>
+                  </a:solidFill>
+                  <a:latin typeface="源柔ゴシックX Bold" panose="020B0602020203020207" pitchFamily="50" charset="-128"/>
+                  <a:ea typeface="源柔ゴシックX Bold" panose="020B0602020203020207" pitchFamily="50" charset="-128"/>
+                  <a:cs typeface="源柔ゴシックX Bold" panose="020B0602020203020207" pitchFamily="50" charset="-128"/>
+                </a:rPr>
+                <a:t>(</a:t>
+              </a:r>
+              <a:r>
+                <a:rPr lang="ja-JP" altLang="en-US" sz="1400" dirty="0" smtClean="0">
+                  <a:solidFill>
+                    <a:schemeClr val="tx1">
+                      <a:lumMod val="85000"/>
+                      <a:lumOff val="15000"/>
+                    </a:schemeClr>
+                  </a:solidFill>
+                  <a:latin typeface="源柔ゴシックX Bold" panose="020B0602020203020207" pitchFamily="50" charset="-128"/>
+                  <a:ea typeface="源柔ゴシックX Bold" panose="020B0602020203020207" pitchFamily="50" charset="-128"/>
+                  <a:cs typeface="源柔ゴシックX Bold" panose="020B0602020203020207" pitchFamily="50" charset="-128"/>
+                </a:rPr>
+                <a:t>大</a:t>
+              </a:r>
+              <a:r>
+                <a:rPr lang="en-US" altLang="ja-JP" sz="1400" dirty="0" smtClean="0">
+                  <a:solidFill>
+                    <a:schemeClr val="tx1">
+                      <a:lumMod val="85000"/>
+                      <a:lumOff val="15000"/>
+                    </a:schemeClr>
+                  </a:solidFill>
+                  <a:latin typeface="源柔ゴシックX Bold" panose="020B0602020203020207" pitchFamily="50" charset="-128"/>
+                  <a:ea typeface="源柔ゴシックX Bold" panose="020B0602020203020207" pitchFamily="50" charset="-128"/>
+                  <a:cs typeface="源柔ゴシックX Bold" panose="020B0602020203020207" pitchFamily="50" charset="-128"/>
+                </a:rPr>
+                <a:t>)</a:t>
+              </a:r>
+              <a:endParaRPr lang="ja-JP" altLang="en-US" sz="1400" dirty="0" smtClean="0">
+                <a:solidFill>
+                  <a:schemeClr val="tx1">
+                    <a:lumMod val="85000"/>
+                    <a:lumOff val="15000"/>
+                  </a:schemeClr>
+                </a:solidFill>
+                <a:latin typeface="源柔ゴシックX Bold" panose="020B0602020203020207" pitchFamily="50" charset="-128"/>
+                <a:ea typeface="源柔ゴシックX Bold" panose="020B0602020203020207" pitchFamily="50" charset="-128"/>
+                <a:cs typeface="源柔ゴシックX Bold" panose="020B0602020203020207" pitchFamily="50" charset="-128"/>
+              </a:endParaRPr>
+            </a:p>
+          </p:txBody>
+        </p:sp>
+      </p:grpSp>
+      <p:grpSp>
+        <p:nvGrpSpPr>
+          <p:cNvPr id="40" name="グループ化 39"/>
+          <p:cNvGrpSpPr/>
+          <p:nvPr/>
+        </p:nvGrpSpPr>
+        <p:grpSpPr>
+          <a:xfrm>
+            <a:off x="6965278" y="2899159"/>
+            <a:ext cx="1469376" cy="1701795"/>
+            <a:chOff x="2293000" y="1083059"/>
+            <a:chExt cx="1469376" cy="1701795"/>
+          </a:xfrm>
+        </p:grpSpPr>
+        <p:pic>
+          <p:nvPicPr>
+            <p:cNvPr id="41" name="図 40"/>
+            <p:cNvPicPr>
+              <a:picLocks noChangeAspect="1"/>
+            </p:cNvPicPr>
+            <p:nvPr/>
+          </p:nvPicPr>
+          <p:blipFill>
+            <a:blip r:embed="rId12" cstate="print">
+              <a:extLst>
+                <a:ext uri="{28A0092B-C50C-407E-A947-70E740481C1C}">
+                  <a14:useLocalDpi xmlns:a14="http://schemas.microsoft.com/office/drawing/2010/main" val="0"/>
+                </a:ext>
+              </a:extLst>
+            </a:blip>
+            <a:stretch>
+              <a:fillRect/>
+            </a:stretch>
+          </p:blipFill>
+          <p:spPr>
+            <a:xfrm>
+              <a:off x="2420841" y="1083059"/>
+              <a:ext cx="1265334" cy="1265334"/>
+            </a:xfrm>
+            <a:prstGeom prst="rect">
+              <a:avLst/>
+            </a:prstGeom>
+          </p:spPr>
+        </p:pic>
+        <p:sp>
+          <p:nvSpPr>
+            <p:cNvPr id="42" name="テキスト ボックス 41"/>
+            <p:cNvSpPr txBox="1"/>
+            <p:nvPr/>
+          </p:nvSpPr>
+          <p:spPr>
+            <a:xfrm>
+              <a:off x="2293000" y="2533059"/>
+              <a:ext cx="1469376" cy="251795"/>
+            </a:xfrm>
+            <a:prstGeom prst="rect">
+              <a:avLst/>
+            </a:prstGeom>
+            <a:solidFill>
+              <a:schemeClr val="bg1">
+                <a:lumMod val="85000"/>
+              </a:schemeClr>
+            </a:solidFill>
+          </p:spPr>
+          <p:txBody>
+            <a:bodyPr wrap="square" lIns="36000" tIns="18000" rIns="36000" bIns="18000" rtlCol="0">
+              <a:spAutoFit/>
+            </a:bodyPr>
+            <a:lstStyle/>
+            <a:p>
+              <a:pPr algn="ctr"/>
+              <a:r>
+                <a:rPr lang="en-US" altLang="ja-JP" sz="1400" dirty="0" smtClean="0">
+                  <a:solidFill>
+                    <a:schemeClr val="tx1">
+                      <a:lumMod val="85000"/>
+                      <a:lumOff val="15000"/>
+                    </a:schemeClr>
+                  </a:solidFill>
+                  <a:latin typeface="源柔ゴシックX Bold" panose="020B0602020203020207" pitchFamily="50" charset="-128"/>
+                  <a:ea typeface="源柔ゴシックX Bold" panose="020B0602020203020207" pitchFamily="50" charset="-128"/>
+                  <a:cs typeface="源柔ゴシックX Bold" panose="020B0602020203020207" pitchFamily="50" charset="-128"/>
+                </a:rPr>
+                <a:t>11. </a:t>
+              </a:r>
+              <a:r>
+                <a:rPr lang="ja-JP" altLang="en-US" sz="1400" dirty="0" smtClean="0">
+                  <a:solidFill>
+                    <a:schemeClr val="tx1">
+                      <a:lumMod val="85000"/>
+                      <a:lumOff val="15000"/>
+                    </a:schemeClr>
+                  </a:solidFill>
+                  <a:latin typeface="源柔ゴシックX Bold" panose="020B0602020203020207" pitchFamily="50" charset="-128"/>
+                  <a:ea typeface="源柔ゴシックX Bold" panose="020B0602020203020207" pitchFamily="50" charset="-128"/>
+                  <a:cs typeface="源柔ゴシックX Bold" panose="020B0602020203020207" pitchFamily="50" charset="-128"/>
+                </a:rPr>
+                <a:t>怒り</a:t>
+              </a:r>
+              <a:r>
+                <a:rPr lang="en-US" altLang="ja-JP" sz="1400" dirty="0" smtClean="0">
+                  <a:solidFill>
+                    <a:schemeClr val="tx1">
+                      <a:lumMod val="85000"/>
+                      <a:lumOff val="15000"/>
+                    </a:schemeClr>
+                  </a:solidFill>
+                  <a:latin typeface="源柔ゴシックX Bold" panose="020B0602020203020207" pitchFamily="50" charset="-128"/>
+                  <a:ea typeface="源柔ゴシックX Bold" panose="020B0602020203020207" pitchFamily="50" charset="-128"/>
+                  <a:cs typeface="源柔ゴシックX Bold" panose="020B0602020203020207" pitchFamily="50" charset="-128"/>
+                </a:rPr>
+                <a:t>1</a:t>
+              </a:r>
+              <a:endParaRPr lang="ja-JP" altLang="en-US" sz="1400" dirty="0" smtClean="0">
+                <a:solidFill>
+                  <a:schemeClr val="tx1">
+                    <a:lumMod val="85000"/>
+                    <a:lumOff val="15000"/>
+                  </a:schemeClr>
+                </a:solidFill>
+                <a:latin typeface="源柔ゴシックX Bold" panose="020B0602020203020207" pitchFamily="50" charset="-128"/>
+                <a:ea typeface="源柔ゴシックX Bold" panose="020B0602020203020207" pitchFamily="50" charset="-128"/>
+                <a:cs typeface="源柔ゴシックX Bold" panose="020B0602020203020207" pitchFamily="50" charset="-128"/>
+              </a:endParaRPr>
+            </a:p>
+          </p:txBody>
+        </p:sp>
+      </p:grpSp>
+      <p:grpSp>
+        <p:nvGrpSpPr>
+          <p:cNvPr id="43" name="グループ化 42"/>
+          <p:cNvGrpSpPr/>
+          <p:nvPr/>
+        </p:nvGrpSpPr>
+        <p:grpSpPr>
+          <a:xfrm>
+            <a:off x="8636000" y="2899159"/>
+            <a:ext cx="1469376" cy="1701795"/>
+            <a:chOff x="2293000" y="1083059"/>
+            <a:chExt cx="1469376" cy="1701795"/>
+          </a:xfrm>
+        </p:grpSpPr>
+        <p:pic>
+          <p:nvPicPr>
+            <p:cNvPr id="44" name="図 43"/>
+            <p:cNvPicPr>
+              <a:picLocks noChangeAspect="1"/>
+            </p:cNvPicPr>
+            <p:nvPr/>
+          </p:nvPicPr>
+          <p:blipFill>
+            <a:blip r:embed="rId13" cstate="print">
+              <a:extLst>
+                <a:ext uri="{28A0092B-C50C-407E-A947-70E740481C1C}">
+                  <a14:useLocalDpi xmlns:a14="http://schemas.microsoft.com/office/drawing/2010/main" val="0"/>
+                </a:ext>
+              </a:extLst>
+            </a:blip>
+            <a:stretch>
+              <a:fillRect/>
+            </a:stretch>
+          </p:blipFill>
+          <p:spPr>
+            <a:xfrm>
+              <a:off x="2420841" y="1083059"/>
+              <a:ext cx="1265334" cy="1265334"/>
+            </a:xfrm>
+            <a:prstGeom prst="rect">
+              <a:avLst/>
+            </a:prstGeom>
+          </p:spPr>
+        </p:pic>
+        <p:sp>
+          <p:nvSpPr>
+            <p:cNvPr id="45" name="テキスト ボックス 44"/>
+            <p:cNvSpPr txBox="1"/>
+            <p:nvPr/>
+          </p:nvSpPr>
+          <p:spPr>
+            <a:xfrm>
+              <a:off x="2293000" y="2533059"/>
+              <a:ext cx="1469376" cy="251795"/>
+            </a:xfrm>
+            <a:prstGeom prst="rect">
+              <a:avLst/>
+            </a:prstGeom>
+            <a:solidFill>
+              <a:schemeClr val="bg1">
+                <a:lumMod val="85000"/>
+              </a:schemeClr>
+            </a:solidFill>
+          </p:spPr>
+          <p:txBody>
+            <a:bodyPr wrap="square" lIns="36000" tIns="18000" rIns="36000" bIns="18000" rtlCol="0">
+              <a:spAutoFit/>
+            </a:bodyPr>
+            <a:lstStyle/>
+            <a:p>
+              <a:pPr algn="ctr"/>
+              <a:r>
+                <a:rPr lang="en-US" altLang="ja-JP" sz="1400" dirty="0" smtClean="0">
+                  <a:solidFill>
+                    <a:schemeClr val="tx1">
+                      <a:lumMod val="85000"/>
+                      <a:lumOff val="15000"/>
+                    </a:schemeClr>
+                  </a:solidFill>
+                  <a:latin typeface="源柔ゴシックX Bold" panose="020B0602020203020207" pitchFamily="50" charset="-128"/>
+                  <a:ea typeface="源柔ゴシックX Bold" panose="020B0602020203020207" pitchFamily="50" charset="-128"/>
+                  <a:cs typeface="源柔ゴシックX Bold" panose="020B0602020203020207" pitchFamily="50" charset="-128"/>
+                </a:rPr>
+                <a:t>12. </a:t>
+              </a:r>
+              <a:r>
+                <a:rPr lang="ja-JP" altLang="en-US" sz="1400" dirty="0" smtClean="0">
+                  <a:solidFill>
+                    <a:schemeClr val="tx1">
+                      <a:lumMod val="85000"/>
+                      <a:lumOff val="15000"/>
+                    </a:schemeClr>
+                  </a:solidFill>
+                  <a:latin typeface="源柔ゴシックX Bold" panose="020B0602020203020207" pitchFamily="50" charset="-128"/>
+                  <a:ea typeface="源柔ゴシックX Bold" panose="020B0602020203020207" pitchFamily="50" charset="-128"/>
+                  <a:cs typeface="源柔ゴシックX Bold" panose="020B0602020203020207" pitchFamily="50" charset="-128"/>
+                </a:rPr>
+                <a:t>怒り</a:t>
+              </a:r>
+              <a:r>
+                <a:rPr lang="en-US" altLang="ja-JP" sz="1400" dirty="0" smtClean="0">
+                  <a:solidFill>
+                    <a:schemeClr val="tx1">
+                      <a:lumMod val="85000"/>
+                      <a:lumOff val="15000"/>
+                    </a:schemeClr>
+                  </a:solidFill>
+                  <a:latin typeface="源柔ゴシックX Bold" panose="020B0602020203020207" pitchFamily="50" charset="-128"/>
+                  <a:ea typeface="源柔ゴシックX Bold" panose="020B0602020203020207" pitchFamily="50" charset="-128"/>
+                  <a:cs typeface="源柔ゴシックX Bold" panose="020B0602020203020207" pitchFamily="50" charset="-128"/>
+                </a:rPr>
+                <a:t>2</a:t>
+              </a:r>
+              <a:endParaRPr lang="ja-JP" altLang="en-US" sz="1400" dirty="0" smtClean="0">
+                <a:solidFill>
+                  <a:schemeClr val="tx1">
+                    <a:lumMod val="85000"/>
+                    <a:lumOff val="15000"/>
+                  </a:schemeClr>
+                </a:solidFill>
+                <a:latin typeface="源柔ゴシックX Bold" panose="020B0602020203020207" pitchFamily="50" charset="-128"/>
+                <a:ea typeface="源柔ゴシックX Bold" panose="020B0602020203020207" pitchFamily="50" charset="-128"/>
+                <a:cs typeface="源柔ゴシックX Bold" panose="020B0602020203020207" pitchFamily="50" charset="-128"/>
+              </a:endParaRPr>
+            </a:p>
+          </p:txBody>
+        </p:sp>
+      </p:grpSp>
+      <p:grpSp>
+        <p:nvGrpSpPr>
+          <p:cNvPr id="64" name="グループ化 63"/>
+          <p:cNvGrpSpPr/>
+          <p:nvPr/>
+        </p:nvGrpSpPr>
+        <p:grpSpPr>
+          <a:xfrm>
+            <a:off x="282382" y="4891622"/>
+            <a:ext cx="1469376" cy="1701795"/>
+            <a:chOff x="578500" y="1083059"/>
+            <a:chExt cx="1469376" cy="1701795"/>
+          </a:xfrm>
+        </p:grpSpPr>
+        <p:pic>
+          <p:nvPicPr>
+            <p:cNvPr id="65" name="図 64"/>
+            <p:cNvPicPr>
+              <a:picLocks noChangeAspect="1"/>
+            </p:cNvPicPr>
+            <p:nvPr/>
+          </p:nvPicPr>
+          <p:blipFill>
+            <a:blip r:embed="rId14" cstate="print">
+              <a:extLst>
+                <a:ext uri="{28A0092B-C50C-407E-A947-70E740481C1C}">
+                  <a14:useLocalDpi xmlns:a14="http://schemas.microsoft.com/office/drawing/2010/main" val="0"/>
+                </a:ext>
+              </a:extLst>
+            </a:blip>
+            <a:stretch>
+              <a:fillRect/>
+            </a:stretch>
+          </p:blipFill>
+          <p:spPr>
+            <a:xfrm>
+              <a:off x="706341" y="1083059"/>
+              <a:ext cx="1265334" cy="1265334"/>
+            </a:xfrm>
+            <a:prstGeom prst="rect">
+              <a:avLst/>
+            </a:prstGeom>
+          </p:spPr>
+        </p:pic>
+        <p:sp>
+          <p:nvSpPr>
+            <p:cNvPr id="66" name="テキスト ボックス 65"/>
+            <p:cNvSpPr txBox="1"/>
+            <p:nvPr/>
+          </p:nvSpPr>
+          <p:spPr>
+            <a:xfrm>
+              <a:off x="578500" y="2533059"/>
+              <a:ext cx="1469376" cy="251795"/>
+            </a:xfrm>
+            <a:prstGeom prst="rect">
+              <a:avLst/>
+            </a:prstGeom>
+            <a:solidFill>
+              <a:schemeClr val="bg1">
+                <a:lumMod val="85000"/>
+              </a:schemeClr>
+            </a:solidFill>
+          </p:spPr>
+          <p:txBody>
+            <a:bodyPr wrap="square" lIns="36000" tIns="18000" rIns="36000" bIns="18000" rtlCol="0">
+              <a:spAutoFit/>
+            </a:bodyPr>
+            <a:lstStyle/>
+            <a:p>
+              <a:pPr algn="ctr"/>
+              <a:r>
+                <a:rPr lang="en-US" altLang="ja-JP" sz="1400" dirty="0" smtClean="0">
+                  <a:solidFill>
+                    <a:schemeClr val="tx1">
+                      <a:lumMod val="85000"/>
+                      <a:lumOff val="15000"/>
+                    </a:schemeClr>
+                  </a:solidFill>
+                  <a:latin typeface="源柔ゴシックX Bold" panose="020B0602020203020207" pitchFamily="50" charset="-128"/>
+                  <a:ea typeface="源柔ゴシックX Bold" panose="020B0602020203020207" pitchFamily="50" charset="-128"/>
+                  <a:cs typeface="源柔ゴシックX Bold" panose="020B0602020203020207" pitchFamily="50" charset="-128"/>
+                </a:rPr>
+                <a:t>13. </a:t>
+              </a:r>
+              <a:r>
+                <a:rPr lang="ja-JP" altLang="en-US" sz="1400" dirty="0" smtClean="0">
+                  <a:solidFill>
+                    <a:schemeClr val="tx1">
+                      <a:lumMod val="85000"/>
+                      <a:lumOff val="15000"/>
+                    </a:schemeClr>
+                  </a:solidFill>
+                  <a:latin typeface="源柔ゴシックX Bold" panose="020B0602020203020207" pitchFamily="50" charset="-128"/>
+                  <a:ea typeface="源柔ゴシックX Bold" panose="020B0602020203020207" pitchFamily="50" charset="-128"/>
+                  <a:cs typeface="源柔ゴシックX Bold" panose="020B0602020203020207" pitchFamily="50" charset="-128"/>
+                </a:rPr>
+                <a:t>怒り</a:t>
+              </a:r>
+              <a:r>
+                <a:rPr lang="en-US" altLang="ja-JP" sz="1400" dirty="0" smtClean="0">
+                  <a:solidFill>
+                    <a:schemeClr val="tx1">
+                      <a:lumMod val="85000"/>
+                      <a:lumOff val="15000"/>
+                    </a:schemeClr>
+                  </a:solidFill>
+                  <a:latin typeface="源柔ゴシックX Bold" panose="020B0602020203020207" pitchFamily="50" charset="-128"/>
+                  <a:ea typeface="源柔ゴシックX Bold" panose="020B0602020203020207" pitchFamily="50" charset="-128"/>
+                  <a:cs typeface="源柔ゴシックX Bold" panose="020B0602020203020207" pitchFamily="50" charset="-128"/>
+                </a:rPr>
+                <a:t>(</a:t>
+              </a:r>
+              <a:r>
+                <a:rPr lang="ja-JP" altLang="en-US" sz="1400" dirty="0" smtClean="0">
+                  <a:solidFill>
+                    <a:schemeClr val="tx1">
+                      <a:lumMod val="85000"/>
+                      <a:lumOff val="15000"/>
+                    </a:schemeClr>
+                  </a:solidFill>
+                  <a:latin typeface="源柔ゴシックX Bold" panose="020B0602020203020207" pitchFamily="50" charset="-128"/>
+                  <a:ea typeface="源柔ゴシックX Bold" panose="020B0602020203020207" pitchFamily="50" charset="-128"/>
+                  <a:cs typeface="源柔ゴシックX Bold" panose="020B0602020203020207" pitchFamily="50" charset="-128"/>
+                </a:rPr>
+                <a:t>大</a:t>
+              </a:r>
+              <a:r>
+                <a:rPr lang="en-US" altLang="ja-JP" sz="1400" dirty="0" smtClean="0">
+                  <a:solidFill>
+                    <a:schemeClr val="tx1">
+                      <a:lumMod val="85000"/>
+                      <a:lumOff val="15000"/>
+                    </a:schemeClr>
+                  </a:solidFill>
+                  <a:latin typeface="源柔ゴシックX Bold" panose="020B0602020203020207" pitchFamily="50" charset="-128"/>
+                  <a:ea typeface="源柔ゴシックX Bold" panose="020B0602020203020207" pitchFamily="50" charset="-128"/>
+                  <a:cs typeface="源柔ゴシックX Bold" panose="020B0602020203020207" pitchFamily="50" charset="-128"/>
+                </a:rPr>
+                <a:t>)</a:t>
+              </a:r>
+              <a:endParaRPr lang="ja-JP" altLang="en-US" sz="1400" dirty="0" smtClean="0">
+                <a:solidFill>
+                  <a:schemeClr val="tx1">
+                    <a:lumMod val="85000"/>
+                    <a:lumOff val="15000"/>
+                  </a:schemeClr>
+                </a:solidFill>
+                <a:latin typeface="源柔ゴシックX Bold" panose="020B0602020203020207" pitchFamily="50" charset="-128"/>
+                <a:ea typeface="源柔ゴシックX Bold" panose="020B0602020203020207" pitchFamily="50" charset="-128"/>
+                <a:cs typeface="源柔ゴシックX Bold" panose="020B0602020203020207" pitchFamily="50" charset="-128"/>
+              </a:endParaRPr>
+            </a:p>
+          </p:txBody>
+        </p:sp>
+      </p:grpSp>
+      <p:grpSp>
+        <p:nvGrpSpPr>
+          <p:cNvPr id="67" name="グループ化 66"/>
+          <p:cNvGrpSpPr/>
+          <p:nvPr/>
+        </p:nvGrpSpPr>
+        <p:grpSpPr>
+          <a:xfrm>
+            <a:off x="1953106" y="4891622"/>
+            <a:ext cx="1469376" cy="1701795"/>
+            <a:chOff x="2293000" y="1083059"/>
+            <a:chExt cx="1469376" cy="1701795"/>
+          </a:xfrm>
+        </p:grpSpPr>
+        <p:pic>
+          <p:nvPicPr>
+            <p:cNvPr id="68" name="図 67"/>
+            <p:cNvPicPr>
+              <a:picLocks noChangeAspect="1"/>
+            </p:cNvPicPr>
+            <p:nvPr/>
+          </p:nvPicPr>
+          <p:blipFill>
+            <a:blip r:embed="rId15" cstate="print">
+              <a:extLst>
+                <a:ext uri="{28A0092B-C50C-407E-A947-70E740481C1C}">
+                  <a14:useLocalDpi xmlns:a14="http://schemas.microsoft.com/office/drawing/2010/main" val="0"/>
+                </a:ext>
+              </a:extLst>
+            </a:blip>
+            <a:stretch>
+              <a:fillRect/>
+            </a:stretch>
+          </p:blipFill>
+          <p:spPr>
+            <a:xfrm>
+              <a:off x="2420841" y="1083059"/>
+              <a:ext cx="1265334" cy="1265334"/>
+            </a:xfrm>
+            <a:prstGeom prst="rect">
+              <a:avLst/>
+            </a:prstGeom>
+          </p:spPr>
+        </p:pic>
+        <p:sp>
+          <p:nvSpPr>
+            <p:cNvPr id="69" name="テキスト ボックス 68"/>
+            <p:cNvSpPr txBox="1"/>
+            <p:nvPr/>
+          </p:nvSpPr>
+          <p:spPr>
+            <a:xfrm>
+              <a:off x="2293000" y="2533059"/>
+              <a:ext cx="1469376" cy="251795"/>
+            </a:xfrm>
+            <a:prstGeom prst="rect">
+              <a:avLst/>
+            </a:prstGeom>
+            <a:solidFill>
+              <a:schemeClr val="bg1">
+                <a:lumMod val="85000"/>
+              </a:schemeClr>
+            </a:solidFill>
+          </p:spPr>
+          <p:txBody>
+            <a:bodyPr wrap="square" lIns="36000" tIns="18000" rIns="36000" bIns="18000" rtlCol="0">
+              <a:spAutoFit/>
+            </a:bodyPr>
+            <a:lstStyle/>
+            <a:p>
+              <a:pPr algn="ctr"/>
+              <a:r>
+                <a:rPr lang="en-US" altLang="ja-JP" sz="1400" dirty="0" smtClean="0">
+                  <a:solidFill>
+                    <a:schemeClr val="tx1">
+                      <a:lumMod val="85000"/>
+                      <a:lumOff val="15000"/>
+                    </a:schemeClr>
+                  </a:solidFill>
+                  <a:latin typeface="源柔ゴシックX Bold" panose="020B0602020203020207" pitchFamily="50" charset="-128"/>
+                  <a:ea typeface="源柔ゴシックX Bold" panose="020B0602020203020207" pitchFamily="50" charset="-128"/>
+                  <a:cs typeface="源柔ゴシックX Bold" panose="020B0602020203020207" pitchFamily="50" charset="-128"/>
+                </a:rPr>
+                <a:t>14. </a:t>
+              </a:r>
+              <a:r>
+                <a:rPr lang="ja-JP" altLang="en-US" sz="1400" dirty="0">
+                  <a:solidFill>
+                    <a:schemeClr val="tx1">
+                      <a:lumMod val="85000"/>
+                      <a:lumOff val="15000"/>
+                    </a:schemeClr>
+                  </a:solidFill>
+                  <a:latin typeface="源柔ゴシックX Bold" panose="020B0602020203020207" pitchFamily="50" charset="-128"/>
+                  <a:ea typeface="源柔ゴシックX Bold" panose="020B0602020203020207" pitchFamily="50" charset="-128"/>
+                  <a:cs typeface="源柔ゴシックX Bold" panose="020B0602020203020207" pitchFamily="50" charset="-128"/>
+                </a:rPr>
+                <a:t>衝撃</a:t>
+              </a:r>
+              <a:endParaRPr lang="ja-JP" altLang="en-US" sz="1400" dirty="0" smtClean="0">
+                <a:solidFill>
+                  <a:schemeClr val="tx1">
+                    <a:lumMod val="85000"/>
+                    <a:lumOff val="15000"/>
+                  </a:schemeClr>
+                </a:solidFill>
+                <a:latin typeface="源柔ゴシックX Bold" panose="020B0602020203020207" pitchFamily="50" charset="-128"/>
+                <a:ea typeface="源柔ゴシックX Bold" panose="020B0602020203020207" pitchFamily="50" charset="-128"/>
+                <a:cs typeface="源柔ゴシックX Bold" panose="020B0602020203020207" pitchFamily="50" charset="-128"/>
+              </a:endParaRPr>
+            </a:p>
+          </p:txBody>
+        </p:sp>
+      </p:grpSp>
+      <p:grpSp>
+        <p:nvGrpSpPr>
+          <p:cNvPr id="70" name="グループ化 69"/>
+          <p:cNvGrpSpPr/>
+          <p:nvPr/>
+        </p:nvGrpSpPr>
+        <p:grpSpPr>
+          <a:xfrm>
+            <a:off x="3623830" y="4891622"/>
+            <a:ext cx="1469376" cy="1701795"/>
+            <a:chOff x="2293000" y="1083059"/>
+            <a:chExt cx="1469376" cy="1701795"/>
+          </a:xfrm>
+        </p:grpSpPr>
+        <p:pic>
+          <p:nvPicPr>
+            <p:cNvPr id="71" name="図 70"/>
+            <p:cNvPicPr>
+              <a:picLocks noChangeAspect="1"/>
+            </p:cNvPicPr>
+            <p:nvPr/>
+          </p:nvPicPr>
+          <p:blipFill>
+            <a:blip r:embed="rId16" cstate="print">
+              <a:extLst>
+                <a:ext uri="{28A0092B-C50C-407E-A947-70E740481C1C}">
+                  <a14:useLocalDpi xmlns:a14="http://schemas.microsoft.com/office/drawing/2010/main" val="0"/>
+                </a:ext>
+              </a:extLst>
+            </a:blip>
+            <a:stretch>
+              <a:fillRect/>
+            </a:stretch>
+          </p:blipFill>
+          <p:spPr>
+            <a:xfrm>
+              <a:off x="2420841" y="1083059"/>
+              <a:ext cx="1265334" cy="1265334"/>
+            </a:xfrm>
+            <a:prstGeom prst="rect">
+              <a:avLst/>
+            </a:prstGeom>
+          </p:spPr>
+        </p:pic>
+        <p:sp>
+          <p:nvSpPr>
+            <p:cNvPr id="72" name="テキスト ボックス 71"/>
+            <p:cNvSpPr txBox="1"/>
+            <p:nvPr/>
+          </p:nvSpPr>
+          <p:spPr>
+            <a:xfrm>
+              <a:off x="2293000" y="2533059"/>
+              <a:ext cx="1469376" cy="251795"/>
+            </a:xfrm>
+            <a:prstGeom prst="rect">
+              <a:avLst/>
+            </a:prstGeom>
+            <a:solidFill>
+              <a:schemeClr val="bg1">
+                <a:lumMod val="85000"/>
+              </a:schemeClr>
+            </a:solidFill>
+          </p:spPr>
+          <p:txBody>
+            <a:bodyPr wrap="square" lIns="36000" tIns="18000" rIns="36000" bIns="18000" rtlCol="0">
+              <a:spAutoFit/>
+            </a:bodyPr>
+            <a:lstStyle/>
+            <a:p>
+              <a:pPr algn="ctr"/>
+              <a:r>
+                <a:rPr lang="en-US" altLang="ja-JP" sz="1400" dirty="0" smtClean="0">
+                  <a:solidFill>
+                    <a:schemeClr val="tx1">
+                      <a:lumMod val="85000"/>
+                      <a:lumOff val="15000"/>
+                    </a:schemeClr>
+                  </a:solidFill>
+                  <a:latin typeface="源柔ゴシックX Bold" panose="020B0602020203020207" pitchFamily="50" charset="-128"/>
+                  <a:ea typeface="源柔ゴシックX Bold" panose="020B0602020203020207" pitchFamily="50" charset="-128"/>
+                  <a:cs typeface="源柔ゴシックX Bold" panose="020B0602020203020207" pitchFamily="50" charset="-128"/>
+                </a:rPr>
+                <a:t>15. </a:t>
+              </a:r>
+              <a:r>
+                <a:rPr lang="ja-JP" altLang="en-US" sz="1400" dirty="0" smtClean="0">
+                  <a:solidFill>
+                    <a:schemeClr val="tx1">
+                      <a:lumMod val="85000"/>
+                      <a:lumOff val="15000"/>
+                    </a:schemeClr>
+                  </a:solidFill>
+                  <a:latin typeface="源柔ゴシックX Bold" panose="020B0602020203020207" pitchFamily="50" charset="-128"/>
+                  <a:ea typeface="源柔ゴシックX Bold" panose="020B0602020203020207" pitchFamily="50" charset="-128"/>
+                  <a:cs typeface="源柔ゴシックX Bold" panose="020B0602020203020207" pitchFamily="50" charset="-128"/>
+                </a:rPr>
+                <a:t>鬱</a:t>
+              </a:r>
+            </a:p>
+          </p:txBody>
+        </p:sp>
+      </p:grpSp>
+      <p:grpSp>
+        <p:nvGrpSpPr>
+          <p:cNvPr id="73" name="グループ化 72"/>
+          <p:cNvGrpSpPr/>
+          <p:nvPr/>
+        </p:nvGrpSpPr>
+        <p:grpSpPr>
+          <a:xfrm>
+            <a:off x="5294554" y="4891622"/>
+            <a:ext cx="1469376" cy="1701795"/>
+            <a:chOff x="2293000" y="1083059"/>
+            <a:chExt cx="1469376" cy="1701795"/>
+          </a:xfrm>
+        </p:grpSpPr>
+        <p:pic>
+          <p:nvPicPr>
+            <p:cNvPr id="74" name="図 73"/>
+            <p:cNvPicPr>
+              <a:picLocks noChangeAspect="1"/>
+            </p:cNvPicPr>
+            <p:nvPr/>
+          </p:nvPicPr>
+          <p:blipFill>
+            <a:blip r:embed="rId17" cstate="print">
+              <a:extLst>
+                <a:ext uri="{28A0092B-C50C-407E-A947-70E740481C1C}">
+                  <a14:useLocalDpi xmlns:a14="http://schemas.microsoft.com/office/drawing/2010/main" val="0"/>
+                </a:ext>
+              </a:extLst>
+            </a:blip>
+            <a:stretch>
+              <a:fillRect/>
+            </a:stretch>
+          </p:blipFill>
+          <p:spPr>
+            <a:xfrm>
+              <a:off x="2420841" y="1083059"/>
+              <a:ext cx="1265334" cy="1265334"/>
+            </a:xfrm>
+            <a:prstGeom prst="rect">
+              <a:avLst/>
+            </a:prstGeom>
+          </p:spPr>
+        </p:pic>
+        <p:sp>
+          <p:nvSpPr>
+            <p:cNvPr id="75" name="テキスト ボックス 74"/>
+            <p:cNvSpPr txBox="1"/>
+            <p:nvPr/>
+          </p:nvSpPr>
+          <p:spPr>
+            <a:xfrm>
+              <a:off x="2293000" y="2533059"/>
+              <a:ext cx="1469376" cy="251795"/>
+            </a:xfrm>
+            <a:prstGeom prst="rect">
+              <a:avLst/>
+            </a:prstGeom>
+            <a:solidFill>
+              <a:schemeClr val="bg1">
+                <a:lumMod val="85000"/>
+              </a:schemeClr>
+            </a:solidFill>
+          </p:spPr>
+          <p:txBody>
+            <a:bodyPr wrap="square" lIns="36000" tIns="18000" rIns="36000" bIns="18000" rtlCol="0">
+              <a:spAutoFit/>
+            </a:bodyPr>
+            <a:lstStyle/>
+            <a:p>
+              <a:pPr algn="ctr"/>
+              <a:r>
+                <a:rPr lang="en-US" altLang="ja-JP" sz="1400" dirty="0" smtClean="0">
+                  <a:solidFill>
+                    <a:schemeClr val="tx1">
+                      <a:lumMod val="85000"/>
+                      <a:lumOff val="15000"/>
+                    </a:schemeClr>
+                  </a:solidFill>
+                  <a:latin typeface="源柔ゴシックX Bold" panose="020B0602020203020207" pitchFamily="50" charset="-128"/>
+                  <a:ea typeface="源柔ゴシックX Bold" panose="020B0602020203020207" pitchFamily="50" charset="-128"/>
+                  <a:cs typeface="源柔ゴシックX Bold" panose="020B0602020203020207" pitchFamily="50" charset="-128"/>
+                </a:rPr>
+                <a:t>16. </a:t>
+              </a:r>
+              <a:r>
+                <a:rPr lang="ja-JP" altLang="en-US" sz="1400" dirty="0" smtClean="0">
+                  <a:solidFill>
+                    <a:schemeClr val="tx1">
+                      <a:lumMod val="85000"/>
+                      <a:lumOff val="15000"/>
+                    </a:schemeClr>
+                  </a:solidFill>
+                  <a:latin typeface="源柔ゴシックX Bold" panose="020B0602020203020207" pitchFamily="50" charset="-128"/>
+                  <a:ea typeface="源柔ゴシックX Bold" panose="020B0602020203020207" pitchFamily="50" charset="-128"/>
+                  <a:cs typeface="源柔ゴシックX Bold" panose="020B0602020203020207" pitchFamily="50" charset="-128"/>
+                </a:rPr>
+                <a:t>固有</a:t>
+              </a:r>
+            </a:p>
+          </p:txBody>
+        </p:sp>
+      </p:grpSp>
+      <p:grpSp>
+        <p:nvGrpSpPr>
+          <p:cNvPr id="76" name="グループ化 75"/>
+          <p:cNvGrpSpPr/>
+          <p:nvPr/>
+        </p:nvGrpSpPr>
+        <p:grpSpPr>
+          <a:xfrm>
+            <a:off x="6965278" y="4891622"/>
+            <a:ext cx="1469376" cy="1701795"/>
+            <a:chOff x="2293000" y="1083059"/>
+            <a:chExt cx="1469376" cy="1701795"/>
+          </a:xfrm>
+        </p:grpSpPr>
+        <p:pic>
+          <p:nvPicPr>
+            <p:cNvPr id="77" name="図 76"/>
+            <p:cNvPicPr>
+              <a:picLocks noChangeAspect="1"/>
+            </p:cNvPicPr>
+            <p:nvPr/>
+          </p:nvPicPr>
+          <p:blipFill>
+            <a:blip r:embed="rId18" cstate="print">
+              <a:extLst>
+                <a:ext uri="{28A0092B-C50C-407E-A947-70E740481C1C}">
+                  <a14:useLocalDpi xmlns:a14="http://schemas.microsoft.com/office/drawing/2010/main" val="0"/>
+                </a:ext>
+              </a:extLst>
+            </a:blip>
+            <a:stretch>
+              <a:fillRect/>
+            </a:stretch>
+          </p:blipFill>
+          <p:spPr>
+            <a:xfrm>
+              <a:off x="2420841" y="1083059"/>
+              <a:ext cx="1265334" cy="1265334"/>
+            </a:xfrm>
+            <a:prstGeom prst="rect">
+              <a:avLst/>
+            </a:prstGeom>
+          </p:spPr>
+        </p:pic>
+        <p:sp>
+          <p:nvSpPr>
+            <p:cNvPr id="78" name="テキスト ボックス 77"/>
+            <p:cNvSpPr txBox="1"/>
+            <p:nvPr/>
+          </p:nvSpPr>
+          <p:spPr>
+            <a:xfrm>
+              <a:off x="2293000" y="2533059"/>
+              <a:ext cx="1469376" cy="251795"/>
+            </a:xfrm>
+            <a:prstGeom prst="rect">
+              <a:avLst/>
+            </a:prstGeom>
+            <a:solidFill>
+              <a:schemeClr val="bg1">
+                <a:lumMod val="85000"/>
+              </a:schemeClr>
+            </a:solidFill>
+          </p:spPr>
+          <p:txBody>
+            <a:bodyPr wrap="square" lIns="36000" tIns="18000" rIns="36000" bIns="18000" rtlCol="0">
+              <a:spAutoFit/>
+            </a:bodyPr>
+            <a:lstStyle/>
+            <a:p>
+              <a:pPr algn="ctr"/>
+              <a:r>
+                <a:rPr lang="en-US" altLang="ja-JP" sz="1400" dirty="0" smtClean="0">
+                  <a:solidFill>
+                    <a:schemeClr val="tx1">
+                      <a:lumMod val="85000"/>
+                      <a:lumOff val="15000"/>
+                    </a:schemeClr>
+                  </a:solidFill>
+                  <a:latin typeface="源柔ゴシックX Bold" panose="020B0602020203020207" pitchFamily="50" charset="-128"/>
+                  <a:ea typeface="源柔ゴシックX Bold" panose="020B0602020203020207" pitchFamily="50" charset="-128"/>
+                  <a:cs typeface="源柔ゴシックX Bold" panose="020B0602020203020207" pitchFamily="50" charset="-128"/>
+                </a:rPr>
+                <a:t>17. </a:t>
+              </a:r>
+              <a:r>
+                <a:rPr lang="ja-JP" altLang="en-US" sz="1400" dirty="0" smtClean="0">
+                  <a:solidFill>
+                    <a:schemeClr val="tx1">
+                      <a:lumMod val="85000"/>
+                      <a:lumOff val="15000"/>
+                    </a:schemeClr>
+                  </a:solidFill>
+                  <a:latin typeface="源柔ゴシックX Bold" panose="020B0602020203020207" pitchFamily="50" charset="-128"/>
+                  <a:ea typeface="源柔ゴシックX Bold" panose="020B0602020203020207" pitchFamily="50" charset="-128"/>
+                  <a:cs typeface="源柔ゴシックX Bold" panose="020B0602020203020207" pitchFamily="50" charset="-128"/>
+                </a:rPr>
+                <a:t>固有</a:t>
+              </a:r>
+            </a:p>
+          </p:txBody>
+        </p:sp>
+      </p:grpSp>
+      <p:grpSp>
+        <p:nvGrpSpPr>
+          <p:cNvPr id="79" name="グループ化 78"/>
+          <p:cNvGrpSpPr/>
+          <p:nvPr/>
+        </p:nvGrpSpPr>
+        <p:grpSpPr>
+          <a:xfrm>
+            <a:off x="8636000" y="4891622"/>
+            <a:ext cx="1469376" cy="1701795"/>
+            <a:chOff x="2293000" y="1083059"/>
+            <a:chExt cx="1469376" cy="1701795"/>
+          </a:xfrm>
+        </p:grpSpPr>
+        <p:pic>
+          <p:nvPicPr>
+            <p:cNvPr id="80" name="図 79"/>
+            <p:cNvPicPr>
+              <a:picLocks noChangeAspect="1"/>
+            </p:cNvPicPr>
+            <p:nvPr/>
+          </p:nvPicPr>
+          <p:blipFill>
+            <a:blip r:embed="rId19" cstate="print">
+              <a:extLst>
+                <a:ext uri="{28A0092B-C50C-407E-A947-70E740481C1C}">
+                  <a14:useLocalDpi xmlns:a14="http://schemas.microsoft.com/office/drawing/2010/main" val="0"/>
+                </a:ext>
+              </a:extLst>
+            </a:blip>
+            <a:stretch>
+              <a:fillRect/>
+            </a:stretch>
+          </p:blipFill>
+          <p:spPr>
+            <a:xfrm>
+              <a:off x="2420841" y="1083059"/>
+              <a:ext cx="1265334" cy="1265334"/>
+            </a:xfrm>
+            <a:prstGeom prst="rect">
+              <a:avLst/>
+            </a:prstGeom>
+          </p:spPr>
+        </p:pic>
+        <p:sp>
+          <p:nvSpPr>
+            <p:cNvPr id="81" name="テキスト ボックス 80"/>
+            <p:cNvSpPr txBox="1"/>
+            <p:nvPr/>
+          </p:nvSpPr>
+          <p:spPr>
+            <a:xfrm>
+              <a:off x="2293000" y="2533059"/>
+              <a:ext cx="1469376" cy="251795"/>
+            </a:xfrm>
+            <a:prstGeom prst="rect">
+              <a:avLst/>
+            </a:prstGeom>
+            <a:solidFill>
+              <a:schemeClr val="bg1">
+                <a:lumMod val="85000"/>
+              </a:schemeClr>
+            </a:solidFill>
+          </p:spPr>
+          <p:txBody>
+            <a:bodyPr wrap="square" lIns="36000" tIns="18000" rIns="36000" bIns="18000" rtlCol="0">
+              <a:spAutoFit/>
+            </a:bodyPr>
+            <a:lstStyle/>
+            <a:p>
+              <a:pPr algn="ctr"/>
+              <a:r>
+                <a:rPr lang="en-US" altLang="ja-JP" sz="1400" dirty="0" smtClean="0">
+                  <a:solidFill>
+                    <a:schemeClr val="tx1">
+                      <a:lumMod val="85000"/>
+                      <a:lumOff val="15000"/>
+                    </a:schemeClr>
+                  </a:solidFill>
+                  <a:latin typeface="源柔ゴシックX Bold" panose="020B0602020203020207" pitchFamily="50" charset="-128"/>
+                  <a:ea typeface="源柔ゴシックX Bold" panose="020B0602020203020207" pitchFamily="50" charset="-128"/>
+                  <a:cs typeface="源柔ゴシックX Bold" panose="020B0602020203020207" pitchFamily="50" charset="-128"/>
+                </a:rPr>
+                <a:t>18. </a:t>
+              </a:r>
+              <a:r>
+                <a:rPr lang="ja-JP" altLang="en-US" sz="1400" dirty="0" smtClean="0">
+                  <a:solidFill>
+                    <a:schemeClr val="tx1">
+                      <a:lumMod val="85000"/>
+                      <a:lumOff val="15000"/>
+                    </a:schemeClr>
+                  </a:solidFill>
+                  <a:latin typeface="源柔ゴシックX Bold" panose="020B0602020203020207" pitchFamily="50" charset="-128"/>
+                  <a:ea typeface="源柔ゴシックX Bold" panose="020B0602020203020207" pitchFamily="50" charset="-128"/>
+                  <a:cs typeface="源柔ゴシックX Bold" panose="020B0602020203020207" pitchFamily="50" charset="-128"/>
+                </a:rPr>
+                <a:t>固有</a:t>
+              </a:r>
+            </a:p>
+          </p:txBody>
+        </p:sp>
+      </p:grpSp>
+      <p:pic>
+        <p:nvPicPr>
+          <p:cNvPr id="2" name="図 1"/>
+          <p:cNvPicPr>
+            <a:picLocks noChangeAspect="1"/>
+          </p:cNvPicPr>
+          <p:nvPr/>
+        </p:nvPicPr>
+        <p:blipFill>
+          <a:blip r:embed="rId20" cstate="print">
+            <a:extLst>
+              <a:ext uri="{28A0092B-C50C-407E-A947-70E740481C1C}">
+                <a14:useLocalDpi xmlns:a14="http://schemas.microsoft.com/office/drawing/2010/main" val="0"/>
+              </a:ext>
+            </a:extLst>
+          </a:blip>
+          <a:stretch>
+            <a:fillRect/>
+          </a:stretch>
+        </p:blipFill>
+        <p:spPr>
+          <a:xfrm>
+            <a:off x="8044256" y="6866983"/>
+            <a:ext cx="2207819" cy="506338"/>
+          </a:xfrm>
+          <a:prstGeom prst="rect">
+            <a:avLst/>
+          </a:prstGeom>
+        </p:spPr>
+      </p:pic>
+    </p:spTree>
+    <p:extLst>
+      <p:ext uri="{BB962C8B-B14F-4D97-AF65-F5344CB8AC3E}">
+        <p14:creationId xmlns:p14="http://schemas.microsoft.com/office/powerpoint/2010/main" val="4217179814"/>
+      </p:ext>
+    </p:extLst>
+  </p:cSld>
+  <p:clrMapOvr>
+    <a:masterClrMapping/>
+  </p:clrMapOvr>
+</p:sld>
+</file>
+
 <file path=ppt/theme/theme1.xml><?xml version="1.0" encoding="utf-8"?>
 <a:theme xmlns:a="http://schemas.openxmlformats.org/drawingml/2006/main" name="Office テーマ">
   <a:themeElements>

--- a/gimpdata/表情見本.pptx
+++ b/gimpdata/表情見本.pptx
@@ -245,7 +245,7 @@
           <a:p>
             <a:fld id="{3B0858AE-7E7B-4A38-949A-C2534A72436B}" type="datetimeFigureOut">
               <a:rPr kumimoji="1" lang="ja-JP" altLang="en-US" smtClean="0"/>
-              <a:t>2021/10/4</a:t>
+              <a:t>2021/10/5</a:t>
             </a:fld>
             <a:endParaRPr kumimoji="1" lang="ja-JP" altLang="en-US"/>
           </a:p>
@@ -447,7 +447,7 @@
           <a:p>
             <a:fld id="{3B0858AE-7E7B-4A38-949A-C2534A72436B}" type="datetimeFigureOut">
               <a:rPr kumimoji="1" lang="ja-JP" altLang="en-US" smtClean="0"/>
-              <a:t>2021/10/4</a:t>
+              <a:t>2021/10/5</a:t>
             </a:fld>
             <a:endParaRPr kumimoji="1" lang="ja-JP" altLang="en-US"/>
           </a:p>
@@ -659,7 +659,7 @@
           <a:p>
             <a:fld id="{3B0858AE-7E7B-4A38-949A-C2534A72436B}" type="datetimeFigureOut">
               <a:rPr kumimoji="1" lang="ja-JP" altLang="en-US" smtClean="0"/>
-              <a:t>2021/10/4</a:t>
+              <a:t>2021/10/5</a:t>
             </a:fld>
             <a:endParaRPr kumimoji="1" lang="ja-JP" altLang="en-US"/>
           </a:p>
@@ -861,7 +861,7 @@
           <a:p>
             <a:fld id="{3B0858AE-7E7B-4A38-949A-C2534A72436B}" type="datetimeFigureOut">
               <a:rPr kumimoji="1" lang="ja-JP" altLang="en-US" smtClean="0"/>
-              <a:t>2021/10/4</a:t>
+              <a:t>2021/10/5</a:t>
             </a:fld>
             <a:endParaRPr kumimoji="1" lang="ja-JP" altLang="en-US"/>
           </a:p>
@@ -1107,7 +1107,7 @@
           <a:p>
             <a:fld id="{3B0858AE-7E7B-4A38-949A-C2534A72436B}" type="datetimeFigureOut">
               <a:rPr kumimoji="1" lang="ja-JP" altLang="en-US" smtClean="0"/>
-              <a:t>2021/10/4</a:t>
+              <a:t>2021/10/5</a:t>
             </a:fld>
             <a:endParaRPr kumimoji="1" lang="ja-JP" altLang="en-US"/>
           </a:p>
@@ -1403,7 +1403,7 @@
           <a:p>
             <a:fld id="{3B0858AE-7E7B-4A38-949A-C2534A72436B}" type="datetimeFigureOut">
               <a:rPr kumimoji="1" lang="ja-JP" altLang="en-US" smtClean="0"/>
-              <a:t>2021/10/4</a:t>
+              <a:t>2021/10/5</a:t>
             </a:fld>
             <a:endParaRPr kumimoji="1" lang="ja-JP" altLang="en-US"/>
           </a:p>
@@ -1834,7 +1834,7 @@
           <a:p>
             <a:fld id="{3B0858AE-7E7B-4A38-949A-C2534A72436B}" type="datetimeFigureOut">
               <a:rPr kumimoji="1" lang="ja-JP" altLang="en-US" smtClean="0"/>
-              <a:t>2021/10/4</a:t>
+              <a:t>2021/10/5</a:t>
             </a:fld>
             <a:endParaRPr kumimoji="1" lang="ja-JP" altLang="en-US"/>
           </a:p>
@@ -1952,7 +1952,7 @@
           <a:p>
             <a:fld id="{3B0858AE-7E7B-4A38-949A-C2534A72436B}" type="datetimeFigureOut">
               <a:rPr kumimoji="1" lang="ja-JP" altLang="en-US" smtClean="0"/>
-              <a:t>2021/10/4</a:t>
+              <a:t>2021/10/5</a:t>
             </a:fld>
             <a:endParaRPr kumimoji="1" lang="ja-JP" altLang="en-US"/>
           </a:p>
@@ -2047,7 +2047,7 @@
           <a:p>
             <a:fld id="{3B0858AE-7E7B-4A38-949A-C2534A72436B}" type="datetimeFigureOut">
               <a:rPr kumimoji="1" lang="ja-JP" altLang="en-US" smtClean="0"/>
-              <a:t>2021/10/4</a:t>
+              <a:t>2021/10/5</a:t>
             </a:fld>
             <a:endParaRPr kumimoji="1" lang="ja-JP" altLang="en-US"/>
           </a:p>
@@ -2356,7 +2356,7 @@
           <a:p>
             <a:fld id="{3B0858AE-7E7B-4A38-949A-C2534A72436B}" type="datetimeFigureOut">
               <a:rPr kumimoji="1" lang="ja-JP" altLang="en-US" smtClean="0"/>
-              <a:t>2021/10/4</a:t>
+              <a:t>2021/10/5</a:t>
             </a:fld>
             <a:endParaRPr kumimoji="1" lang="ja-JP" altLang="en-US"/>
           </a:p>
@@ -2609,7 +2609,7 @@
           <a:p>
             <a:fld id="{3B0858AE-7E7B-4A38-949A-C2534A72436B}" type="datetimeFigureOut">
               <a:rPr kumimoji="1" lang="ja-JP" altLang="en-US" smtClean="0"/>
-              <a:t>2021/10/4</a:t>
+              <a:t>2021/10/5</a:t>
             </a:fld>
             <a:endParaRPr kumimoji="1" lang="ja-JP" altLang="en-US"/>
           </a:p>
@@ -2854,7 +2854,7 @@
           <a:p>
             <a:fld id="{3B0858AE-7E7B-4A38-949A-C2534A72436B}" type="datetimeFigureOut">
               <a:rPr kumimoji="1" lang="ja-JP" altLang="en-US" smtClean="0"/>
-              <a:t>2021/10/4</a:t>
+              <a:t>2021/10/5</a:t>
             </a:fld>
             <a:endParaRPr kumimoji="1" lang="ja-JP" altLang="en-US"/>
           </a:p>
@@ -5732,10 +5732,10 @@
         </p:nvGrpSpPr>
         <p:grpSpPr>
           <a:xfrm>
-            <a:off x="282382" y="956059"/>
-            <a:ext cx="1469376" cy="1701795"/>
+            <a:off x="189671" y="905325"/>
+            <a:ext cx="1184275" cy="1374287"/>
             <a:chOff x="578500" y="1083059"/>
-            <a:chExt cx="1469376" cy="1701795"/>
+            <a:chExt cx="1469376" cy="1705131"/>
           </a:xfrm>
         </p:grpSpPr>
         <p:pic>
@@ -5776,8 +5776,8 @@
           </p:nvSpPr>
           <p:spPr>
             <a:xfrm>
-              <a:off x="578500" y="2533059"/>
-              <a:ext cx="1469376" cy="251795"/>
+              <a:off x="578500" y="2533058"/>
+              <a:ext cx="1469376" cy="255132"/>
             </a:xfrm>
             <a:prstGeom prst="rect">
               <a:avLst/>
@@ -5796,15 +5796,15 @@
             <a:p>
               <a:pPr algn="ctr"/>
               <a:r>
-                <a:rPr lang="ja-JP" altLang="en-US" sz="1400" dirty="0" smtClean="0">
-                  <a:solidFill>
-                    <a:schemeClr val="tx1">
-                      <a:lumMod val="85000"/>
-                      <a:lumOff val="15000"/>
-                    </a:schemeClr>
-                  </a:solidFill>
-                  <a:latin typeface="源柔ゴシックX Bold" panose="020B0602020203020207" pitchFamily="50" charset="-128"/>
-                  <a:ea typeface="源柔ゴシックX Bold" panose="020B0602020203020207" pitchFamily="50" charset="-128"/>
+                <a:rPr lang="ja-JP" altLang="en-US" sz="1050" dirty="0" smtClean="0">
+                  <a:solidFill>
+                    <a:schemeClr val="tx1">
+                      <a:lumMod val="85000"/>
+                      <a:lumOff val="15000"/>
+                    </a:schemeClr>
+                  </a:solidFill>
+                  <a:latin typeface="源ノ角ゴシック JP Normal" panose="020B0400000000000000" pitchFamily="34" charset="-128"/>
+                  <a:ea typeface="源ノ角ゴシック JP Normal" panose="020B0400000000000000" pitchFamily="34" charset="-128"/>
                   <a:cs typeface="源柔ゴシックX Bold" panose="020B0602020203020207" pitchFamily="50" charset="-128"/>
                 </a:rPr>
                 <a:t>01. 通常</a:t>
@@ -5821,10 +5821,10 @@
         </p:nvGrpSpPr>
         <p:grpSpPr>
           <a:xfrm>
-            <a:off x="1953106" y="956059"/>
-            <a:ext cx="1469376" cy="1701795"/>
+            <a:off x="1442830" y="905325"/>
+            <a:ext cx="1184275" cy="1374287"/>
             <a:chOff x="2293000" y="1083059"/>
-            <a:chExt cx="1469376" cy="1701795"/>
+            <a:chExt cx="1469376" cy="1705131"/>
           </a:xfrm>
         </p:grpSpPr>
         <p:pic>
@@ -5865,8 +5865,8 @@
           </p:nvSpPr>
           <p:spPr>
             <a:xfrm>
-              <a:off x="2293000" y="2533059"/>
-              <a:ext cx="1469376" cy="251795"/>
+              <a:off x="2293000" y="2533058"/>
+              <a:ext cx="1469376" cy="255132"/>
             </a:xfrm>
             <a:prstGeom prst="rect">
               <a:avLst/>
@@ -5885,29 +5885,29 @@
             <a:p>
               <a:pPr algn="ctr"/>
               <a:r>
-                <a:rPr lang="en-US" altLang="ja-JP" sz="1400" dirty="0" smtClean="0">
-                  <a:solidFill>
-                    <a:schemeClr val="tx1">
-                      <a:lumMod val="85000"/>
-                      <a:lumOff val="15000"/>
-                    </a:schemeClr>
-                  </a:solidFill>
-                  <a:latin typeface="源柔ゴシックX Bold" panose="020B0602020203020207" pitchFamily="50" charset="-128"/>
-                  <a:ea typeface="源柔ゴシックX Bold" panose="020B0602020203020207" pitchFamily="50" charset="-128"/>
+                <a:rPr lang="en-US" altLang="ja-JP" sz="1050" dirty="0" smtClean="0">
+                  <a:solidFill>
+                    <a:schemeClr val="tx1">
+                      <a:lumMod val="85000"/>
+                      <a:lumOff val="15000"/>
+                    </a:schemeClr>
+                  </a:solidFill>
+                  <a:latin typeface="源ノ角ゴシック JP Normal" panose="020B0400000000000000" pitchFamily="34" charset="-128"/>
+                  <a:ea typeface="源ノ角ゴシック JP Normal" panose="020B0400000000000000" pitchFamily="34" charset="-128"/>
                   <a:cs typeface="源柔ゴシックX Bold" panose="020B0602020203020207" pitchFamily="50" charset="-128"/>
                 </a:rPr>
                 <a:t>02. </a:t>
               </a:r>
               <a:r>
-                <a:rPr lang="ja-JP" altLang="en-US" sz="1400" dirty="0" smtClean="0">
-                  <a:solidFill>
-                    <a:schemeClr val="tx1">
-                      <a:lumMod val="85000"/>
-                      <a:lumOff val="15000"/>
-                    </a:schemeClr>
-                  </a:solidFill>
-                  <a:latin typeface="源柔ゴシックX Bold" panose="020B0602020203020207" pitchFamily="50" charset="-128"/>
-                  <a:ea typeface="源柔ゴシックX Bold" panose="020B0602020203020207" pitchFamily="50" charset="-128"/>
+                <a:rPr lang="ja-JP" altLang="en-US" sz="1050" dirty="0" smtClean="0">
+                  <a:solidFill>
+                    <a:schemeClr val="tx1">
+                      <a:lumMod val="85000"/>
+                      <a:lumOff val="15000"/>
+                    </a:schemeClr>
+                  </a:solidFill>
+                  <a:latin typeface="源ノ角ゴシック JP Normal" panose="020B0400000000000000" pitchFamily="34" charset="-128"/>
+                  <a:ea typeface="源ノ角ゴシック JP Normal" panose="020B0400000000000000" pitchFamily="34" charset="-128"/>
                   <a:cs typeface="源柔ゴシックX Bold" panose="020B0602020203020207" pitchFamily="50" charset="-128"/>
                 </a:rPr>
                 <a:t>聞き顔</a:t>
@@ -5924,10 +5924,10 @@
         </p:nvGrpSpPr>
         <p:grpSpPr>
           <a:xfrm>
-            <a:off x="3623830" y="956059"/>
-            <a:ext cx="1469376" cy="1701795"/>
+            <a:off x="2695989" y="905325"/>
+            <a:ext cx="1184275" cy="1374287"/>
             <a:chOff x="2293000" y="1083059"/>
-            <a:chExt cx="1469376" cy="1701795"/>
+            <a:chExt cx="1469376" cy="1705131"/>
           </a:xfrm>
         </p:grpSpPr>
         <p:pic>
@@ -5968,8 +5968,8 @@
           </p:nvSpPr>
           <p:spPr>
             <a:xfrm>
-              <a:off x="2293000" y="2533059"/>
-              <a:ext cx="1469376" cy="251795"/>
+              <a:off x="2293000" y="2533058"/>
+              <a:ext cx="1469376" cy="255132"/>
             </a:xfrm>
             <a:prstGeom prst="rect">
               <a:avLst/>
@@ -5988,56 +5988,56 @@
             <a:p>
               <a:pPr algn="ctr"/>
               <a:r>
-                <a:rPr lang="en-US" altLang="ja-JP" sz="1400" dirty="0" smtClean="0">
-                  <a:solidFill>
-                    <a:schemeClr val="tx1">
-                      <a:lumMod val="85000"/>
-                      <a:lumOff val="15000"/>
-                    </a:schemeClr>
-                  </a:solidFill>
-                  <a:latin typeface="源柔ゴシックX Bold" panose="020B0602020203020207" pitchFamily="50" charset="-128"/>
-                  <a:ea typeface="源柔ゴシックX Bold" panose="020B0602020203020207" pitchFamily="50" charset="-128"/>
+                <a:rPr lang="en-US" altLang="ja-JP" sz="1050" dirty="0" smtClean="0">
+                  <a:solidFill>
+                    <a:schemeClr val="tx1">
+                      <a:lumMod val="85000"/>
+                      <a:lumOff val="15000"/>
+                    </a:schemeClr>
+                  </a:solidFill>
+                  <a:latin typeface="源ノ角ゴシック JP Normal" panose="020B0400000000000000" pitchFamily="34" charset="-128"/>
+                  <a:ea typeface="源ノ角ゴシック JP Normal" panose="020B0400000000000000" pitchFamily="34" charset="-128"/>
                   <a:cs typeface="源柔ゴシックX Bold" panose="020B0602020203020207" pitchFamily="50" charset="-128"/>
                 </a:rPr>
                 <a:t>03. </a:t>
               </a:r>
               <a:r>
-                <a:rPr lang="ja-JP" altLang="en-US" sz="1400" dirty="0" smtClean="0">
-                  <a:solidFill>
-                    <a:schemeClr val="tx1">
-                      <a:lumMod val="85000"/>
-                      <a:lumOff val="15000"/>
-                    </a:schemeClr>
-                  </a:solidFill>
-                  <a:latin typeface="源柔ゴシックX Bold" panose="020B0602020203020207" pitchFamily="50" charset="-128"/>
-                  <a:ea typeface="源柔ゴシックX Bold" panose="020B0602020203020207" pitchFamily="50" charset="-128"/>
+                <a:rPr lang="ja-JP" altLang="en-US" sz="1050" dirty="0" smtClean="0">
+                  <a:solidFill>
+                    <a:schemeClr val="tx1">
+                      <a:lumMod val="85000"/>
+                      <a:lumOff val="15000"/>
+                    </a:schemeClr>
+                  </a:solidFill>
+                  <a:latin typeface="源ノ角ゴシック JP Normal" panose="020B0400000000000000" pitchFamily="34" charset="-128"/>
+                  <a:ea typeface="源ノ角ゴシック JP Normal" panose="020B0400000000000000" pitchFamily="34" charset="-128"/>
                   <a:cs typeface="源柔ゴシックX Bold" panose="020B0602020203020207" pitchFamily="50" charset="-128"/>
                 </a:rPr>
                 <a:t>笑顔</a:t>
               </a:r>
               <a:r>
-                <a:rPr lang="en-US" altLang="ja-JP" sz="1400" dirty="0" smtClean="0">
-                  <a:solidFill>
-                    <a:schemeClr val="tx1">
-                      <a:lumMod val="85000"/>
-                      <a:lumOff val="15000"/>
-                    </a:schemeClr>
-                  </a:solidFill>
-                  <a:latin typeface="源柔ゴシックX Bold" panose="020B0602020203020207" pitchFamily="50" charset="-128"/>
-                  <a:ea typeface="源柔ゴシックX Bold" panose="020B0602020203020207" pitchFamily="50" charset="-128"/>
+                <a:rPr lang="en-US" altLang="ja-JP" sz="1050" dirty="0" smtClean="0">
+                  <a:solidFill>
+                    <a:schemeClr val="tx1">
+                      <a:lumMod val="85000"/>
+                      <a:lumOff val="15000"/>
+                    </a:schemeClr>
+                  </a:solidFill>
+                  <a:latin typeface="源ノ角ゴシック JP Normal" panose="020B0400000000000000" pitchFamily="34" charset="-128"/>
+                  <a:ea typeface="源ノ角ゴシック JP Normal" panose="020B0400000000000000" pitchFamily="34" charset="-128"/>
                   <a:cs typeface="源柔ゴシックX Bold" panose="020B0602020203020207" pitchFamily="50" charset="-128"/>
                 </a:rPr>
                 <a:t>1</a:t>
               </a:r>
-              <a:endParaRPr lang="ja-JP" altLang="en-US" sz="1400" dirty="0" smtClean="0">
+              <a:endParaRPr lang="ja-JP" altLang="en-US" sz="1050" dirty="0" smtClean="0">
                 <a:solidFill>
                   <a:schemeClr val="tx1">
                     <a:lumMod val="85000"/>
                     <a:lumOff val="15000"/>
                   </a:schemeClr>
                 </a:solidFill>
-                <a:latin typeface="源柔ゴシックX Bold" panose="020B0602020203020207" pitchFamily="50" charset="-128"/>
-                <a:ea typeface="源柔ゴシックX Bold" panose="020B0602020203020207" pitchFamily="50" charset="-128"/>
+                <a:latin typeface="源ノ角ゴシック JP Normal" panose="020B0400000000000000" pitchFamily="34" charset="-128"/>
+                <a:ea typeface="源ノ角ゴシック JP Normal" panose="020B0400000000000000" pitchFamily="34" charset="-128"/>
                 <a:cs typeface="源柔ゴシックX Bold" panose="020B0602020203020207" pitchFamily="50" charset="-128"/>
               </a:endParaRPr>
             </a:p>
@@ -6052,10 +6052,10 @@
         </p:nvGrpSpPr>
         <p:grpSpPr>
           <a:xfrm>
-            <a:off x="5294554" y="956059"/>
-            <a:ext cx="1469376" cy="1701795"/>
+            <a:off x="3949148" y="905325"/>
+            <a:ext cx="1184275" cy="1374287"/>
             <a:chOff x="2293000" y="1083059"/>
-            <a:chExt cx="1469376" cy="1701795"/>
+            <a:chExt cx="1469376" cy="1705131"/>
           </a:xfrm>
         </p:grpSpPr>
         <p:pic>
@@ -6096,8 +6096,8 @@
           </p:nvSpPr>
           <p:spPr>
             <a:xfrm>
-              <a:off x="2293000" y="2533059"/>
-              <a:ext cx="1469376" cy="251795"/>
+              <a:off x="2293000" y="2533058"/>
+              <a:ext cx="1469376" cy="255132"/>
             </a:xfrm>
             <a:prstGeom prst="rect">
               <a:avLst/>
@@ -6116,70 +6116,70 @@
             <a:p>
               <a:pPr algn="ctr"/>
               <a:r>
-                <a:rPr lang="en-US" altLang="ja-JP" sz="1400" dirty="0" smtClean="0">
-                  <a:solidFill>
-                    <a:schemeClr val="tx1">
-                      <a:lumMod val="85000"/>
-                      <a:lumOff val="15000"/>
-                    </a:schemeClr>
-                  </a:solidFill>
-                  <a:latin typeface="源柔ゴシックX Bold" panose="020B0602020203020207" pitchFamily="50" charset="-128"/>
-                  <a:ea typeface="源柔ゴシックX Bold" panose="020B0602020203020207" pitchFamily="50" charset="-128"/>
+                <a:rPr lang="en-US" altLang="ja-JP" sz="1050" dirty="0" smtClean="0">
+                  <a:solidFill>
+                    <a:schemeClr val="tx1">
+                      <a:lumMod val="85000"/>
+                      <a:lumOff val="15000"/>
+                    </a:schemeClr>
+                  </a:solidFill>
+                  <a:latin typeface="源ノ角ゴシック JP Normal" panose="020B0400000000000000" pitchFamily="34" charset="-128"/>
+                  <a:ea typeface="源ノ角ゴシック JP Normal" panose="020B0400000000000000" pitchFamily="34" charset="-128"/>
                   <a:cs typeface="源柔ゴシックX Bold" panose="020B0602020203020207" pitchFamily="50" charset="-128"/>
                 </a:rPr>
                 <a:t>04</a:t>
               </a:r>
               <a:r>
-                <a:rPr lang="en-US" altLang="ja-JP" sz="1400" smtClean="0">
-                  <a:solidFill>
-                    <a:schemeClr val="tx1">
-                      <a:lumMod val="85000"/>
-                      <a:lumOff val="15000"/>
-                    </a:schemeClr>
-                  </a:solidFill>
-                  <a:latin typeface="源柔ゴシックX Bold" panose="020B0602020203020207" pitchFamily="50" charset="-128"/>
-                  <a:ea typeface="源柔ゴシックX Bold" panose="020B0602020203020207" pitchFamily="50" charset="-128"/>
+                <a:rPr lang="en-US" altLang="ja-JP" sz="1050" smtClean="0">
+                  <a:solidFill>
+                    <a:schemeClr val="tx1">
+                      <a:lumMod val="85000"/>
+                      <a:lumOff val="15000"/>
+                    </a:schemeClr>
+                  </a:solidFill>
+                  <a:latin typeface="源ノ角ゴシック JP Normal" panose="020B0400000000000000" pitchFamily="34" charset="-128"/>
+                  <a:ea typeface="源ノ角ゴシック JP Normal" panose="020B0400000000000000" pitchFamily="34" charset="-128"/>
                   <a:cs typeface="源柔ゴシックX Bold" panose="020B0602020203020207" pitchFamily="50" charset="-128"/>
                 </a:rPr>
                 <a:t>. </a:t>
               </a:r>
               <a:r>
-                <a:rPr lang="ja-JP" altLang="en-US" sz="1400" dirty="0" smtClean="0">
-                  <a:solidFill>
-                    <a:schemeClr val="tx1">
-                      <a:lumMod val="85000"/>
-                      <a:lumOff val="15000"/>
-                    </a:schemeClr>
-                  </a:solidFill>
-                  <a:latin typeface="源柔ゴシックX Bold" panose="020B0602020203020207" pitchFamily="50" charset="-128"/>
-                  <a:ea typeface="源柔ゴシックX Bold" panose="020B0602020203020207" pitchFamily="50" charset="-128"/>
+                <a:rPr lang="ja-JP" altLang="en-US" sz="1050" dirty="0" smtClean="0">
+                  <a:solidFill>
+                    <a:schemeClr val="tx1">
+                      <a:lumMod val="85000"/>
+                      <a:lumOff val="15000"/>
+                    </a:schemeClr>
+                  </a:solidFill>
+                  <a:latin typeface="源ノ角ゴシック JP Normal" panose="020B0400000000000000" pitchFamily="34" charset="-128"/>
+                  <a:ea typeface="源ノ角ゴシック JP Normal" panose="020B0400000000000000" pitchFamily="34" charset="-128"/>
                   <a:cs typeface="源柔ゴシックX Bold" panose="020B0602020203020207" pitchFamily="50" charset="-128"/>
                 </a:rPr>
                 <a:t>笑顔</a:t>
               </a:r>
               <a:r>
-                <a:rPr lang="en-US" altLang="ja-JP" sz="1400" dirty="0" smtClean="0">
-                  <a:solidFill>
-                    <a:schemeClr val="tx1">
-                      <a:lumMod val="85000"/>
-                      <a:lumOff val="15000"/>
-                    </a:schemeClr>
-                  </a:solidFill>
-                  <a:latin typeface="源柔ゴシックX Bold" panose="020B0602020203020207" pitchFamily="50" charset="-128"/>
-                  <a:ea typeface="源柔ゴシックX Bold" panose="020B0602020203020207" pitchFamily="50" charset="-128"/>
+                <a:rPr lang="en-US" altLang="ja-JP" sz="1050" dirty="0" smtClean="0">
+                  <a:solidFill>
+                    <a:schemeClr val="tx1">
+                      <a:lumMod val="85000"/>
+                      <a:lumOff val="15000"/>
+                    </a:schemeClr>
+                  </a:solidFill>
+                  <a:latin typeface="源ノ角ゴシック JP Normal" panose="020B0400000000000000" pitchFamily="34" charset="-128"/>
+                  <a:ea typeface="源ノ角ゴシック JP Normal" panose="020B0400000000000000" pitchFamily="34" charset="-128"/>
                   <a:cs typeface="源柔ゴシックX Bold" panose="020B0602020203020207" pitchFamily="50" charset="-128"/>
                 </a:rPr>
                 <a:t>2</a:t>
               </a:r>
-              <a:endParaRPr lang="ja-JP" altLang="en-US" sz="1400" dirty="0" smtClean="0">
+              <a:endParaRPr lang="ja-JP" altLang="en-US" sz="1050" dirty="0" smtClean="0">
                 <a:solidFill>
                   <a:schemeClr val="tx1">
                     <a:lumMod val="85000"/>
                     <a:lumOff val="15000"/>
                   </a:schemeClr>
                 </a:solidFill>
-                <a:latin typeface="源柔ゴシックX Bold" panose="020B0602020203020207" pitchFamily="50" charset="-128"/>
-                <a:ea typeface="源柔ゴシックX Bold" panose="020B0602020203020207" pitchFamily="50" charset="-128"/>
+                <a:latin typeface="源ノ角ゴシック JP Normal" panose="020B0400000000000000" pitchFamily="34" charset="-128"/>
+                <a:ea typeface="源ノ角ゴシック JP Normal" panose="020B0400000000000000" pitchFamily="34" charset="-128"/>
                 <a:cs typeface="源柔ゴシックX Bold" panose="020B0602020203020207" pitchFamily="50" charset="-128"/>
               </a:endParaRPr>
             </a:p>
@@ -6194,10 +6194,10 @@
         </p:nvGrpSpPr>
         <p:grpSpPr>
           <a:xfrm>
-            <a:off x="6965278" y="956059"/>
-            <a:ext cx="1469376" cy="1701795"/>
+            <a:off x="5202307" y="905325"/>
+            <a:ext cx="1184275" cy="1374287"/>
             <a:chOff x="2293000" y="1083059"/>
-            <a:chExt cx="1469376" cy="1701795"/>
+            <a:chExt cx="1469376" cy="1705131"/>
           </a:xfrm>
         </p:grpSpPr>
         <p:pic>
@@ -6238,8 +6238,8 @@
           </p:nvSpPr>
           <p:spPr>
             <a:xfrm>
-              <a:off x="2293000" y="2533059"/>
-              <a:ext cx="1469376" cy="251795"/>
+              <a:off x="2293000" y="2533058"/>
+              <a:ext cx="1469376" cy="255132"/>
             </a:xfrm>
             <a:prstGeom prst="rect">
               <a:avLst/>
@@ -6258,56 +6258,56 @@
             <a:p>
               <a:pPr algn="ctr"/>
               <a:r>
-                <a:rPr lang="en-US" altLang="ja-JP" sz="1400" dirty="0" smtClean="0">
-                  <a:solidFill>
-                    <a:schemeClr val="tx1">
-                      <a:lumMod val="85000"/>
-                      <a:lumOff val="15000"/>
-                    </a:schemeClr>
-                  </a:solidFill>
-                  <a:latin typeface="源柔ゴシックX Bold" panose="020B0602020203020207" pitchFamily="50" charset="-128"/>
-                  <a:ea typeface="源柔ゴシックX Bold" panose="020B0602020203020207" pitchFamily="50" charset="-128"/>
+                <a:rPr lang="en-US" altLang="ja-JP" sz="1050" dirty="0" smtClean="0">
+                  <a:solidFill>
+                    <a:schemeClr val="tx1">
+                      <a:lumMod val="85000"/>
+                      <a:lumOff val="15000"/>
+                    </a:schemeClr>
+                  </a:solidFill>
+                  <a:latin typeface="源ノ角ゴシック JP Normal" panose="020B0400000000000000" pitchFamily="34" charset="-128"/>
+                  <a:ea typeface="源ノ角ゴシック JP Normal" panose="020B0400000000000000" pitchFamily="34" charset="-128"/>
                   <a:cs typeface="源柔ゴシックX Bold" panose="020B0602020203020207" pitchFamily="50" charset="-128"/>
                 </a:rPr>
                 <a:t>05. </a:t>
               </a:r>
               <a:r>
-                <a:rPr lang="ja-JP" altLang="en-US" sz="1400" dirty="0" smtClean="0">
-                  <a:solidFill>
-                    <a:schemeClr val="tx1">
-                      <a:lumMod val="85000"/>
-                      <a:lumOff val="15000"/>
-                    </a:schemeClr>
-                  </a:solidFill>
-                  <a:latin typeface="源柔ゴシックX Bold" panose="020B0602020203020207" pitchFamily="50" charset="-128"/>
-                  <a:ea typeface="源柔ゴシックX Bold" panose="020B0602020203020207" pitchFamily="50" charset="-128"/>
+                <a:rPr lang="ja-JP" altLang="en-US" sz="1050" dirty="0" smtClean="0">
+                  <a:solidFill>
+                    <a:schemeClr val="tx1">
+                      <a:lumMod val="85000"/>
+                      <a:lumOff val="15000"/>
+                    </a:schemeClr>
+                  </a:solidFill>
+                  <a:latin typeface="源ノ角ゴシック JP Normal" panose="020B0400000000000000" pitchFamily="34" charset="-128"/>
+                  <a:ea typeface="源ノ角ゴシック JP Normal" panose="020B0400000000000000" pitchFamily="34" charset="-128"/>
                   <a:cs typeface="源柔ゴシックX Bold" panose="020B0602020203020207" pitchFamily="50" charset="-128"/>
                 </a:rPr>
                 <a:t>笑顔</a:t>
               </a:r>
               <a:r>
-                <a:rPr lang="en-US" altLang="ja-JP" sz="1400" dirty="0" smtClean="0">
-                  <a:solidFill>
-                    <a:schemeClr val="tx1">
-                      <a:lumMod val="85000"/>
-                      <a:lumOff val="15000"/>
-                    </a:schemeClr>
-                  </a:solidFill>
-                  <a:latin typeface="源柔ゴシックX Bold" panose="020B0602020203020207" pitchFamily="50" charset="-128"/>
-                  <a:ea typeface="源柔ゴシックX Bold" panose="020B0602020203020207" pitchFamily="50" charset="-128"/>
+                <a:rPr lang="en-US" altLang="ja-JP" sz="1050" dirty="0" smtClean="0">
+                  <a:solidFill>
+                    <a:schemeClr val="tx1">
+                      <a:lumMod val="85000"/>
+                      <a:lumOff val="15000"/>
+                    </a:schemeClr>
+                  </a:solidFill>
+                  <a:latin typeface="源ノ角ゴシック JP Normal" panose="020B0400000000000000" pitchFamily="34" charset="-128"/>
+                  <a:ea typeface="源ノ角ゴシック JP Normal" panose="020B0400000000000000" pitchFamily="34" charset="-128"/>
                   <a:cs typeface="源柔ゴシックX Bold" panose="020B0602020203020207" pitchFamily="50" charset="-128"/>
                 </a:rPr>
                 <a:t>3</a:t>
               </a:r>
-              <a:endParaRPr lang="ja-JP" altLang="en-US" sz="1400" dirty="0" smtClean="0">
+              <a:endParaRPr lang="ja-JP" altLang="en-US" sz="1050" dirty="0" smtClean="0">
                 <a:solidFill>
                   <a:schemeClr val="tx1">
                     <a:lumMod val="85000"/>
                     <a:lumOff val="15000"/>
                   </a:schemeClr>
                 </a:solidFill>
-                <a:latin typeface="源柔ゴシックX Bold" panose="020B0602020203020207" pitchFamily="50" charset="-128"/>
-                <a:ea typeface="源柔ゴシックX Bold" panose="020B0602020203020207" pitchFamily="50" charset="-128"/>
+                <a:latin typeface="源ノ角ゴシック JP Normal" panose="020B0400000000000000" pitchFamily="34" charset="-128"/>
+                <a:ea typeface="源ノ角ゴシック JP Normal" panose="020B0400000000000000" pitchFamily="34" charset="-128"/>
                 <a:cs typeface="源柔ゴシックX Bold" panose="020B0602020203020207" pitchFamily="50" charset="-128"/>
               </a:endParaRPr>
             </a:p>
@@ -6322,10 +6322,10 @@
         </p:nvGrpSpPr>
         <p:grpSpPr>
           <a:xfrm>
-            <a:off x="8636000" y="956059"/>
-            <a:ext cx="1469376" cy="1701795"/>
+            <a:off x="6455466" y="905325"/>
+            <a:ext cx="1184275" cy="1374287"/>
             <a:chOff x="2293000" y="1083059"/>
-            <a:chExt cx="1469376" cy="1701795"/>
+            <a:chExt cx="1469376" cy="1705131"/>
           </a:xfrm>
         </p:grpSpPr>
         <p:pic>
@@ -6366,8 +6366,8 @@
           </p:nvSpPr>
           <p:spPr>
             <a:xfrm>
-              <a:off x="2293000" y="2533059"/>
-              <a:ext cx="1469376" cy="251795"/>
+              <a:off x="2293000" y="2533058"/>
+              <a:ext cx="1469376" cy="255132"/>
             </a:xfrm>
             <a:prstGeom prst="rect">
               <a:avLst/>
@@ -6386,84 +6386,84 @@
             <a:p>
               <a:pPr algn="ctr"/>
               <a:r>
-                <a:rPr lang="en-US" altLang="ja-JP" sz="1400" dirty="0" smtClean="0">
-                  <a:solidFill>
-                    <a:schemeClr val="tx1">
-                      <a:lumMod val="85000"/>
-                      <a:lumOff val="15000"/>
-                    </a:schemeClr>
-                  </a:solidFill>
-                  <a:latin typeface="源柔ゴシックX Bold" panose="020B0602020203020207" pitchFamily="50" charset="-128"/>
-                  <a:ea typeface="源柔ゴシックX Bold" panose="020B0602020203020207" pitchFamily="50" charset="-128"/>
+                <a:rPr lang="en-US" altLang="ja-JP" sz="1050" dirty="0" smtClean="0">
+                  <a:solidFill>
+                    <a:schemeClr val="tx1">
+                      <a:lumMod val="85000"/>
+                      <a:lumOff val="15000"/>
+                    </a:schemeClr>
+                  </a:solidFill>
+                  <a:latin typeface="源ノ角ゴシック JP Normal" panose="020B0400000000000000" pitchFamily="34" charset="-128"/>
+                  <a:ea typeface="源ノ角ゴシック JP Normal" panose="020B0400000000000000" pitchFamily="34" charset="-128"/>
                   <a:cs typeface="源柔ゴシックX Bold" panose="020B0602020203020207" pitchFamily="50" charset="-128"/>
                 </a:rPr>
                 <a:t>06. </a:t>
               </a:r>
               <a:r>
-                <a:rPr lang="ja-JP" altLang="en-US" sz="1400" dirty="0" smtClean="0">
-                  <a:solidFill>
-                    <a:schemeClr val="tx1">
-                      <a:lumMod val="85000"/>
-                      <a:lumOff val="15000"/>
-                    </a:schemeClr>
-                  </a:solidFill>
-                  <a:latin typeface="源柔ゴシックX Bold" panose="020B0602020203020207" pitchFamily="50" charset="-128"/>
-                  <a:ea typeface="源柔ゴシックX Bold" panose="020B0602020203020207" pitchFamily="50" charset="-128"/>
+                <a:rPr lang="ja-JP" altLang="en-US" sz="1050" dirty="0" smtClean="0">
+                  <a:solidFill>
+                    <a:schemeClr val="tx1">
+                      <a:lumMod val="85000"/>
+                      <a:lumOff val="15000"/>
+                    </a:schemeClr>
+                  </a:solidFill>
+                  <a:latin typeface="源ノ角ゴシック JP Normal" panose="020B0400000000000000" pitchFamily="34" charset="-128"/>
+                  <a:ea typeface="源ノ角ゴシック JP Normal" panose="020B0400000000000000" pitchFamily="34" charset="-128"/>
                   <a:cs typeface="源柔ゴシックX Bold" panose="020B0602020203020207" pitchFamily="50" charset="-128"/>
                 </a:rPr>
                 <a:t>笑顔</a:t>
               </a:r>
               <a:r>
-                <a:rPr lang="en-US" altLang="ja-JP" sz="1400" dirty="0" smtClean="0">
-                  <a:solidFill>
-                    <a:schemeClr val="tx1">
-                      <a:lumMod val="85000"/>
-                      <a:lumOff val="15000"/>
-                    </a:schemeClr>
-                  </a:solidFill>
-                  <a:latin typeface="源柔ゴシックX Bold" panose="020B0602020203020207" pitchFamily="50" charset="-128"/>
-                  <a:ea typeface="源柔ゴシックX Bold" panose="020B0602020203020207" pitchFamily="50" charset="-128"/>
+                <a:rPr lang="en-US" altLang="ja-JP" sz="1050" dirty="0" smtClean="0">
+                  <a:solidFill>
+                    <a:schemeClr val="tx1">
+                      <a:lumMod val="85000"/>
+                      <a:lumOff val="15000"/>
+                    </a:schemeClr>
+                  </a:solidFill>
+                  <a:latin typeface="源ノ角ゴシック JP Normal" panose="020B0400000000000000" pitchFamily="34" charset="-128"/>
+                  <a:ea typeface="源ノ角ゴシック JP Normal" panose="020B0400000000000000" pitchFamily="34" charset="-128"/>
                   <a:cs typeface="源柔ゴシックX Bold" panose="020B0602020203020207" pitchFamily="50" charset="-128"/>
                 </a:rPr>
                 <a:t>(</a:t>
               </a:r>
               <a:r>
-                <a:rPr lang="ja-JP" altLang="en-US" sz="1400" dirty="0" smtClean="0">
-                  <a:solidFill>
-                    <a:schemeClr val="tx1">
-                      <a:lumMod val="85000"/>
-                      <a:lumOff val="15000"/>
-                    </a:schemeClr>
-                  </a:solidFill>
-                  <a:latin typeface="源柔ゴシックX Bold" panose="020B0602020203020207" pitchFamily="50" charset="-128"/>
-                  <a:ea typeface="源柔ゴシックX Bold" panose="020B0602020203020207" pitchFamily="50" charset="-128"/>
+                <a:rPr lang="ja-JP" altLang="en-US" sz="1050" dirty="0" smtClean="0">
+                  <a:solidFill>
+                    <a:schemeClr val="tx1">
+                      <a:lumMod val="85000"/>
+                      <a:lumOff val="15000"/>
+                    </a:schemeClr>
+                  </a:solidFill>
+                  <a:latin typeface="源ノ角ゴシック JP Normal" panose="020B0400000000000000" pitchFamily="34" charset="-128"/>
+                  <a:ea typeface="源ノ角ゴシック JP Normal" panose="020B0400000000000000" pitchFamily="34" charset="-128"/>
                   <a:cs typeface="源柔ゴシックX Bold" panose="020B0602020203020207" pitchFamily="50" charset="-128"/>
                 </a:rPr>
                 <a:t>大</a:t>
               </a:r>
               <a:r>
-                <a:rPr lang="en-US" altLang="ja-JP" sz="1400" dirty="0" smtClean="0">
-                  <a:solidFill>
-                    <a:schemeClr val="tx1">
-                      <a:lumMod val="85000"/>
-                      <a:lumOff val="15000"/>
-                    </a:schemeClr>
-                  </a:solidFill>
-                  <a:latin typeface="源柔ゴシックX Bold" panose="020B0602020203020207" pitchFamily="50" charset="-128"/>
-                  <a:ea typeface="源柔ゴシックX Bold" panose="020B0602020203020207" pitchFamily="50" charset="-128"/>
+                <a:rPr lang="en-US" altLang="ja-JP" sz="1050" dirty="0" smtClean="0">
+                  <a:solidFill>
+                    <a:schemeClr val="tx1">
+                      <a:lumMod val="85000"/>
+                      <a:lumOff val="15000"/>
+                    </a:schemeClr>
+                  </a:solidFill>
+                  <a:latin typeface="源ノ角ゴシック JP Normal" panose="020B0400000000000000" pitchFamily="34" charset="-128"/>
+                  <a:ea typeface="源ノ角ゴシック JP Normal" panose="020B0400000000000000" pitchFamily="34" charset="-128"/>
                   <a:cs typeface="源柔ゴシックX Bold" panose="020B0602020203020207" pitchFamily="50" charset="-128"/>
                 </a:rPr>
                 <a:t>)</a:t>
               </a:r>
-              <a:endParaRPr lang="ja-JP" altLang="en-US" sz="1400" dirty="0" smtClean="0">
+              <a:endParaRPr lang="ja-JP" altLang="en-US" sz="1050" dirty="0" smtClean="0">
                 <a:solidFill>
                   <a:schemeClr val="tx1">
                     <a:lumMod val="85000"/>
                     <a:lumOff val="15000"/>
                   </a:schemeClr>
                 </a:solidFill>
-                <a:latin typeface="源柔ゴシックX Bold" panose="020B0602020203020207" pitchFamily="50" charset="-128"/>
-                <a:ea typeface="源柔ゴシックX Bold" panose="020B0602020203020207" pitchFamily="50" charset="-128"/>
+                <a:latin typeface="源ノ角ゴシック JP Normal" panose="020B0400000000000000" pitchFamily="34" charset="-128"/>
+                <a:ea typeface="源ノ角ゴシック JP Normal" panose="020B0400000000000000" pitchFamily="34" charset="-128"/>
                 <a:cs typeface="源柔ゴシックX Bold" panose="020B0602020203020207" pitchFamily="50" charset="-128"/>
               </a:endParaRPr>
             </a:p>
@@ -6478,10 +6478,10 @@
         </p:nvGrpSpPr>
         <p:grpSpPr>
           <a:xfrm>
-            <a:off x="282382" y="2899159"/>
-            <a:ext cx="1469376" cy="1701795"/>
+            <a:off x="7708625" y="905325"/>
+            <a:ext cx="1184275" cy="1374287"/>
             <a:chOff x="578500" y="1083059"/>
-            <a:chExt cx="1469376" cy="1701795"/>
+            <a:chExt cx="1469376" cy="1705131"/>
           </a:xfrm>
         </p:grpSpPr>
         <p:pic>
@@ -6522,8 +6522,8 @@
           </p:nvSpPr>
           <p:spPr>
             <a:xfrm>
-              <a:off x="578500" y="2533059"/>
-              <a:ext cx="1469376" cy="251795"/>
+              <a:off x="578500" y="2533058"/>
+              <a:ext cx="1469376" cy="255132"/>
             </a:xfrm>
             <a:prstGeom prst="rect">
               <a:avLst/>
@@ -6542,56 +6542,56 @@
             <a:p>
               <a:pPr algn="ctr"/>
               <a:r>
-                <a:rPr lang="en-US" altLang="ja-JP" sz="1400" dirty="0" smtClean="0">
-                  <a:solidFill>
-                    <a:schemeClr val="tx1">
-                      <a:lumMod val="85000"/>
-                      <a:lumOff val="15000"/>
-                    </a:schemeClr>
-                  </a:solidFill>
-                  <a:latin typeface="源柔ゴシックX Bold" panose="020B0602020203020207" pitchFamily="50" charset="-128"/>
-                  <a:ea typeface="源柔ゴシックX Bold" panose="020B0602020203020207" pitchFamily="50" charset="-128"/>
+                <a:rPr lang="en-US" altLang="ja-JP" sz="1050" dirty="0" smtClean="0">
+                  <a:solidFill>
+                    <a:schemeClr val="tx1">
+                      <a:lumMod val="85000"/>
+                      <a:lumOff val="15000"/>
+                    </a:schemeClr>
+                  </a:solidFill>
+                  <a:latin typeface="源ノ角ゴシック JP Normal" panose="020B0400000000000000" pitchFamily="34" charset="-128"/>
+                  <a:ea typeface="源ノ角ゴシック JP Normal" panose="020B0400000000000000" pitchFamily="34" charset="-128"/>
                   <a:cs typeface="源柔ゴシックX Bold" panose="020B0602020203020207" pitchFamily="50" charset="-128"/>
                 </a:rPr>
                 <a:t>07. </a:t>
               </a:r>
               <a:r>
-                <a:rPr lang="ja-JP" altLang="en-US" sz="1400" dirty="0" smtClean="0">
-                  <a:solidFill>
-                    <a:schemeClr val="tx1">
-                      <a:lumMod val="85000"/>
-                      <a:lumOff val="15000"/>
-                    </a:schemeClr>
-                  </a:solidFill>
-                  <a:latin typeface="源柔ゴシックX Bold" panose="020B0602020203020207" pitchFamily="50" charset="-128"/>
-                  <a:ea typeface="源柔ゴシックX Bold" panose="020B0602020203020207" pitchFamily="50" charset="-128"/>
+                <a:rPr lang="ja-JP" altLang="en-US" sz="1050" dirty="0" smtClean="0">
+                  <a:solidFill>
+                    <a:schemeClr val="tx1">
+                      <a:lumMod val="85000"/>
+                      <a:lumOff val="15000"/>
+                    </a:schemeClr>
+                  </a:solidFill>
+                  <a:latin typeface="源ノ角ゴシック JP Normal" panose="020B0400000000000000" pitchFamily="34" charset="-128"/>
+                  <a:ea typeface="源ノ角ゴシック JP Normal" panose="020B0400000000000000" pitchFamily="34" charset="-128"/>
                   <a:cs typeface="源柔ゴシックX Bold" panose="020B0602020203020207" pitchFamily="50" charset="-128"/>
                 </a:rPr>
                 <a:t>不安</a:t>
               </a:r>
               <a:r>
-                <a:rPr lang="en-US" altLang="ja-JP" sz="1400" dirty="0" smtClean="0">
-                  <a:solidFill>
-                    <a:schemeClr val="tx1">
-                      <a:lumMod val="85000"/>
-                      <a:lumOff val="15000"/>
-                    </a:schemeClr>
-                  </a:solidFill>
-                  <a:latin typeface="源柔ゴシックX Bold" panose="020B0602020203020207" pitchFamily="50" charset="-128"/>
-                  <a:ea typeface="源柔ゴシックX Bold" panose="020B0602020203020207" pitchFamily="50" charset="-128"/>
+                <a:rPr lang="en-US" altLang="ja-JP" sz="1050" dirty="0" smtClean="0">
+                  <a:solidFill>
+                    <a:schemeClr val="tx1">
+                      <a:lumMod val="85000"/>
+                      <a:lumOff val="15000"/>
+                    </a:schemeClr>
+                  </a:solidFill>
+                  <a:latin typeface="源ノ角ゴシック JP Normal" panose="020B0400000000000000" pitchFamily="34" charset="-128"/>
+                  <a:ea typeface="源ノ角ゴシック JP Normal" panose="020B0400000000000000" pitchFamily="34" charset="-128"/>
                   <a:cs typeface="源柔ゴシックX Bold" panose="020B0602020203020207" pitchFamily="50" charset="-128"/>
                 </a:rPr>
                 <a:t>1</a:t>
               </a:r>
-              <a:endParaRPr lang="ja-JP" altLang="en-US" sz="1400" dirty="0" smtClean="0">
+              <a:endParaRPr lang="ja-JP" altLang="en-US" sz="1050" dirty="0" smtClean="0">
                 <a:solidFill>
                   <a:schemeClr val="tx1">
                     <a:lumMod val="85000"/>
                     <a:lumOff val="15000"/>
                   </a:schemeClr>
                 </a:solidFill>
-                <a:latin typeface="源柔ゴシックX Bold" panose="020B0602020203020207" pitchFamily="50" charset="-128"/>
-                <a:ea typeface="源柔ゴシックX Bold" panose="020B0602020203020207" pitchFamily="50" charset="-128"/>
+                <a:latin typeface="源ノ角ゴシック JP Normal" panose="020B0400000000000000" pitchFamily="34" charset="-128"/>
+                <a:ea typeface="源ノ角ゴシック JP Normal" panose="020B0400000000000000" pitchFamily="34" charset="-128"/>
                 <a:cs typeface="源柔ゴシックX Bold" panose="020B0602020203020207" pitchFamily="50" charset="-128"/>
               </a:endParaRPr>
             </a:p>
@@ -6606,10 +6606,10 @@
         </p:nvGrpSpPr>
         <p:grpSpPr>
           <a:xfrm>
-            <a:off x="1953106" y="2899159"/>
-            <a:ext cx="1469376" cy="1701795"/>
+            <a:off x="8961781" y="905325"/>
+            <a:ext cx="1184275" cy="1374287"/>
             <a:chOff x="2293000" y="1083059"/>
-            <a:chExt cx="1469376" cy="1701795"/>
+            <a:chExt cx="1469376" cy="1705131"/>
           </a:xfrm>
         </p:grpSpPr>
         <p:pic>
@@ -6650,8 +6650,8 @@
           </p:nvSpPr>
           <p:spPr>
             <a:xfrm>
-              <a:off x="2293000" y="2533059"/>
-              <a:ext cx="1469376" cy="251795"/>
+              <a:off x="2293000" y="2533058"/>
+              <a:ext cx="1469376" cy="255132"/>
             </a:xfrm>
             <a:prstGeom prst="rect">
               <a:avLst/>
@@ -6670,56 +6670,56 @@
             <a:p>
               <a:pPr algn="ctr"/>
               <a:r>
-                <a:rPr lang="en-US" altLang="ja-JP" sz="1400" dirty="0" smtClean="0">
-                  <a:solidFill>
-                    <a:schemeClr val="tx1">
-                      <a:lumMod val="85000"/>
-                      <a:lumOff val="15000"/>
-                    </a:schemeClr>
-                  </a:solidFill>
-                  <a:latin typeface="源柔ゴシックX Bold" panose="020B0602020203020207" pitchFamily="50" charset="-128"/>
-                  <a:ea typeface="源柔ゴシックX Bold" panose="020B0602020203020207" pitchFamily="50" charset="-128"/>
+                <a:rPr lang="en-US" altLang="ja-JP" sz="1050" dirty="0" smtClean="0">
+                  <a:solidFill>
+                    <a:schemeClr val="tx1">
+                      <a:lumMod val="85000"/>
+                      <a:lumOff val="15000"/>
+                    </a:schemeClr>
+                  </a:solidFill>
+                  <a:latin typeface="源ノ角ゴシック JP Normal" panose="020B0400000000000000" pitchFamily="34" charset="-128"/>
+                  <a:ea typeface="源ノ角ゴシック JP Normal" panose="020B0400000000000000" pitchFamily="34" charset="-128"/>
                   <a:cs typeface="源柔ゴシックX Bold" panose="020B0602020203020207" pitchFamily="50" charset="-128"/>
                 </a:rPr>
                 <a:t>08. </a:t>
               </a:r>
               <a:r>
-                <a:rPr lang="ja-JP" altLang="en-US" sz="1400" dirty="0" smtClean="0">
-                  <a:solidFill>
-                    <a:schemeClr val="tx1">
-                      <a:lumMod val="85000"/>
-                      <a:lumOff val="15000"/>
-                    </a:schemeClr>
-                  </a:solidFill>
-                  <a:latin typeface="源柔ゴシックX Bold" panose="020B0602020203020207" pitchFamily="50" charset="-128"/>
-                  <a:ea typeface="源柔ゴシックX Bold" panose="020B0602020203020207" pitchFamily="50" charset="-128"/>
+                <a:rPr lang="ja-JP" altLang="en-US" sz="1050" dirty="0" smtClean="0">
+                  <a:solidFill>
+                    <a:schemeClr val="tx1">
+                      <a:lumMod val="85000"/>
+                      <a:lumOff val="15000"/>
+                    </a:schemeClr>
+                  </a:solidFill>
+                  <a:latin typeface="源ノ角ゴシック JP Normal" panose="020B0400000000000000" pitchFamily="34" charset="-128"/>
+                  <a:ea typeface="源ノ角ゴシック JP Normal" panose="020B0400000000000000" pitchFamily="34" charset="-128"/>
                   <a:cs typeface="源柔ゴシックX Bold" panose="020B0602020203020207" pitchFamily="50" charset="-128"/>
                 </a:rPr>
                 <a:t>不安</a:t>
               </a:r>
               <a:r>
-                <a:rPr lang="en-US" altLang="ja-JP" sz="1400" dirty="0">
-                  <a:solidFill>
-                    <a:schemeClr val="tx1">
-                      <a:lumMod val="85000"/>
-                      <a:lumOff val="15000"/>
-                    </a:schemeClr>
-                  </a:solidFill>
-                  <a:latin typeface="源柔ゴシックX Bold" panose="020B0602020203020207" pitchFamily="50" charset="-128"/>
-                  <a:ea typeface="源柔ゴシックX Bold" panose="020B0602020203020207" pitchFamily="50" charset="-128"/>
+                <a:rPr lang="en-US" altLang="ja-JP" sz="1050" dirty="0">
+                  <a:solidFill>
+                    <a:schemeClr val="tx1">
+                      <a:lumMod val="85000"/>
+                      <a:lumOff val="15000"/>
+                    </a:schemeClr>
+                  </a:solidFill>
+                  <a:latin typeface="源ノ角ゴシック JP Normal" panose="020B0400000000000000" pitchFamily="34" charset="-128"/>
+                  <a:ea typeface="源ノ角ゴシック JP Normal" panose="020B0400000000000000" pitchFamily="34" charset="-128"/>
                   <a:cs typeface="源柔ゴシックX Bold" panose="020B0602020203020207" pitchFamily="50" charset="-128"/>
                 </a:rPr>
                 <a:t>2</a:t>
               </a:r>
-              <a:endParaRPr lang="ja-JP" altLang="en-US" sz="1400" dirty="0" smtClean="0">
+              <a:endParaRPr lang="ja-JP" altLang="en-US" sz="1050" dirty="0" smtClean="0">
                 <a:solidFill>
                   <a:schemeClr val="tx1">
                     <a:lumMod val="85000"/>
                     <a:lumOff val="15000"/>
                   </a:schemeClr>
                 </a:solidFill>
-                <a:latin typeface="源柔ゴシックX Bold" panose="020B0602020203020207" pitchFamily="50" charset="-128"/>
-                <a:ea typeface="源柔ゴシックX Bold" panose="020B0602020203020207" pitchFamily="50" charset="-128"/>
+                <a:latin typeface="源ノ角ゴシック JP Normal" panose="020B0400000000000000" pitchFamily="34" charset="-128"/>
+                <a:ea typeface="源ノ角ゴシック JP Normal" panose="020B0400000000000000" pitchFamily="34" charset="-128"/>
                 <a:cs typeface="源柔ゴシックX Bold" panose="020B0602020203020207" pitchFamily="50" charset="-128"/>
               </a:endParaRPr>
             </a:p>
@@ -6734,10 +6734,10 @@
         </p:nvGrpSpPr>
         <p:grpSpPr>
           <a:xfrm>
-            <a:off x="3623830" y="2899159"/>
-            <a:ext cx="1469376" cy="1701795"/>
+            <a:off x="189671" y="2425758"/>
+            <a:ext cx="1184275" cy="1374287"/>
             <a:chOff x="2293000" y="1083059"/>
-            <a:chExt cx="1469376" cy="1701795"/>
+            <a:chExt cx="1469376" cy="1705131"/>
           </a:xfrm>
         </p:grpSpPr>
         <p:pic>
@@ -6778,8 +6778,8 @@
           </p:nvSpPr>
           <p:spPr>
             <a:xfrm>
-              <a:off x="2293000" y="2533059"/>
-              <a:ext cx="1469376" cy="251795"/>
+              <a:off x="2293000" y="2533058"/>
+              <a:ext cx="1469376" cy="255132"/>
             </a:xfrm>
             <a:prstGeom prst="rect">
               <a:avLst/>
@@ -6798,56 +6798,56 @@
             <a:p>
               <a:pPr algn="ctr"/>
               <a:r>
-                <a:rPr lang="en-US" altLang="ja-JP" sz="1400" dirty="0" smtClean="0">
-                  <a:solidFill>
-                    <a:schemeClr val="tx1">
-                      <a:lumMod val="85000"/>
-                      <a:lumOff val="15000"/>
-                    </a:schemeClr>
-                  </a:solidFill>
-                  <a:latin typeface="源柔ゴシックX Bold" panose="020B0602020203020207" pitchFamily="50" charset="-128"/>
-                  <a:ea typeface="源柔ゴシックX Bold" panose="020B0602020203020207" pitchFamily="50" charset="-128"/>
+                <a:rPr lang="en-US" altLang="ja-JP" sz="1050" dirty="0" smtClean="0">
+                  <a:solidFill>
+                    <a:schemeClr val="tx1">
+                      <a:lumMod val="85000"/>
+                      <a:lumOff val="15000"/>
+                    </a:schemeClr>
+                  </a:solidFill>
+                  <a:latin typeface="源ノ角ゴシック JP Normal" panose="020B0400000000000000" pitchFamily="34" charset="-128"/>
+                  <a:ea typeface="源ノ角ゴシック JP Normal" panose="020B0400000000000000" pitchFamily="34" charset="-128"/>
                   <a:cs typeface="源柔ゴシックX Bold" panose="020B0602020203020207" pitchFamily="50" charset="-128"/>
                 </a:rPr>
                 <a:t>09. </a:t>
               </a:r>
               <a:r>
-                <a:rPr lang="ja-JP" altLang="en-US" sz="1400" dirty="0" smtClean="0">
-                  <a:solidFill>
-                    <a:schemeClr val="tx1">
-                      <a:lumMod val="85000"/>
-                      <a:lumOff val="15000"/>
-                    </a:schemeClr>
-                  </a:solidFill>
-                  <a:latin typeface="源柔ゴシックX Bold" panose="020B0602020203020207" pitchFamily="50" charset="-128"/>
-                  <a:ea typeface="源柔ゴシックX Bold" panose="020B0602020203020207" pitchFamily="50" charset="-128"/>
+                <a:rPr lang="ja-JP" altLang="en-US" sz="1050" dirty="0" smtClean="0">
+                  <a:solidFill>
+                    <a:schemeClr val="tx1">
+                      <a:lumMod val="85000"/>
+                      <a:lumOff val="15000"/>
+                    </a:schemeClr>
+                  </a:solidFill>
+                  <a:latin typeface="源ノ角ゴシック JP Normal" panose="020B0400000000000000" pitchFamily="34" charset="-128"/>
+                  <a:ea typeface="源ノ角ゴシック JP Normal" panose="020B0400000000000000" pitchFamily="34" charset="-128"/>
                   <a:cs typeface="源柔ゴシックX Bold" panose="020B0602020203020207" pitchFamily="50" charset="-128"/>
                 </a:rPr>
                 <a:t>不安</a:t>
               </a:r>
               <a:r>
-                <a:rPr lang="en-US" altLang="ja-JP" sz="1400" dirty="0" smtClean="0">
-                  <a:solidFill>
-                    <a:schemeClr val="tx1">
-                      <a:lumMod val="85000"/>
-                      <a:lumOff val="15000"/>
-                    </a:schemeClr>
-                  </a:solidFill>
-                  <a:latin typeface="源柔ゴシックX Bold" panose="020B0602020203020207" pitchFamily="50" charset="-128"/>
-                  <a:ea typeface="源柔ゴシックX Bold" panose="020B0602020203020207" pitchFamily="50" charset="-128"/>
+                <a:rPr lang="en-US" altLang="ja-JP" sz="1050" dirty="0" smtClean="0">
+                  <a:solidFill>
+                    <a:schemeClr val="tx1">
+                      <a:lumMod val="85000"/>
+                      <a:lumOff val="15000"/>
+                    </a:schemeClr>
+                  </a:solidFill>
+                  <a:latin typeface="源ノ角ゴシック JP Normal" panose="020B0400000000000000" pitchFamily="34" charset="-128"/>
+                  <a:ea typeface="源ノ角ゴシック JP Normal" panose="020B0400000000000000" pitchFamily="34" charset="-128"/>
                   <a:cs typeface="源柔ゴシックX Bold" panose="020B0602020203020207" pitchFamily="50" charset="-128"/>
                 </a:rPr>
                 <a:t>3</a:t>
               </a:r>
-              <a:endParaRPr lang="ja-JP" altLang="en-US" sz="1400" dirty="0" smtClean="0">
+              <a:endParaRPr lang="ja-JP" altLang="en-US" sz="1050" dirty="0" smtClean="0">
                 <a:solidFill>
                   <a:schemeClr val="tx1">
                     <a:lumMod val="85000"/>
                     <a:lumOff val="15000"/>
                   </a:schemeClr>
                 </a:solidFill>
-                <a:latin typeface="源柔ゴシックX Bold" panose="020B0602020203020207" pitchFamily="50" charset="-128"/>
-                <a:ea typeface="源柔ゴシックX Bold" panose="020B0602020203020207" pitchFamily="50" charset="-128"/>
+                <a:latin typeface="源ノ角ゴシック JP Normal" panose="020B0400000000000000" pitchFamily="34" charset="-128"/>
+                <a:ea typeface="源ノ角ゴシック JP Normal" panose="020B0400000000000000" pitchFamily="34" charset="-128"/>
                 <a:cs typeface="源柔ゴシックX Bold" panose="020B0602020203020207" pitchFamily="50" charset="-128"/>
               </a:endParaRPr>
             </a:p>
@@ -6862,10 +6862,10 @@
         </p:nvGrpSpPr>
         <p:grpSpPr>
           <a:xfrm>
-            <a:off x="5294554" y="2899159"/>
-            <a:ext cx="1469376" cy="1701795"/>
+            <a:off x="1442830" y="2425758"/>
+            <a:ext cx="1184275" cy="1374287"/>
             <a:chOff x="2293000" y="1083059"/>
-            <a:chExt cx="1469376" cy="1701795"/>
+            <a:chExt cx="1469376" cy="1705131"/>
           </a:xfrm>
         </p:grpSpPr>
         <p:pic>
@@ -6906,8 +6906,8 @@
           </p:nvSpPr>
           <p:spPr>
             <a:xfrm>
-              <a:off x="2293000" y="2533059"/>
-              <a:ext cx="1469376" cy="251795"/>
+              <a:off x="2293000" y="2533058"/>
+              <a:ext cx="1469376" cy="255132"/>
             </a:xfrm>
             <a:prstGeom prst="rect">
               <a:avLst/>
@@ -6926,84 +6926,84 @@
             <a:p>
               <a:pPr algn="ctr"/>
               <a:r>
-                <a:rPr lang="en-US" altLang="ja-JP" sz="1400" dirty="0" smtClean="0">
-                  <a:solidFill>
-                    <a:schemeClr val="tx1">
-                      <a:lumMod val="85000"/>
-                      <a:lumOff val="15000"/>
-                    </a:schemeClr>
-                  </a:solidFill>
-                  <a:latin typeface="源柔ゴシックX Bold" panose="020B0602020203020207" pitchFamily="50" charset="-128"/>
-                  <a:ea typeface="源柔ゴシックX Bold" panose="020B0602020203020207" pitchFamily="50" charset="-128"/>
+                <a:rPr lang="en-US" altLang="ja-JP" sz="1050" dirty="0" smtClean="0">
+                  <a:solidFill>
+                    <a:schemeClr val="tx1">
+                      <a:lumMod val="85000"/>
+                      <a:lumOff val="15000"/>
+                    </a:schemeClr>
+                  </a:solidFill>
+                  <a:latin typeface="源ノ角ゴシック JP Normal" panose="020B0400000000000000" pitchFamily="34" charset="-128"/>
+                  <a:ea typeface="源ノ角ゴシック JP Normal" panose="020B0400000000000000" pitchFamily="34" charset="-128"/>
                   <a:cs typeface="源柔ゴシックX Bold" panose="020B0602020203020207" pitchFamily="50" charset="-128"/>
                 </a:rPr>
                 <a:t>10. </a:t>
               </a:r>
               <a:r>
-                <a:rPr lang="ja-JP" altLang="en-US" sz="1400" dirty="0" smtClean="0">
-                  <a:solidFill>
-                    <a:schemeClr val="tx1">
-                      <a:lumMod val="85000"/>
-                      <a:lumOff val="15000"/>
-                    </a:schemeClr>
-                  </a:solidFill>
-                  <a:latin typeface="源柔ゴシックX Bold" panose="020B0602020203020207" pitchFamily="50" charset="-128"/>
-                  <a:ea typeface="源柔ゴシックX Bold" panose="020B0602020203020207" pitchFamily="50" charset="-128"/>
+                <a:rPr lang="ja-JP" altLang="en-US" sz="1050" dirty="0" smtClean="0">
+                  <a:solidFill>
+                    <a:schemeClr val="tx1">
+                      <a:lumMod val="85000"/>
+                      <a:lumOff val="15000"/>
+                    </a:schemeClr>
+                  </a:solidFill>
+                  <a:latin typeface="源ノ角ゴシック JP Normal" panose="020B0400000000000000" pitchFamily="34" charset="-128"/>
+                  <a:ea typeface="源ノ角ゴシック JP Normal" panose="020B0400000000000000" pitchFamily="34" charset="-128"/>
                   <a:cs typeface="源柔ゴシックX Bold" panose="020B0602020203020207" pitchFamily="50" charset="-128"/>
                 </a:rPr>
                 <a:t>不安</a:t>
               </a:r>
               <a:r>
-                <a:rPr lang="en-US" altLang="ja-JP" sz="1400" dirty="0" smtClean="0">
-                  <a:solidFill>
-                    <a:schemeClr val="tx1">
-                      <a:lumMod val="85000"/>
-                      <a:lumOff val="15000"/>
-                    </a:schemeClr>
-                  </a:solidFill>
-                  <a:latin typeface="源柔ゴシックX Bold" panose="020B0602020203020207" pitchFamily="50" charset="-128"/>
-                  <a:ea typeface="源柔ゴシックX Bold" panose="020B0602020203020207" pitchFamily="50" charset="-128"/>
+                <a:rPr lang="en-US" altLang="ja-JP" sz="1050" dirty="0" smtClean="0">
+                  <a:solidFill>
+                    <a:schemeClr val="tx1">
+                      <a:lumMod val="85000"/>
+                      <a:lumOff val="15000"/>
+                    </a:schemeClr>
+                  </a:solidFill>
+                  <a:latin typeface="源ノ角ゴシック JP Normal" panose="020B0400000000000000" pitchFamily="34" charset="-128"/>
+                  <a:ea typeface="源ノ角ゴシック JP Normal" panose="020B0400000000000000" pitchFamily="34" charset="-128"/>
                   <a:cs typeface="源柔ゴシックX Bold" panose="020B0602020203020207" pitchFamily="50" charset="-128"/>
                 </a:rPr>
                 <a:t>(</a:t>
               </a:r>
               <a:r>
-                <a:rPr lang="ja-JP" altLang="en-US" sz="1400" dirty="0" smtClean="0">
-                  <a:solidFill>
-                    <a:schemeClr val="tx1">
-                      <a:lumMod val="85000"/>
-                      <a:lumOff val="15000"/>
-                    </a:schemeClr>
-                  </a:solidFill>
-                  <a:latin typeface="源柔ゴシックX Bold" panose="020B0602020203020207" pitchFamily="50" charset="-128"/>
-                  <a:ea typeface="源柔ゴシックX Bold" panose="020B0602020203020207" pitchFamily="50" charset="-128"/>
+                <a:rPr lang="ja-JP" altLang="en-US" sz="1050" dirty="0" smtClean="0">
+                  <a:solidFill>
+                    <a:schemeClr val="tx1">
+                      <a:lumMod val="85000"/>
+                      <a:lumOff val="15000"/>
+                    </a:schemeClr>
+                  </a:solidFill>
+                  <a:latin typeface="源ノ角ゴシック JP Normal" panose="020B0400000000000000" pitchFamily="34" charset="-128"/>
+                  <a:ea typeface="源ノ角ゴシック JP Normal" panose="020B0400000000000000" pitchFamily="34" charset="-128"/>
                   <a:cs typeface="源柔ゴシックX Bold" panose="020B0602020203020207" pitchFamily="50" charset="-128"/>
                 </a:rPr>
                 <a:t>大</a:t>
               </a:r>
               <a:r>
-                <a:rPr lang="en-US" altLang="ja-JP" sz="1400" dirty="0" smtClean="0">
-                  <a:solidFill>
-                    <a:schemeClr val="tx1">
-                      <a:lumMod val="85000"/>
-                      <a:lumOff val="15000"/>
-                    </a:schemeClr>
-                  </a:solidFill>
-                  <a:latin typeface="源柔ゴシックX Bold" panose="020B0602020203020207" pitchFamily="50" charset="-128"/>
-                  <a:ea typeface="源柔ゴシックX Bold" panose="020B0602020203020207" pitchFamily="50" charset="-128"/>
+                <a:rPr lang="en-US" altLang="ja-JP" sz="1050" dirty="0" smtClean="0">
+                  <a:solidFill>
+                    <a:schemeClr val="tx1">
+                      <a:lumMod val="85000"/>
+                      <a:lumOff val="15000"/>
+                    </a:schemeClr>
+                  </a:solidFill>
+                  <a:latin typeface="源ノ角ゴシック JP Normal" panose="020B0400000000000000" pitchFamily="34" charset="-128"/>
+                  <a:ea typeface="源ノ角ゴシック JP Normal" panose="020B0400000000000000" pitchFamily="34" charset="-128"/>
                   <a:cs typeface="源柔ゴシックX Bold" panose="020B0602020203020207" pitchFamily="50" charset="-128"/>
                 </a:rPr>
                 <a:t>)</a:t>
               </a:r>
-              <a:endParaRPr lang="ja-JP" altLang="en-US" sz="1400" dirty="0" smtClean="0">
+              <a:endParaRPr lang="ja-JP" altLang="en-US" sz="1050" dirty="0" smtClean="0">
                 <a:solidFill>
                   <a:schemeClr val="tx1">
                     <a:lumMod val="85000"/>
                     <a:lumOff val="15000"/>
                   </a:schemeClr>
                 </a:solidFill>
-                <a:latin typeface="源柔ゴシックX Bold" panose="020B0602020203020207" pitchFamily="50" charset="-128"/>
-                <a:ea typeface="源柔ゴシックX Bold" panose="020B0602020203020207" pitchFamily="50" charset="-128"/>
+                <a:latin typeface="源ノ角ゴシック JP Normal" panose="020B0400000000000000" pitchFamily="34" charset="-128"/>
+                <a:ea typeface="源ノ角ゴシック JP Normal" panose="020B0400000000000000" pitchFamily="34" charset="-128"/>
                 <a:cs typeface="源柔ゴシックX Bold" panose="020B0602020203020207" pitchFamily="50" charset="-128"/>
               </a:endParaRPr>
             </a:p>
@@ -7018,10 +7018,10 @@
         </p:nvGrpSpPr>
         <p:grpSpPr>
           <a:xfrm>
-            <a:off x="6965278" y="2899159"/>
-            <a:ext cx="1469376" cy="1701795"/>
+            <a:off x="2695989" y="2425758"/>
+            <a:ext cx="1184275" cy="1374287"/>
             <a:chOff x="2293000" y="1083059"/>
-            <a:chExt cx="1469376" cy="1701795"/>
+            <a:chExt cx="1469376" cy="1705131"/>
           </a:xfrm>
         </p:grpSpPr>
         <p:pic>
@@ -7062,8 +7062,8 @@
           </p:nvSpPr>
           <p:spPr>
             <a:xfrm>
-              <a:off x="2293000" y="2533059"/>
-              <a:ext cx="1469376" cy="251795"/>
+              <a:off x="2293000" y="2533058"/>
+              <a:ext cx="1469376" cy="255132"/>
             </a:xfrm>
             <a:prstGeom prst="rect">
               <a:avLst/>
@@ -7082,56 +7082,56 @@
             <a:p>
               <a:pPr algn="ctr"/>
               <a:r>
-                <a:rPr lang="en-US" altLang="ja-JP" sz="1400" dirty="0" smtClean="0">
-                  <a:solidFill>
-                    <a:schemeClr val="tx1">
-                      <a:lumMod val="85000"/>
-                      <a:lumOff val="15000"/>
-                    </a:schemeClr>
-                  </a:solidFill>
-                  <a:latin typeface="源柔ゴシックX Bold" panose="020B0602020203020207" pitchFamily="50" charset="-128"/>
-                  <a:ea typeface="源柔ゴシックX Bold" panose="020B0602020203020207" pitchFamily="50" charset="-128"/>
+                <a:rPr lang="en-US" altLang="ja-JP" sz="1050" dirty="0" smtClean="0">
+                  <a:solidFill>
+                    <a:schemeClr val="tx1">
+                      <a:lumMod val="85000"/>
+                      <a:lumOff val="15000"/>
+                    </a:schemeClr>
+                  </a:solidFill>
+                  <a:latin typeface="源ノ角ゴシック JP Normal" panose="020B0400000000000000" pitchFamily="34" charset="-128"/>
+                  <a:ea typeface="源ノ角ゴシック JP Normal" panose="020B0400000000000000" pitchFamily="34" charset="-128"/>
                   <a:cs typeface="源柔ゴシックX Bold" panose="020B0602020203020207" pitchFamily="50" charset="-128"/>
                 </a:rPr>
                 <a:t>11. </a:t>
               </a:r>
               <a:r>
-                <a:rPr lang="ja-JP" altLang="en-US" sz="1400" dirty="0" smtClean="0">
-                  <a:solidFill>
-                    <a:schemeClr val="tx1">
-                      <a:lumMod val="85000"/>
-                      <a:lumOff val="15000"/>
-                    </a:schemeClr>
-                  </a:solidFill>
-                  <a:latin typeface="源柔ゴシックX Bold" panose="020B0602020203020207" pitchFamily="50" charset="-128"/>
-                  <a:ea typeface="源柔ゴシックX Bold" panose="020B0602020203020207" pitchFamily="50" charset="-128"/>
+                <a:rPr lang="ja-JP" altLang="en-US" sz="1050" dirty="0" smtClean="0">
+                  <a:solidFill>
+                    <a:schemeClr val="tx1">
+                      <a:lumMod val="85000"/>
+                      <a:lumOff val="15000"/>
+                    </a:schemeClr>
+                  </a:solidFill>
+                  <a:latin typeface="源ノ角ゴシック JP Normal" panose="020B0400000000000000" pitchFamily="34" charset="-128"/>
+                  <a:ea typeface="源ノ角ゴシック JP Normal" panose="020B0400000000000000" pitchFamily="34" charset="-128"/>
                   <a:cs typeface="源柔ゴシックX Bold" panose="020B0602020203020207" pitchFamily="50" charset="-128"/>
                 </a:rPr>
                 <a:t>怒り</a:t>
               </a:r>
               <a:r>
-                <a:rPr lang="en-US" altLang="ja-JP" sz="1400" dirty="0" smtClean="0">
-                  <a:solidFill>
-                    <a:schemeClr val="tx1">
-                      <a:lumMod val="85000"/>
-                      <a:lumOff val="15000"/>
-                    </a:schemeClr>
-                  </a:solidFill>
-                  <a:latin typeface="源柔ゴシックX Bold" panose="020B0602020203020207" pitchFamily="50" charset="-128"/>
-                  <a:ea typeface="源柔ゴシックX Bold" panose="020B0602020203020207" pitchFamily="50" charset="-128"/>
+                <a:rPr lang="en-US" altLang="ja-JP" sz="1050" dirty="0" smtClean="0">
+                  <a:solidFill>
+                    <a:schemeClr val="tx1">
+                      <a:lumMod val="85000"/>
+                      <a:lumOff val="15000"/>
+                    </a:schemeClr>
+                  </a:solidFill>
+                  <a:latin typeface="源ノ角ゴシック JP Normal" panose="020B0400000000000000" pitchFamily="34" charset="-128"/>
+                  <a:ea typeface="源ノ角ゴシック JP Normal" panose="020B0400000000000000" pitchFamily="34" charset="-128"/>
                   <a:cs typeface="源柔ゴシックX Bold" panose="020B0602020203020207" pitchFamily="50" charset="-128"/>
                 </a:rPr>
                 <a:t>1</a:t>
               </a:r>
-              <a:endParaRPr lang="ja-JP" altLang="en-US" sz="1400" dirty="0" smtClean="0">
+              <a:endParaRPr lang="ja-JP" altLang="en-US" sz="1050" dirty="0" smtClean="0">
                 <a:solidFill>
                   <a:schemeClr val="tx1">
                     <a:lumMod val="85000"/>
                     <a:lumOff val="15000"/>
                   </a:schemeClr>
                 </a:solidFill>
-                <a:latin typeface="源柔ゴシックX Bold" panose="020B0602020203020207" pitchFamily="50" charset="-128"/>
-                <a:ea typeface="源柔ゴシックX Bold" panose="020B0602020203020207" pitchFamily="50" charset="-128"/>
+                <a:latin typeface="源ノ角ゴシック JP Normal" panose="020B0400000000000000" pitchFamily="34" charset="-128"/>
+                <a:ea typeface="源ノ角ゴシック JP Normal" panose="020B0400000000000000" pitchFamily="34" charset="-128"/>
                 <a:cs typeface="源柔ゴシックX Bold" panose="020B0602020203020207" pitchFamily="50" charset="-128"/>
               </a:endParaRPr>
             </a:p>
@@ -7146,10 +7146,10 @@
         </p:nvGrpSpPr>
         <p:grpSpPr>
           <a:xfrm>
-            <a:off x="8636000" y="2899159"/>
-            <a:ext cx="1469376" cy="1701795"/>
+            <a:off x="3949148" y="2425758"/>
+            <a:ext cx="1184275" cy="1374287"/>
             <a:chOff x="2293000" y="1083059"/>
-            <a:chExt cx="1469376" cy="1701795"/>
+            <a:chExt cx="1469376" cy="1705131"/>
           </a:xfrm>
         </p:grpSpPr>
         <p:pic>
@@ -7190,8 +7190,8 @@
           </p:nvSpPr>
           <p:spPr>
             <a:xfrm>
-              <a:off x="2293000" y="2533059"/>
-              <a:ext cx="1469376" cy="251795"/>
+              <a:off x="2293000" y="2533058"/>
+              <a:ext cx="1469376" cy="255132"/>
             </a:xfrm>
             <a:prstGeom prst="rect">
               <a:avLst/>
@@ -7210,56 +7210,56 @@
             <a:p>
               <a:pPr algn="ctr"/>
               <a:r>
-                <a:rPr lang="en-US" altLang="ja-JP" sz="1400" dirty="0" smtClean="0">
-                  <a:solidFill>
-                    <a:schemeClr val="tx1">
-                      <a:lumMod val="85000"/>
-                      <a:lumOff val="15000"/>
-                    </a:schemeClr>
-                  </a:solidFill>
-                  <a:latin typeface="源柔ゴシックX Bold" panose="020B0602020203020207" pitchFamily="50" charset="-128"/>
-                  <a:ea typeface="源柔ゴシックX Bold" panose="020B0602020203020207" pitchFamily="50" charset="-128"/>
+                <a:rPr lang="en-US" altLang="ja-JP" sz="1050" dirty="0" smtClean="0">
+                  <a:solidFill>
+                    <a:schemeClr val="tx1">
+                      <a:lumMod val="85000"/>
+                      <a:lumOff val="15000"/>
+                    </a:schemeClr>
+                  </a:solidFill>
+                  <a:latin typeface="源ノ角ゴシック JP Normal" panose="020B0400000000000000" pitchFamily="34" charset="-128"/>
+                  <a:ea typeface="源ノ角ゴシック JP Normal" panose="020B0400000000000000" pitchFamily="34" charset="-128"/>
                   <a:cs typeface="源柔ゴシックX Bold" panose="020B0602020203020207" pitchFamily="50" charset="-128"/>
                 </a:rPr>
                 <a:t>12. </a:t>
               </a:r>
               <a:r>
-                <a:rPr lang="ja-JP" altLang="en-US" sz="1400" dirty="0" smtClean="0">
-                  <a:solidFill>
-                    <a:schemeClr val="tx1">
-                      <a:lumMod val="85000"/>
-                      <a:lumOff val="15000"/>
-                    </a:schemeClr>
-                  </a:solidFill>
-                  <a:latin typeface="源柔ゴシックX Bold" panose="020B0602020203020207" pitchFamily="50" charset="-128"/>
-                  <a:ea typeface="源柔ゴシックX Bold" panose="020B0602020203020207" pitchFamily="50" charset="-128"/>
+                <a:rPr lang="ja-JP" altLang="en-US" sz="1050" dirty="0" smtClean="0">
+                  <a:solidFill>
+                    <a:schemeClr val="tx1">
+                      <a:lumMod val="85000"/>
+                      <a:lumOff val="15000"/>
+                    </a:schemeClr>
+                  </a:solidFill>
+                  <a:latin typeface="源ノ角ゴシック JP Normal" panose="020B0400000000000000" pitchFamily="34" charset="-128"/>
+                  <a:ea typeface="源ノ角ゴシック JP Normal" panose="020B0400000000000000" pitchFamily="34" charset="-128"/>
                   <a:cs typeface="源柔ゴシックX Bold" panose="020B0602020203020207" pitchFamily="50" charset="-128"/>
                 </a:rPr>
                 <a:t>怒り</a:t>
               </a:r>
               <a:r>
-                <a:rPr lang="en-US" altLang="ja-JP" sz="1400" dirty="0" smtClean="0">
-                  <a:solidFill>
-                    <a:schemeClr val="tx1">
-                      <a:lumMod val="85000"/>
-                      <a:lumOff val="15000"/>
-                    </a:schemeClr>
-                  </a:solidFill>
-                  <a:latin typeface="源柔ゴシックX Bold" panose="020B0602020203020207" pitchFamily="50" charset="-128"/>
-                  <a:ea typeface="源柔ゴシックX Bold" panose="020B0602020203020207" pitchFamily="50" charset="-128"/>
+                <a:rPr lang="en-US" altLang="ja-JP" sz="1050" dirty="0" smtClean="0">
+                  <a:solidFill>
+                    <a:schemeClr val="tx1">
+                      <a:lumMod val="85000"/>
+                      <a:lumOff val="15000"/>
+                    </a:schemeClr>
+                  </a:solidFill>
+                  <a:latin typeface="源ノ角ゴシック JP Normal" panose="020B0400000000000000" pitchFamily="34" charset="-128"/>
+                  <a:ea typeface="源ノ角ゴシック JP Normal" panose="020B0400000000000000" pitchFamily="34" charset="-128"/>
                   <a:cs typeface="源柔ゴシックX Bold" panose="020B0602020203020207" pitchFamily="50" charset="-128"/>
                 </a:rPr>
                 <a:t>2</a:t>
               </a:r>
-              <a:endParaRPr lang="ja-JP" altLang="en-US" sz="1400" dirty="0" smtClean="0">
+              <a:endParaRPr lang="ja-JP" altLang="en-US" sz="1050" dirty="0" smtClean="0">
                 <a:solidFill>
                   <a:schemeClr val="tx1">
                     <a:lumMod val="85000"/>
                     <a:lumOff val="15000"/>
                   </a:schemeClr>
                 </a:solidFill>
-                <a:latin typeface="源柔ゴシックX Bold" panose="020B0602020203020207" pitchFamily="50" charset="-128"/>
-                <a:ea typeface="源柔ゴシックX Bold" panose="020B0602020203020207" pitchFamily="50" charset="-128"/>
+                <a:latin typeface="源ノ角ゴシック JP Normal" panose="020B0400000000000000" pitchFamily="34" charset="-128"/>
+                <a:ea typeface="源ノ角ゴシック JP Normal" panose="020B0400000000000000" pitchFamily="34" charset="-128"/>
                 <a:cs typeface="源柔ゴシックX Bold" panose="020B0602020203020207" pitchFamily="50" charset="-128"/>
               </a:endParaRPr>
             </a:p>
@@ -7274,10 +7274,10 @@
         </p:nvGrpSpPr>
         <p:grpSpPr>
           <a:xfrm>
-            <a:off x="282382" y="4891622"/>
-            <a:ext cx="1469376" cy="1701795"/>
+            <a:off x="5202307" y="2425758"/>
+            <a:ext cx="1184275" cy="1374287"/>
             <a:chOff x="578500" y="1083059"/>
-            <a:chExt cx="1469376" cy="1701795"/>
+            <a:chExt cx="1469376" cy="1705131"/>
           </a:xfrm>
         </p:grpSpPr>
         <p:pic>
@@ -7318,8 +7318,8 @@
           </p:nvSpPr>
           <p:spPr>
             <a:xfrm>
-              <a:off x="578500" y="2533059"/>
-              <a:ext cx="1469376" cy="251795"/>
+              <a:off x="578500" y="2533058"/>
+              <a:ext cx="1469376" cy="255132"/>
             </a:xfrm>
             <a:prstGeom prst="rect">
               <a:avLst/>
@@ -7338,84 +7338,84 @@
             <a:p>
               <a:pPr algn="ctr"/>
               <a:r>
-                <a:rPr lang="en-US" altLang="ja-JP" sz="1400" dirty="0" smtClean="0">
-                  <a:solidFill>
-                    <a:schemeClr val="tx1">
-                      <a:lumMod val="85000"/>
-                      <a:lumOff val="15000"/>
-                    </a:schemeClr>
-                  </a:solidFill>
-                  <a:latin typeface="源柔ゴシックX Bold" panose="020B0602020203020207" pitchFamily="50" charset="-128"/>
-                  <a:ea typeface="源柔ゴシックX Bold" panose="020B0602020203020207" pitchFamily="50" charset="-128"/>
+                <a:rPr lang="en-US" altLang="ja-JP" sz="1050" dirty="0" smtClean="0">
+                  <a:solidFill>
+                    <a:schemeClr val="tx1">
+                      <a:lumMod val="85000"/>
+                      <a:lumOff val="15000"/>
+                    </a:schemeClr>
+                  </a:solidFill>
+                  <a:latin typeface="源ノ角ゴシック JP Normal" panose="020B0400000000000000" pitchFamily="34" charset="-128"/>
+                  <a:ea typeface="源ノ角ゴシック JP Normal" panose="020B0400000000000000" pitchFamily="34" charset="-128"/>
                   <a:cs typeface="源柔ゴシックX Bold" panose="020B0602020203020207" pitchFamily="50" charset="-128"/>
                 </a:rPr>
                 <a:t>13. </a:t>
               </a:r>
               <a:r>
-                <a:rPr lang="ja-JP" altLang="en-US" sz="1400" dirty="0" smtClean="0">
-                  <a:solidFill>
-                    <a:schemeClr val="tx1">
-                      <a:lumMod val="85000"/>
-                      <a:lumOff val="15000"/>
-                    </a:schemeClr>
-                  </a:solidFill>
-                  <a:latin typeface="源柔ゴシックX Bold" panose="020B0602020203020207" pitchFamily="50" charset="-128"/>
-                  <a:ea typeface="源柔ゴシックX Bold" panose="020B0602020203020207" pitchFamily="50" charset="-128"/>
+                <a:rPr lang="ja-JP" altLang="en-US" sz="1050" dirty="0" smtClean="0">
+                  <a:solidFill>
+                    <a:schemeClr val="tx1">
+                      <a:lumMod val="85000"/>
+                      <a:lumOff val="15000"/>
+                    </a:schemeClr>
+                  </a:solidFill>
+                  <a:latin typeface="源ノ角ゴシック JP Normal" panose="020B0400000000000000" pitchFamily="34" charset="-128"/>
+                  <a:ea typeface="源ノ角ゴシック JP Normal" panose="020B0400000000000000" pitchFamily="34" charset="-128"/>
                   <a:cs typeface="源柔ゴシックX Bold" panose="020B0602020203020207" pitchFamily="50" charset="-128"/>
                 </a:rPr>
                 <a:t>怒り</a:t>
               </a:r>
               <a:r>
-                <a:rPr lang="en-US" altLang="ja-JP" sz="1400" dirty="0" smtClean="0">
-                  <a:solidFill>
-                    <a:schemeClr val="tx1">
-                      <a:lumMod val="85000"/>
-                      <a:lumOff val="15000"/>
-                    </a:schemeClr>
-                  </a:solidFill>
-                  <a:latin typeface="源柔ゴシックX Bold" panose="020B0602020203020207" pitchFamily="50" charset="-128"/>
-                  <a:ea typeface="源柔ゴシックX Bold" panose="020B0602020203020207" pitchFamily="50" charset="-128"/>
+                <a:rPr lang="en-US" altLang="ja-JP" sz="1050" dirty="0" smtClean="0">
+                  <a:solidFill>
+                    <a:schemeClr val="tx1">
+                      <a:lumMod val="85000"/>
+                      <a:lumOff val="15000"/>
+                    </a:schemeClr>
+                  </a:solidFill>
+                  <a:latin typeface="源ノ角ゴシック JP Normal" panose="020B0400000000000000" pitchFamily="34" charset="-128"/>
+                  <a:ea typeface="源ノ角ゴシック JP Normal" panose="020B0400000000000000" pitchFamily="34" charset="-128"/>
                   <a:cs typeface="源柔ゴシックX Bold" panose="020B0602020203020207" pitchFamily="50" charset="-128"/>
                 </a:rPr>
                 <a:t>(</a:t>
               </a:r>
               <a:r>
-                <a:rPr lang="ja-JP" altLang="en-US" sz="1400" dirty="0" smtClean="0">
-                  <a:solidFill>
-                    <a:schemeClr val="tx1">
-                      <a:lumMod val="85000"/>
-                      <a:lumOff val="15000"/>
-                    </a:schemeClr>
-                  </a:solidFill>
-                  <a:latin typeface="源柔ゴシックX Bold" panose="020B0602020203020207" pitchFamily="50" charset="-128"/>
-                  <a:ea typeface="源柔ゴシックX Bold" panose="020B0602020203020207" pitchFamily="50" charset="-128"/>
+                <a:rPr lang="ja-JP" altLang="en-US" sz="1050" dirty="0" smtClean="0">
+                  <a:solidFill>
+                    <a:schemeClr val="tx1">
+                      <a:lumMod val="85000"/>
+                      <a:lumOff val="15000"/>
+                    </a:schemeClr>
+                  </a:solidFill>
+                  <a:latin typeface="源ノ角ゴシック JP Normal" panose="020B0400000000000000" pitchFamily="34" charset="-128"/>
+                  <a:ea typeface="源ノ角ゴシック JP Normal" panose="020B0400000000000000" pitchFamily="34" charset="-128"/>
                   <a:cs typeface="源柔ゴシックX Bold" panose="020B0602020203020207" pitchFamily="50" charset="-128"/>
                 </a:rPr>
                 <a:t>大</a:t>
               </a:r>
               <a:r>
-                <a:rPr lang="en-US" altLang="ja-JP" sz="1400" dirty="0" smtClean="0">
-                  <a:solidFill>
-                    <a:schemeClr val="tx1">
-                      <a:lumMod val="85000"/>
-                      <a:lumOff val="15000"/>
-                    </a:schemeClr>
-                  </a:solidFill>
-                  <a:latin typeface="源柔ゴシックX Bold" panose="020B0602020203020207" pitchFamily="50" charset="-128"/>
-                  <a:ea typeface="源柔ゴシックX Bold" panose="020B0602020203020207" pitchFamily="50" charset="-128"/>
+                <a:rPr lang="en-US" altLang="ja-JP" sz="1050" dirty="0" smtClean="0">
+                  <a:solidFill>
+                    <a:schemeClr val="tx1">
+                      <a:lumMod val="85000"/>
+                      <a:lumOff val="15000"/>
+                    </a:schemeClr>
+                  </a:solidFill>
+                  <a:latin typeface="源ノ角ゴシック JP Normal" panose="020B0400000000000000" pitchFamily="34" charset="-128"/>
+                  <a:ea typeface="源ノ角ゴシック JP Normal" panose="020B0400000000000000" pitchFamily="34" charset="-128"/>
                   <a:cs typeface="源柔ゴシックX Bold" panose="020B0602020203020207" pitchFamily="50" charset="-128"/>
                 </a:rPr>
                 <a:t>)</a:t>
               </a:r>
-              <a:endParaRPr lang="ja-JP" altLang="en-US" sz="1400" dirty="0" smtClean="0">
+              <a:endParaRPr lang="ja-JP" altLang="en-US" sz="1050" dirty="0" smtClean="0">
                 <a:solidFill>
                   <a:schemeClr val="tx1">
                     <a:lumMod val="85000"/>
                     <a:lumOff val="15000"/>
                   </a:schemeClr>
                 </a:solidFill>
-                <a:latin typeface="源柔ゴシックX Bold" panose="020B0602020203020207" pitchFamily="50" charset="-128"/>
-                <a:ea typeface="源柔ゴシックX Bold" panose="020B0602020203020207" pitchFamily="50" charset="-128"/>
+                <a:latin typeface="源ノ角ゴシック JP Normal" panose="020B0400000000000000" pitchFamily="34" charset="-128"/>
+                <a:ea typeface="源ノ角ゴシック JP Normal" panose="020B0400000000000000" pitchFamily="34" charset="-128"/>
                 <a:cs typeface="源柔ゴシックX Bold" panose="020B0602020203020207" pitchFamily="50" charset="-128"/>
               </a:endParaRPr>
             </a:p>
@@ -7430,10 +7430,10 @@
         </p:nvGrpSpPr>
         <p:grpSpPr>
           <a:xfrm>
-            <a:off x="1953106" y="4891622"/>
-            <a:ext cx="1469376" cy="1701795"/>
+            <a:off x="6455466" y="2425758"/>
+            <a:ext cx="1184275" cy="1374287"/>
             <a:chOff x="2293000" y="1083059"/>
-            <a:chExt cx="1469376" cy="1701795"/>
+            <a:chExt cx="1469376" cy="1705131"/>
           </a:xfrm>
         </p:grpSpPr>
         <p:pic>
@@ -7474,8 +7474,8 @@
           </p:nvSpPr>
           <p:spPr>
             <a:xfrm>
-              <a:off x="2293000" y="2533059"/>
-              <a:ext cx="1469376" cy="251795"/>
+              <a:off x="2293000" y="2533058"/>
+              <a:ext cx="1469376" cy="255132"/>
             </a:xfrm>
             <a:prstGeom prst="rect">
               <a:avLst/>
@@ -7494,42 +7494,42 @@
             <a:p>
               <a:pPr algn="ctr"/>
               <a:r>
-                <a:rPr lang="en-US" altLang="ja-JP" sz="1400" dirty="0" smtClean="0">
-                  <a:solidFill>
-                    <a:schemeClr val="tx1">
-                      <a:lumMod val="85000"/>
-                      <a:lumOff val="15000"/>
-                    </a:schemeClr>
-                  </a:solidFill>
-                  <a:latin typeface="源柔ゴシックX Bold" panose="020B0602020203020207" pitchFamily="50" charset="-128"/>
-                  <a:ea typeface="源柔ゴシックX Bold" panose="020B0602020203020207" pitchFamily="50" charset="-128"/>
+                <a:rPr lang="en-US" altLang="ja-JP" sz="1050" dirty="0" smtClean="0">
+                  <a:solidFill>
+                    <a:schemeClr val="tx1">
+                      <a:lumMod val="85000"/>
+                      <a:lumOff val="15000"/>
+                    </a:schemeClr>
+                  </a:solidFill>
+                  <a:latin typeface="源ノ角ゴシック JP Normal" panose="020B0400000000000000" pitchFamily="34" charset="-128"/>
+                  <a:ea typeface="源ノ角ゴシック JP Normal" panose="020B0400000000000000" pitchFamily="34" charset="-128"/>
                   <a:cs typeface="源柔ゴシックX Bold" panose="020B0602020203020207" pitchFamily="50" charset="-128"/>
                 </a:rPr>
                 <a:t>14. </a:t>
               </a:r>
               <a:r>
-                <a:rPr lang="ja-JP" altLang="en-US" sz="1400" dirty="0">
-                  <a:solidFill>
-                    <a:schemeClr val="tx1">
-                      <a:lumMod val="85000"/>
-                      <a:lumOff val="15000"/>
-                    </a:schemeClr>
-                  </a:solidFill>
-                  <a:latin typeface="源柔ゴシックX Bold" panose="020B0602020203020207" pitchFamily="50" charset="-128"/>
-                  <a:ea typeface="源柔ゴシックX Bold" panose="020B0602020203020207" pitchFamily="50" charset="-128"/>
+                <a:rPr lang="ja-JP" altLang="en-US" sz="1050" dirty="0">
+                  <a:solidFill>
+                    <a:schemeClr val="tx1">
+                      <a:lumMod val="85000"/>
+                      <a:lumOff val="15000"/>
+                    </a:schemeClr>
+                  </a:solidFill>
+                  <a:latin typeface="源ノ角ゴシック JP Normal" panose="020B0400000000000000" pitchFamily="34" charset="-128"/>
+                  <a:ea typeface="源ノ角ゴシック JP Normal" panose="020B0400000000000000" pitchFamily="34" charset="-128"/>
                   <a:cs typeface="源柔ゴシックX Bold" panose="020B0602020203020207" pitchFamily="50" charset="-128"/>
                 </a:rPr>
                 <a:t>衝撃</a:t>
               </a:r>
-              <a:endParaRPr lang="ja-JP" altLang="en-US" sz="1400" dirty="0" smtClean="0">
+              <a:endParaRPr lang="ja-JP" altLang="en-US" sz="1050" dirty="0" smtClean="0">
                 <a:solidFill>
                   <a:schemeClr val="tx1">
                     <a:lumMod val="85000"/>
                     <a:lumOff val="15000"/>
                   </a:schemeClr>
                 </a:solidFill>
-                <a:latin typeface="源柔ゴシックX Bold" panose="020B0602020203020207" pitchFamily="50" charset="-128"/>
-                <a:ea typeface="源柔ゴシックX Bold" panose="020B0602020203020207" pitchFamily="50" charset="-128"/>
+                <a:latin typeface="源ノ角ゴシック JP Normal" panose="020B0400000000000000" pitchFamily="34" charset="-128"/>
+                <a:ea typeface="源ノ角ゴシック JP Normal" panose="020B0400000000000000" pitchFamily="34" charset="-128"/>
                 <a:cs typeface="源柔ゴシックX Bold" panose="020B0602020203020207" pitchFamily="50" charset="-128"/>
               </a:endParaRPr>
             </a:p>
@@ -7544,10 +7544,10 @@
         </p:nvGrpSpPr>
         <p:grpSpPr>
           <a:xfrm>
-            <a:off x="3623830" y="4891622"/>
-            <a:ext cx="1469376" cy="1701795"/>
+            <a:off x="7708625" y="2425758"/>
+            <a:ext cx="1184275" cy="1374287"/>
             <a:chOff x="2293000" y="1083059"/>
-            <a:chExt cx="1469376" cy="1701795"/>
+            <a:chExt cx="1469376" cy="1705131"/>
           </a:xfrm>
         </p:grpSpPr>
         <p:pic>
@@ -7588,8 +7588,8 @@
           </p:nvSpPr>
           <p:spPr>
             <a:xfrm>
-              <a:off x="2293000" y="2533059"/>
-              <a:ext cx="1469376" cy="251795"/>
+              <a:off x="2293000" y="2533058"/>
+              <a:ext cx="1469376" cy="255132"/>
             </a:xfrm>
             <a:prstGeom prst="rect">
               <a:avLst/>
@@ -7608,29 +7608,29 @@
             <a:p>
               <a:pPr algn="ctr"/>
               <a:r>
-                <a:rPr lang="en-US" altLang="ja-JP" sz="1400" dirty="0" smtClean="0">
-                  <a:solidFill>
-                    <a:schemeClr val="tx1">
-                      <a:lumMod val="85000"/>
-                      <a:lumOff val="15000"/>
-                    </a:schemeClr>
-                  </a:solidFill>
-                  <a:latin typeface="源柔ゴシックX Bold" panose="020B0602020203020207" pitchFamily="50" charset="-128"/>
-                  <a:ea typeface="源柔ゴシックX Bold" panose="020B0602020203020207" pitchFamily="50" charset="-128"/>
+                <a:rPr lang="en-US" altLang="ja-JP" sz="1050" dirty="0" smtClean="0">
+                  <a:solidFill>
+                    <a:schemeClr val="tx1">
+                      <a:lumMod val="85000"/>
+                      <a:lumOff val="15000"/>
+                    </a:schemeClr>
+                  </a:solidFill>
+                  <a:latin typeface="源ノ角ゴシック JP Normal" panose="020B0400000000000000" pitchFamily="34" charset="-128"/>
+                  <a:ea typeface="源ノ角ゴシック JP Normal" panose="020B0400000000000000" pitchFamily="34" charset="-128"/>
                   <a:cs typeface="源柔ゴシックX Bold" panose="020B0602020203020207" pitchFamily="50" charset="-128"/>
                 </a:rPr>
                 <a:t>15. </a:t>
               </a:r>
               <a:r>
-                <a:rPr lang="ja-JP" altLang="en-US" sz="1400" dirty="0" smtClean="0">
-                  <a:solidFill>
-                    <a:schemeClr val="tx1">
-                      <a:lumMod val="85000"/>
-                      <a:lumOff val="15000"/>
-                    </a:schemeClr>
-                  </a:solidFill>
-                  <a:latin typeface="源柔ゴシックX Bold" panose="020B0602020203020207" pitchFamily="50" charset="-128"/>
-                  <a:ea typeface="源柔ゴシックX Bold" panose="020B0602020203020207" pitchFamily="50" charset="-128"/>
+                <a:rPr lang="ja-JP" altLang="en-US" sz="1050" dirty="0" smtClean="0">
+                  <a:solidFill>
+                    <a:schemeClr val="tx1">
+                      <a:lumMod val="85000"/>
+                      <a:lumOff val="15000"/>
+                    </a:schemeClr>
+                  </a:solidFill>
+                  <a:latin typeface="源ノ角ゴシック JP Normal" panose="020B0400000000000000" pitchFamily="34" charset="-128"/>
+                  <a:ea typeface="源ノ角ゴシック JP Normal" panose="020B0400000000000000" pitchFamily="34" charset="-128"/>
                   <a:cs typeface="源柔ゴシックX Bold" panose="020B0602020203020207" pitchFamily="50" charset="-128"/>
                 </a:rPr>
                 <a:t>鬱</a:t>
@@ -7647,10 +7647,10 @@
         </p:nvGrpSpPr>
         <p:grpSpPr>
           <a:xfrm>
-            <a:off x="5294554" y="4891622"/>
-            <a:ext cx="1469376" cy="1701795"/>
+            <a:off x="8961781" y="2425758"/>
+            <a:ext cx="1184275" cy="1374287"/>
             <a:chOff x="2293000" y="1083059"/>
-            <a:chExt cx="1469376" cy="1701795"/>
+            <a:chExt cx="1469376" cy="1705131"/>
           </a:xfrm>
         </p:grpSpPr>
         <p:pic>
@@ -7691,8 +7691,8 @@
           </p:nvSpPr>
           <p:spPr>
             <a:xfrm>
-              <a:off x="2293000" y="2533059"/>
-              <a:ext cx="1469376" cy="251795"/>
+              <a:off x="2293000" y="2533058"/>
+              <a:ext cx="1469376" cy="255132"/>
             </a:xfrm>
             <a:prstGeom prst="rect">
               <a:avLst/>
@@ -7711,29 +7711,29 @@
             <a:p>
               <a:pPr algn="ctr"/>
               <a:r>
-                <a:rPr lang="en-US" altLang="ja-JP" sz="1400" dirty="0" smtClean="0">
-                  <a:solidFill>
-                    <a:schemeClr val="tx1">
-                      <a:lumMod val="85000"/>
-                      <a:lumOff val="15000"/>
-                    </a:schemeClr>
-                  </a:solidFill>
-                  <a:latin typeface="源柔ゴシックX Bold" panose="020B0602020203020207" pitchFamily="50" charset="-128"/>
-                  <a:ea typeface="源柔ゴシックX Bold" panose="020B0602020203020207" pitchFamily="50" charset="-128"/>
+                <a:rPr lang="en-US" altLang="ja-JP" sz="1050" dirty="0" smtClean="0">
+                  <a:solidFill>
+                    <a:schemeClr val="tx1">
+                      <a:lumMod val="85000"/>
+                      <a:lumOff val="15000"/>
+                    </a:schemeClr>
+                  </a:solidFill>
+                  <a:latin typeface="源ノ角ゴシック JP Normal" panose="020B0400000000000000" pitchFamily="34" charset="-128"/>
+                  <a:ea typeface="源ノ角ゴシック JP Normal" panose="020B0400000000000000" pitchFamily="34" charset="-128"/>
                   <a:cs typeface="源柔ゴシックX Bold" panose="020B0602020203020207" pitchFamily="50" charset="-128"/>
                 </a:rPr>
                 <a:t>16. </a:t>
               </a:r>
               <a:r>
-                <a:rPr lang="ja-JP" altLang="en-US" sz="1400" dirty="0" smtClean="0">
-                  <a:solidFill>
-                    <a:schemeClr val="tx1">
-                      <a:lumMod val="85000"/>
-                      <a:lumOff val="15000"/>
-                    </a:schemeClr>
-                  </a:solidFill>
-                  <a:latin typeface="源柔ゴシックX Bold" panose="020B0602020203020207" pitchFamily="50" charset="-128"/>
-                  <a:ea typeface="源柔ゴシックX Bold" panose="020B0602020203020207" pitchFamily="50" charset="-128"/>
+                <a:rPr lang="ja-JP" altLang="en-US" sz="1050" dirty="0" smtClean="0">
+                  <a:solidFill>
+                    <a:schemeClr val="tx1">
+                      <a:lumMod val="85000"/>
+                      <a:lumOff val="15000"/>
+                    </a:schemeClr>
+                  </a:solidFill>
+                  <a:latin typeface="源ノ角ゴシック JP Normal" panose="020B0400000000000000" pitchFamily="34" charset="-128"/>
+                  <a:ea typeface="源ノ角ゴシック JP Normal" panose="020B0400000000000000" pitchFamily="34" charset="-128"/>
                   <a:cs typeface="源柔ゴシックX Bold" panose="020B0602020203020207" pitchFamily="50" charset="-128"/>
                 </a:rPr>
                 <a:t>固有</a:t>
@@ -7750,10 +7750,10 @@
         </p:nvGrpSpPr>
         <p:grpSpPr>
           <a:xfrm>
-            <a:off x="6965278" y="4891622"/>
-            <a:ext cx="1469376" cy="1701795"/>
+            <a:off x="189670" y="3946191"/>
+            <a:ext cx="1184275" cy="1374287"/>
             <a:chOff x="2293000" y="1083059"/>
-            <a:chExt cx="1469376" cy="1701795"/>
+            <a:chExt cx="1469376" cy="1705131"/>
           </a:xfrm>
         </p:grpSpPr>
         <p:pic>
@@ -7794,8 +7794,8 @@
           </p:nvSpPr>
           <p:spPr>
             <a:xfrm>
-              <a:off x="2293000" y="2533059"/>
-              <a:ext cx="1469376" cy="251795"/>
+              <a:off x="2293000" y="2533058"/>
+              <a:ext cx="1469376" cy="255132"/>
             </a:xfrm>
             <a:prstGeom prst="rect">
               <a:avLst/>
@@ -7814,29 +7814,29 @@
             <a:p>
               <a:pPr algn="ctr"/>
               <a:r>
-                <a:rPr lang="en-US" altLang="ja-JP" sz="1400" dirty="0" smtClean="0">
-                  <a:solidFill>
-                    <a:schemeClr val="tx1">
-                      <a:lumMod val="85000"/>
-                      <a:lumOff val="15000"/>
-                    </a:schemeClr>
-                  </a:solidFill>
-                  <a:latin typeface="源柔ゴシックX Bold" panose="020B0602020203020207" pitchFamily="50" charset="-128"/>
-                  <a:ea typeface="源柔ゴシックX Bold" panose="020B0602020203020207" pitchFamily="50" charset="-128"/>
+                <a:rPr lang="en-US" altLang="ja-JP" sz="1050" dirty="0" smtClean="0">
+                  <a:solidFill>
+                    <a:schemeClr val="tx1">
+                      <a:lumMod val="85000"/>
+                      <a:lumOff val="15000"/>
+                    </a:schemeClr>
+                  </a:solidFill>
+                  <a:latin typeface="源ノ角ゴシック JP Normal" panose="020B0400000000000000" pitchFamily="34" charset="-128"/>
+                  <a:ea typeface="源ノ角ゴシック JP Normal" panose="020B0400000000000000" pitchFamily="34" charset="-128"/>
                   <a:cs typeface="源柔ゴシックX Bold" panose="020B0602020203020207" pitchFamily="50" charset="-128"/>
                 </a:rPr>
                 <a:t>17. </a:t>
               </a:r>
               <a:r>
-                <a:rPr lang="ja-JP" altLang="en-US" sz="1400" dirty="0" smtClean="0">
-                  <a:solidFill>
-                    <a:schemeClr val="tx1">
-                      <a:lumMod val="85000"/>
-                      <a:lumOff val="15000"/>
-                    </a:schemeClr>
-                  </a:solidFill>
-                  <a:latin typeface="源柔ゴシックX Bold" panose="020B0602020203020207" pitchFamily="50" charset="-128"/>
-                  <a:ea typeface="源柔ゴシックX Bold" panose="020B0602020203020207" pitchFamily="50" charset="-128"/>
+                <a:rPr lang="ja-JP" altLang="en-US" sz="1050" dirty="0" smtClean="0">
+                  <a:solidFill>
+                    <a:schemeClr val="tx1">
+                      <a:lumMod val="85000"/>
+                      <a:lumOff val="15000"/>
+                    </a:schemeClr>
+                  </a:solidFill>
+                  <a:latin typeface="源ノ角ゴシック JP Normal" panose="020B0400000000000000" pitchFamily="34" charset="-128"/>
+                  <a:ea typeface="源ノ角ゴシック JP Normal" panose="020B0400000000000000" pitchFamily="34" charset="-128"/>
                   <a:cs typeface="源柔ゴシックX Bold" panose="020B0602020203020207" pitchFamily="50" charset="-128"/>
                 </a:rPr>
                 <a:t>固有</a:t>
@@ -7853,10 +7853,10 @@
         </p:nvGrpSpPr>
         <p:grpSpPr>
           <a:xfrm>
-            <a:off x="8636000" y="4891622"/>
-            <a:ext cx="1469376" cy="1701795"/>
+            <a:off x="1442829" y="3946191"/>
+            <a:ext cx="1184275" cy="1374287"/>
             <a:chOff x="2293000" y="1083059"/>
-            <a:chExt cx="1469376" cy="1701795"/>
+            <a:chExt cx="1469376" cy="1705131"/>
           </a:xfrm>
         </p:grpSpPr>
         <p:pic>
@@ -7897,8 +7897,8 @@
           </p:nvSpPr>
           <p:spPr>
             <a:xfrm>
-              <a:off x="2293000" y="2533059"/>
-              <a:ext cx="1469376" cy="251795"/>
+              <a:off x="2293000" y="2533058"/>
+              <a:ext cx="1469376" cy="255132"/>
             </a:xfrm>
             <a:prstGeom prst="rect">
               <a:avLst/>
@@ -7917,29 +7917,29 @@
             <a:p>
               <a:pPr algn="ctr"/>
               <a:r>
-                <a:rPr lang="en-US" altLang="ja-JP" sz="1400" dirty="0" smtClean="0">
-                  <a:solidFill>
-                    <a:schemeClr val="tx1">
-                      <a:lumMod val="85000"/>
-                      <a:lumOff val="15000"/>
-                    </a:schemeClr>
-                  </a:solidFill>
-                  <a:latin typeface="源柔ゴシックX Bold" panose="020B0602020203020207" pitchFamily="50" charset="-128"/>
-                  <a:ea typeface="源柔ゴシックX Bold" panose="020B0602020203020207" pitchFamily="50" charset="-128"/>
+                <a:rPr lang="en-US" altLang="ja-JP" sz="1050" dirty="0" smtClean="0">
+                  <a:solidFill>
+                    <a:schemeClr val="tx1">
+                      <a:lumMod val="85000"/>
+                      <a:lumOff val="15000"/>
+                    </a:schemeClr>
+                  </a:solidFill>
+                  <a:latin typeface="源ノ角ゴシック JP Normal" panose="020B0400000000000000" pitchFamily="34" charset="-128"/>
+                  <a:ea typeface="源ノ角ゴシック JP Normal" panose="020B0400000000000000" pitchFamily="34" charset="-128"/>
                   <a:cs typeface="源柔ゴシックX Bold" panose="020B0602020203020207" pitchFamily="50" charset="-128"/>
                 </a:rPr>
                 <a:t>18. </a:t>
               </a:r>
               <a:r>
-                <a:rPr lang="ja-JP" altLang="en-US" sz="1400" dirty="0" smtClean="0">
-                  <a:solidFill>
-                    <a:schemeClr val="tx1">
-                      <a:lumMod val="85000"/>
-                      <a:lumOff val="15000"/>
-                    </a:schemeClr>
-                  </a:solidFill>
-                  <a:latin typeface="源柔ゴシックX Bold" panose="020B0602020203020207" pitchFamily="50" charset="-128"/>
-                  <a:ea typeface="源柔ゴシックX Bold" panose="020B0602020203020207" pitchFamily="50" charset="-128"/>
+                <a:rPr lang="ja-JP" altLang="en-US" sz="1050" dirty="0" smtClean="0">
+                  <a:solidFill>
+                    <a:schemeClr val="tx1">
+                      <a:lumMod val="85000"/>
+                      <a:lumOff val="15000"/>
+                    </a:schemeClr>
+                  </a:solidFill>
+                  <a:latin typeface="源ノ角ゴシック JP Normal" panose="020B0400000000000000" pitchFamily="34" charset="-128"/>
+                  <a:ea typeface="源ノ角ゴシック JP Normal" panose="020B0400000000000000" pitchFamily="34" charset="-128"/>
                   <a:cs typeface="源柔ゴシックX Bold" panose="020B0602020203020207" pitchFamily="50" charset="-128"/>
                 </a:rPr>
                 <a:t>固有</a:t>
@@ -7978,6 +7978,474 @@
           </a:prstGeom>
         </p:spPr>
       </p:pic>
+      <p:grpSp>
+        <p:nvGrpSpPr>
+          <p:cNvPr id="59" name="グループ化 58"/>
+          <p:cNvGrpSpPr/>
+          <p:nvPr/>
+        </p:nvGrpSpPr>
+        <p:grpSpPr>
+          <a:xfrm>
+            <a:off x="2716798" y="3946191"/>
+            <a:ext cx="1184275" cy="1374287"/>
+            <a:chOff x="2293000" y="1083059"/>
+            <a:chExt cx="1469376" cy="1705131"/>
+          </a:xfrm>
+        </p:grpSpPr>
+        <p:pic>
+          <p:nvPicPr>
+            <p:cNvPr id="60" name="図 59"/>
+            <p:cNvPicPr>
+              <a:picLocks noChangeAspect="1"/>
+            </p:cNvPicPr>
+            <p:nvPr/>
+          </p:nvPicPr>
+          <p:blipFill>
+            <a:blip r:embed="rId21" cstate="print">
+              <a:extLst>
+                <a:ext uri="{28A0092B-C50C-407E-A947-70E740481C1C}">
+                  <a14:useLocalDpi xmlns:a14="http://schemas.microsoft.com/office/drawing/2010/main" val="0"/>
+                </a:ext>
+              </a:extLst>
+            </a:blip>
+            <a:stretch>
+              <a:fillRect/>
+            </a:stretch>
+          </p:blipFill>
+          <p:spPr>
+            <a:xfrm>
+              <a:off x="2420841" y="1083059"/>
+              <a:ext cx="1265334" cy="1265334"/>
+            </a:xfrm>
+            <a:prstGeom prst="rect">
+              <a:avLst/>
+            </a:prstGeom>
+          </p:spPr>
+        </p:pic>
+        <p:sp>
+          <p:nvSpPr>
+            <p:cNvPr id="61" name="テキスト ボックス 60"/>
+            <p:cNvSpPr txBox="1"/>
+            <p:nvPr/>
+          </p:nvSpPr>
+          <p:spPr>
+            <a:xfrm>
+              <a:off x="2293000" y="2533058"/>
+              <a:ext cx="1469376" cy="255132"/>
+            </a:xfrm>
+            <a:prstGeom prst="rect">
+              <a:avLst/>
+            </a:prstGeom>
+            <a:solidFill>
+              <a:schemeClr val="bg1">
+                <a:lumMod val="85000"/>
+              </a:schemeClr>
+            </a:solidFill>
+          </p:spPr>
+          <p:txBody>
+            <a:bodyPr wrap="square" lIns="36000" tIns="18000" rIns="36000" bIns="18000" rtlCol="0">
+              <a:spAutoFit/>
+            </a:bodyPr>
+            <a:lstStyle/>
+            <a:p>
+              <a:pPr algn="ctr"/>
+              <a:r>
+                <a:rPr lang="en-US" altLang="ja-JP" sz="1050" dirty="0" smtClean="0">
+                  <a:solidFill>
+                    <a:schemeClr val="tx1">
+                      <a:lumMod val="85000"/>
+                      <a:lumOff val="15000"/>
+                    </a:schemeClr>
+                  </a:solidFill>
+                  <a:latin typeface="源ノ角ゴシック JP Normal" panose="020B0400000000000000" pitchFamily="34" charset="-128"/>
+                  <a:ea typeface="源ノ角ゴシック JP Normal" panose="020B0400000000000000" pitchFamily="34" charset="-128"/>
+                  <a:cs typeface="源柔ゴシックX Bold" panose="020B0602020203020207" pitchFamily="50" charset="-128"/>
+                </a:rPr>
+                <a:t>19. </a:t>
+              </a:r>
+              <a:r>
+                <a:rPr lang="ja-JP" altLang="en-US" sz="1050" dirty="0" smtClean="0">
+                  <a:solidFill>
+                    <a:schemeClr val="tx1">
+                      <a:lumMod val="85000"/>
+                      <a:lumOff val="15000"/>
+                    </a:schemeClr>
+                  </a:solidFill>
+                  <a:latin typeface="源ノ角ゴシック JP Normal" panose="020B0400000000000000" pitchFamily="34" charset="-128"/>
+                  <a:ea typeface="源ノ角ゴシック JP Normal" panose="020B0400000000000000" pitchFamily="34" charset="-128"/>
+                  <a:cs typeface="源柔ゴシックX Bold" panose="020B0602020203020207" pitchFamily="50" charset="-128"/>
+                </a:rPr>
+                <a:t>固有</a:t>
+              </a:r>
+              <a:r>
+                <a:rPr lang="en-US" altLang="ja-JP" sz="1050" dirty="0" smtClean="0">
+                  <a:solidFill>
+                    <a:schemeClr val="tx1">
+                      <a:lumMod val="85000"/>
+                      <a:lumOff val="15000"/>
+                    </a:schemeClr>
+                  </a:solidFill>
+                  <a:latin typeface="源ノ角ゴシック JP Normal" panose="020B0400000000000000" pitchFamily="34" charset="-128"/>
+                  <a:ea typeface="源ノ角ゴシック JP Normal" panose="020B0400000000000000" pitchFamily="34" charset="-128"/>
+                  <a:cs typeface="源柔ゴシックX Bold" panose="020B0602020203020207" pitchFamily="50" charset="-128"/>
+                </a:rPr>
+                <a:t>(</a:t>
+              </a:r>
+              <a:r>
+                <a:rPr lang="ja-JP" altLang="en-US" sz="1050" dirty="0" smtClean="0">
+                  <a:solidFill>
+                    <a:schemeClr val="tx1">
+                      <a:lumMod val="85000"/>
+                      <a:lumOff val="15000"/>
+                    </a:schemeClr>
+                  </a:solidFill>
+                  <a:latin typeface="源ノ角ゴシック JP Normal" panose="020B0400000000000000" pitchFamily="34" charset="-128"/>
+                  <a:ea typeface="源ノ角ゴシック JP Normal" panose="020B0400000000000000" pitchFamily="34" charset="-128"/>
+                  <a:cs typeface="源柔ゴシックX Bold" panose="020B0602020203020207" pitchFamily="50" charset="-128"/>
+                </a:rPr>
+                <a:t>真面目</a:t>
+              </a:r>
+              <a:r>
+                <a:rPr lang="en-US" altLang="ja-JP" sz="1050" dirty="0" smtClean="0">
+                  <a:solidFill>
+                    <a:schemeClr val="tx1">
+                      <a:lumMod val="85000"/>
+                      <a:lumOff val="15000"/>
+                    </a:schemeClr>
+                  </a:solidFill>
+                  <a:latin typeface="源ノ角ゴシック JP Normal" panose="020B0400000000000000" pitchFamily="34" charset="-128"/>
+                  <a:ea typeface="源ノ角ゴシック JP Normal" panose="020B0400000000000000" pitchFamily="34" charset="-128"/>
+                  <a:cs typeface="源柔ゴシックX Bold" panose="020B0602020203020207" pitchFamily="50" charset="-128"/>
+                </a:rPr>
+                <a:t>)</a:t>
+              </a:r>
+              <a:endParaRPr lang="ja-JP" altLang="en-US" sz="1050" dirty="0" smtClean="0">
+                <a:solidFill>
+                  <a:schemeClr val="tx1">
+                    <a:lumMod val="85000"/>
+                    <a:lumOff val="15000"/>
+                  </a:schemeClr>
+                </a:solidFill>
+                <a:latin typeface="源ノ角ゴシック JP Normal" panose="020B0400000000000000" pitchFamily="34" charset="-128"/>
+                <a:ea typeface="源ノ角ゴシック JP Normal" panose="020B0400000000000000" pitchFamily="34" charset="-128"/>
+                <a:cs typeface="源柔ゴシックX Bold" panose="020B0602020203020207" pitchFamily="50" charset="-128"/>
+              </a:endParaRPr>
+            </a:p>
+          </p:txBody>
+        </p:sp>
+      </p:grpSp>
+      <p:grpSp>
+        <p:nvGrpSpPr>
+          <p:cNvPr id="62" name="グループ化 61"/>
+          <p:cNvGrpSpPr/>
+          <p:nvPr/>
+        </p:nvGrpSpPr>
+        <p:grpSpPr>
+          <a:xfrm>
+            <a:off x="3969957" y="3946191"/>
+            <a:ext cx="1184275" cy="1366591"/>
+            <a:chOff x="2293000" y="1083059"/>
+            <a:chExt cx="1469376" cy="1695583"/>
+          </a:xfrm>
+        </p:grpSpPr>
+        <p:pic>
+          <p:nvPicPr>
+            <p:cNvPr id="63" name="図 62"/>
+            <p:cNvPicPr>
+              <a:picLocks noChangeAspect="1"/>
+            </p:cNvPicPr>
+            <p:nvPr/>
+          </p:nvPicPr>
+          <p:blipFill>
+            <a:blip r:embed="rId22" cstate="print">
+              <a:extLst>
+                <a:ext uri="{28A0092B-C50C-407E-A947-70E740481C1C}">
+                  <a14:useLocalDpi xmlns:a14="http://schemas.microsoft.com/office/drawing/2010/main" val="0"/>
+                </a:ext>
+              </a:extLst>
+            </a:blip>
+            <a:stretch>
+              <a:fillRect/>
+            </a:stretch>
+          </p:blipFill>
+          <p:spPr>
+            <a:xfrm>
+              <a:off x="2420841" y="1083059"/>
+              <a:ext cx="1265334" cy="1265334"/>
+            </a:xfrm>
+            <a:prstGeom prst="rect">
+              <a:avLst/>
+            </a:prstGeom>
+          </p:spPr>
+        </p:pic>
+        <p:sp>
+          <p:nvSpPr>
+            <p:cNvPr id="82" name="テキスト ボックス 81"/>
+            <p:cNvSpPr txBox="1"/>
+            <p:nvPr/>
+          </p:nvSpPr>
+          <p:spPr>
+            <a:xfrm>
+              <a:off x="2293000" y="2533058"/>
+              <a:ext cx="1469376" cy="245584"/>
+            </a:xfrm>
+            <a:prstGeom prst="rect">
+              <a:avLst/>
+            </a:prstGeom>
+            <a:solidFill>
+              <a:schemeClr val="bg1">
+                <a:lumMod val="85000"/>
+              </a:schemeClr>
+            </a:solidFill>
+          </p:spPr>
+          <p:txBody>
+            <a:bodyPr wrap="square" lIns="36000" tIns="18000" rIns="36000" bIns="18000" rtlCol="0">
+              <a:spAutoFit/>
+            </a:bodyPr>
+            <a:lstStyle/>
+            <a:p>
+              <a:pPr algn="ctr"/>
+              <a:r>
+                <a:rPr lang="en-US" altLang="ja-JP" sz="1050" dirty="0" smtClean="0">
+                  <a:solidFill>
+                    <a:schemeClr val="tx1">
+                      <a:lumMod val="85000"/>
+                      <a:lumOff val="15000"/>
+                    </a:schemeClr>
+                  </a:solidFill>
+                  <a:latin typeface="源ノ角ゴシック JP Normal" panose="020B0400000000000000" pitchFamily="34" charset="-128"/>
+                  <a:ea typeface="源ノ角ゴシック JP Normal" panose="020B0400000000000000" pitchFamily="34" charset="-128"/>
+                  <a:cs typeface="源柔ゴシックX Bold" panose="020B0602020203020207" pitchFamily="50" charset="-128"/>
+                </a:rPr>
+                <a:t>20. </a:t>
+              </a:r>
+              <a:r>
+                <a:rPr lang="ja-JP" altLang="en-US" sz="1050" dirty="0" smtClean="0">
+                  <a:solidFill>
+                    <a:schemeClr val="tx1">
+                      <a:lumMod val="85000"/>
+                      <a:lumOff val="15000"/>
+                    </a:schemeClr>
+                  </a:solidFill>
+                  <a:latin typeface="源ノ角ゴシック JP Normal" panose="020B0400000000000000" pitchFamily="34" charset="-128"/>
+                  <a:ea typeface="源ノ角ゴシック JP Normal" panose="020B0400000000000000" pitchFamily="34" charset="-128"/>
+                  <a:cs typeface="源柔ゴシックX Bold" panose="020B0602020203020207" pitchFamily="50" charset="-128"/>
+                </a:rPr>
+                <a:t>固有</a:t>
+              </a:r>
+              <a:r>
+                <a:rPr lang="en-US" altLang="ja-JP" sz="1050" dirty="0" smtClean="0">
+                  <a:solidFill>
+                    <a:schemeClr val="tx1">
+                      <a:lumMod val="85000"/>
+                      <a:lumOff val="15000"/>
+                    </a:schemeClr>
+                  </a:solidFill>
+                  <a:latin typeface="源ノ角ゴシック JP Normal" panose="020B0400000000000000" pitchFamily="34" charset="-128"/>
+                  <a:ea typeface="源ノ角ゴシック JP Normal" panose="020B0400000000000000" pitchFamily="34" charset="-128"/>
+                  <a:cs typeface="源柔ゴシックX Bold" panose="020B0602020203020207" pitchFamily="50" charset="-128"/>
+                </a:rPr>
+                <a:t>(</a:t>
+              </a:r>
+              <a:r>
+                <a:rPr lang="ja-JP" altLang="en-US" sz="1050" dirty="0" smtClean="0">
+                  <a:solidFill>
+                    <a:schemeClr val="tx1">
+                      <a:lumMod val="85000"/>
+                      <a:lumOff val="15000"/>
+                    </a:schemeClr>
+                  </a:solidFill>
+                  <a:latin typeface="源ノ角ゴシック JP Normal" panose="020B0400000000000000" pitchFamily="34" charset="-128"/>
+                  <a:ea typeface="源ノ角ゴシック JP Normal" panose="020B0400000000000000" pitchFamily="34" charset="-128"/>
+                  <a:cs typeface="源柔ゴシックX Bold" panose="020B0602020203020207" pitchFamily="50" charset="-128"/>
+                </a:rPr>
+                <a:t>憔悴</a:t>
+              </a:r>
+              <a:r>
+                <a:rPr lang="en-US" altLang="ja-JP" sz="1050" dirty="0" smtClean="0">
+                  <a:solidFill>
+                    <a:schemeClr val="tx1">
+                      <a:lumMod val="85000"/>
+                      <a:lumOff val="15000"/>
+                    </a:schemeClr>
+                  </a:solidFill>
+                  <a:latin typeface="源ノ角ゴシック JP Normal" panose="020B0400000000000000" pitchFamily="34" charset="-128"/>
+                  <a:ea typeface="源ノ角ゴシック JP Normal" panose="020B0400000000000000" pitchFamily="34" charset="-128"/>
+                  <a:cs typeface="源柔ゴシックX Bold" panose="020B0602020203020207" pitchFamily="50" charset="-128"/>
+                </a:rPr>
+                <a:t>)</a:t>
+              </a:r>
+              <a:endParaRPr lang="ja-JP" altLang="en-US" sz="1050" dirty="0" smtClean="0">
+                <a:solidFill>
+                  <a:schemeClr val="tx1">
+                    <a:lumMod val="85000"/>
+                    <a:lumOff val="15000"/>
+                  </a:schemeClr>
+                </a:solidFill>
+                <a:latin typeface="源ノ角ゴシック JP Normal" panose="020B0400000000000000" pitchFamily="34" charset="-128"/>
+                <a:ea typeface="源ノ角ゴシック JP Normal" panose="020B0400000000000000" pitchFamily="34" charset="-128"/>
+                <a:cs typeface="源柔ゴシックX Bold" panose="020B0602020203020207" pitchFamily="50" charset="-128"/>
+              </a:endParaRPr>
+            </a:p>
+          </p:txBody>
+        </p:sp>
+      </p:grpSp>
+      <p:grpSp>
+        <p:nvGrpSpPr>
+          <p:cNvPr id="83" name="グループ化 82"/>
+          <p:cNvGrpSpPr/>
+          <p:nvPr/>
+        </p:nvGrpSpPr>
+        <p:grpSpPr>
+          <a:xfrm>
+            <a:off x="5223116" y="3946191"/>
+            <a:ext cx="1184275" cy="1366591"/>
+            <a:chOff x="2293000" y="1083059"/>
+            <a:chExt cx="1469376" cy="1695583"/>
+          </a:xfrm>
+        </p:grpSpPr>
+        <p:pic>
+          <p:nvPicPr>
+            <p:cNvPr id="84" name="図 83"/>
+            <p:cNvPicPr>
+              <a:picLocks noChangeAspect="1"/>
+            </p:cNvPicPr>
+            <p:nvPr/>
+          </p:nvPicPr>
+          <p:blipFill>
+            <a:blip r:embed="rId23" cstate="print">
+              <a:extLst>
+                <a:ext uri="{28A0092B-C50C-407E-A947-70E740481C1C}">
+                  <a14:useLocalDpi xmlns:a14="http://schemas.microsoft.com/office/drawing/2010/main" val="0"/>
+                </a:ext>
+              </a:extLst>
+            </a:blip>
+            <a:stretch>
+              <a:fillRect/>
+            </a:stretch>
+          </p:blipFill>
+          <p:spPr>
+            <a:xfrm>
+              <a:off x="2420841" y="1083059"/>
+              <a:ext cx="1265334" cy="1265334"/>
+            </a:xfrm>
+            <a:prstGeom prst="rect">
+              <a:avLst/>
+            </a:prstGeom>
+          </p:spPr>
+        </p:pic>
+        <p:sp>
+          <p:nvSpPr>
+            <p:cNvPr id="85" name="テキスト ボックス 84"/>
+            <p:cNvSpPr txBox="1"/>
+            <p:nvPr/>
+          </p:nvSpPr>
+          <p:spPr>
+            <a:xfrm>
+              <a:off x="2293000" y="2533058"/>
+              <a:ext cx="1469376" cy="245584"/>
+            </a:xfrm>
+            <a:prstGeom prst="rect">
+              <a:avLst/>
+            </a:prstGeom>
+            <a:solidFill>
+              <a:schemeClr val="bg1">
+                <a:lumMod val="85000"/>
+              </a:schemeClr>
+            </a:solidFill>
+          </p:spPr>
+          <p:txBody>
+            <a:bodyPr wrap="square" lIns="36000" tIns="18000" rIns="36000" bIns="18000" rtlCol="0">
+              <a:spAutoFit/>
+            </a:bodyPr>
+            <a:lstStyle/>
+            <a:p>
+              <a:pPr algn="ctr"/>
+              <a:r>
+                <a:rPr lang="en-US" altLang="ja-JP" sz="1050" dirty="0" smtClean="0">
+                  <a:solidFill>
+                    <a:schemeClr val="tx1">
+                      <a:lumMod val="85000"/>
+                      <a:lumOff val="15000"/>
+                    </a:schemeClr>
+                  </a:solidFill>
+                  <a:latin typeface="源ノ角ゴシック JP Normal" panose="020B0400000000000000" pitchFamily="34" charset="-128"/>
+                  <a:ea typeface="源ノ角ゴシック JP Normal" panose="020B0400000000000000" pitchFamily="34" charset="-128"/>
+                  <a:cs typeface="源柔ゴシックX Bold" panose="020B0602020203020207" pitchFamily="50" charset="-128"/>
+                </a:rPr>
+                <a:t>21. </a:t>
+              </a:r>
+              <a:r>
+                <a:rPr lang="ja-JP" altLang="en-US" sz="1050" dirty="0" smtClean="0">
+                  <a:solidFill>
+                    <a:schemeClr val="tx1">
+                      <a:lumMod val="85000"/>
+                      <a:lumOff val="15000"/>
+                    </a:schemeClr>
+                  </a:solidFill>
+                  <a:latin typeface="源ノ角ゴシック JP Normal" panose="020B0400000000000000" pitchFamily="34" charset="-128"/>
+                  <a:ea typeface="源ノ角ゴシック JP Normal" panose="020B0400000000000000" pitchFamily="34" charset="-128"/>
+                  <a:cs typeface="源柔ゴシックX Bold" panose="020B0602020203020207" pitchFamily="50" charset="-128"/>
+                </a:rPr>
+                <a:t>固有</a:t>
+              </a:r>
+              <a:r>
+                <a:rPr lang="en-US" altLang="ja-JP" sz="1050" dirty="0" smtClean="0">
+                  <a:solidFill>
+                    <a:schemeClr val="tx1">
+                      <a:lumMod val="85000"/>
+                      <a:lumOff val="15000"/>
+                    </a:schemeClr>
+                  </a:solidFill>
+                  <a:latin typeface="源ノ角ゴシック JP Normal" panose="020B0400000000000000" pitchFamily="34" charset="-128"/>
+                  <a:ea typeface="源ノ角ゴシック JP Normal" panose="020B0400000000000000" pitchFamily="34" charset="-128"/>
+                  <a:cs typeface="源柔ゴシックX Bold" panose="020B0602020203020207" pitchFamily="50" charset="-128"/>
+                </a:rPr>
+                <a:t>(</a:t>
+              </a:r>
+              <a:r>
+                <a:rPr lang="ja-JP" altLang="en-US" sz="1050" dirty="0" smtClean="0">
+                  <a:solidFill>
+                    <a:schemeClr val="tx1">
+                      <a:lumMod val="85000"/>
+                      <a:lumOff val="15000"/>
+                    </a:schemeClr>
+                  </a:solidFill>
+                  <a:latin typeface="源ノ角ゴシック JP Normal" panose="020B0400000000000000" pitchFamily="34" charset="-128"/>
+                  <a:ea typeface="源ノ角ゴシック JP Normal" panose="020B0400000000000000" pitchFamily="34" charset="-128"/>
+                  <a:cs typeface="源柔ゴシックX Bold" panose="020B0602020203020207" pitchFamily="50" charset="-128"/>
+                </a:rPr>
+                <a:t>自害</a:t>
+              </a:r>
+              <a:r>
+                <a:rPr lang="en-US" altLang="ja-JP" sz="1050" dirty="0" smtClean="0">
+                  <a:solidFill>
+                    <a:schemeClr val="tx1">
+                      <a:lumMod val="85000"/>
+                      <a:lumOff val="15000"/>
+                    </a:schemeClr>
+                  </a:solidFill>
+                  <a:latin typeface="源ノ角ゴシック JP Normal" panose="020B0400000000000000" pitchFamily="34" charset="-128"/>
+                  <a:ea typeface="源ノ角ゴシック JP Normal" panose="020B0400000000000000" pitchFamily="34" charset="-128"/>
+                  <a:cs typeface="源柔ゴシックX Bold" panose="020B0602020203020207" pitchFamily="50" charset="-128"/>
+                </a:rPr>
+                <a:t>)</a:t>
+              </a:r>
+              <a:endParaRPr lang="ja-JP" altLang="en-US" sz="1050" dirty="0" smtClean="0">
+                <a:solidFill>
+                  <a:schemeClr val="tx1">
+                    <a:lumMod val="85000"/>
+                    <a:lumOff val="15000"/>
+                  </a:schemeClr>
+                </a:solidFill>
+                <a:latin typeface="源ノ角ゴシック JP Normal" panose="020B0400000000000000" pitchFamily="34" charset="-128"/>
+                <a:ea typeface="源ノ角ゴシック JP Normal" panose="020B0400000000000000" pitchFamily="34" charset="-128"/>
+                <a:cs typeface="源柔ゴシックX Bold" panose="020B0602020203020207" pitchFamily="50" charset="-128"/>
+              </a:endParaRPr>
+            </a:p>
+          </p:txBody>
+        </p:sp>
+      </p:grpSp>
     </p:spTree>
     <p:extLst>
       <p:ext uri="{BB962C8B-B14F-4D97-AF65-F5344CB8AC3E}">
@@ -8041,20 +8509,7 @@
                 <a:latin typeface="源界明朝" panose="02000900000000000000" pitchFamily="2" charset="-128"/>
                 <a:ea typeface="源界明朝" panose="02000900000000000000" pitchFamily="2" charset="-128"/>
               </a:rPr>
-              <a:t>#</a:t>
-            </a:r>
-            <a:r>
-              <a:rPr kumimoji="1" lang="en-US" altLang="ja-JP" sz="4000" dirty="0" smtClean="0">
-                <a:solidFill>
-                  <a:schemeClr val="bg1">
-                    <a:lumMod val="75000"/>
-                    <a:alpha val="50000"/>
-                  </a:schemeClr>
-                </a:solidFill>
-                <a:latin typeface="源界明朝" panose="02000900000000000000" pitchFamily="2" charset="-128"/>
-                <a:ea typeface="源界明朝" panose="02000900000000000000" pitchFamily="2" charset="-128"/>
-              </a:rPr>
-              <a:t>0</a:t>
+              <a:t>#0</a:t>
             </a:r>
             <a:r>
               <a:rPr lang="en-US" altLang="ja-JP" sz="4000" dirty="0">
